--- a/SRS/Presentation.pptx
+++ b/SRS/Presentation.pptx
@@ -8,8 +8,10 @@
     <p:sldId id="257" r:id="rId2"/>
     <p:sldId id="258" r:id="rId3"/>
     <p:sldId id="259" r:id="rId4"/>
-    <p:sldId id="260" r:id="rId5"/>
+    <p:sldId id="263" r:id="rId5"/>
     <p:sldId id="261" r:id="rId6"/>
+    <p:sldId id="264" r:id="rId7"/>
+    <p:sldId id="260" r:id="rId8"/>
   </p:sldIdLst>
   <p:sldSz cx="9144000" cy="6858000" type="screen4x3"/>
   <p:notesSz cx="6858000" cy="9144000"/>
@@ -4114,6 +4116,1270 @@
 </file>
 
 <file path=ppt/slides/slide4.xml><?xml version="1.0" encoding="utf-8"?>
+<p:sld xmlns:a="http://schemas.openxmlformats.org/drawingml/2006/main" xmlns:r="http://schemas.openxmlformats.org/officeDocument/2006/relationships" xmlns:p="http://schemas.openxmlformats.org/presentationml/2006/main">
+  <p:cSld>
+    <p:spTree>
+      <p:nvGrpSpPr>
+        <p:cNvPr id="1" name=""/>
+        <p:cNvGrpSpPr/>
+        <p:nvPr/>
+      </p:nvGrpSpPr>
+      <p:grpSpPr>
+        <a:xfrm>
+          <a:off x="0" y="0"/>
+          <a:ext cx="0" cy="0"/>
+          <a:chOff x="0" y="0"/>
+          <a:chExt cx="0" cy="0"/>
+        </a:xfrm>
+      </p:grpSpPr>
+      <p:sp>
+        <p:nvSpPr>
+          <p:cNvPr id="2" name="Title 1"/>
+          <p:cNvSpPr>
+            <a:spLocks noGrp="1"/>
+          </p:cNvSpPr>
+          <p:nvPr>
+            <p:ph type="title"/>
+          </p:nvPr>
+        </p:nvSpPr>
+        <p:spPr/>
+        <p:txBody>
+          <a:bodyPr/>
+          <a:lstStyle/>
+          <a:p>
+            <a:r>
+              <a:rPr lang="en-US" dirty="0" smtClean="0"/>
+              <a:t>Functional Requirement</a:t>
+            </a:r>
+            <a:endParaRPr lang="en-US" dirty="0"/>
+          </a:p>
+        </p:txBody>
+      </p:sp>
+      <p:graphicFrame>
+        <p:nvGraphicFramePr>
+          <p:cNvPr id="5" name="Content Placeholder 4"/>
+          <p:cNvGraphicFramePr>
+            <a:graphicFrameLocks noGrp="1"/>
+          </p:cNvGraphicFramePr>
+          <p:nvPr>
+            <p:ph idx="1"/>
+            <p:extLst>
+              <p:ext uri="{D42A27DB-BD31-4B8C-83A1-F6EECF244321}">
+                <p14:modId xmlns:p14="http://schemas.microsoft.com/office/powerpoint/2010/main" val="3928844836"/>
+              </p:ext>
+            </p:extLst>
+          </p:nvPr>
+        </p:nvGraphicFramePr>
+        <p:xfrm>
+          <a:off x="628650" y="1376790"/>
+          <a:ext cx="7886700" cy="5275495"/>
+        </p:xfrm>
+        <a:graphic>
+          <a:graphicData uri="http://schemas.openxmlformats.org/drawingml/2006/table">
+            <a:tbl>
+              <a:tblPr firstRow="1" bandRow="1">
+                <a:tableStyleId>{5C22544A-7EE6-4342-B048-85BDC9FD1C3A}</a:tableStyleId>
+              </a:tblPr>
+              <a:tblGrid>
+                <a:gridCol w="2491257"/>
+                <a:gridCol w="5395443"/>
+              </a:tblGrid>
+              <a:tr h="1709335">
+                <a:tc>
+                  <a:txBody>
+                    <a:bodyPr/>
+                    <a:lstStyle/>
+                    <a:p>
+                      <a:pPr marL="0" marR="0" lvl="0" indent="0" algn="l" defTabSz="914400" rtl="0" eaLnBrk="1" fontAlgn="auto" latinLnBrk="0" hangingPunct="1">
+                        <a:lnSpc>
+                          <a:spcPct val="100000"/>
+                        </a:lnSpc>
+                        <a:spcBef>
+                          <a:spcPts val="0"/>
+                        </a:spcBef>
+                        <a:spcAft>
+                          <a:spcPts val="0"/>
+                        </a:spcAft>
+                        <a:buClrTx/>
+                        <a:buSzTx/>
+                        <a:buFontTx/>
+                        <a:buNone/>
+                        <a:tabLst/>
+                        <a:defRPr/>
+                      </a:pPr>
+                      <a:r>
+                        <a:rPr lang="en-US" dirty="0" smtClean="0"/>
+                        <a:t>User Registration</a:t>
+                      </a:r>
+                    </a:p>
+                    <a:p>
+                      <a:endParaRPr lang="en-US" dirty="0"/>
+                    </a:p>
+                  </a:txBody>
+                  <a:tcPr marL="68580" marR="68580"/>
+                </a:tc>
+                <a:tc>
+                  <a:txBody>
+                    <a:bodyPr/>
+                    <a:lstStyle/>
+                    <a:p>
+                      <a:pPr marL="514350" indent="-514350">
+                        <a:buFont typeface="+mj-lt"/>
+                        <a:buAutoNum type="arabicPeriod"/>
+                      </a:pPr>
+                      <a:r>
+                        <a:rPr lang="en-US" sz="1800" dirty="0" smtClean="0"/>
+                        <a:t>Login</a:t>
+                      </a:r>
+                    </a:p>
+                    <a:p>
+                      <a:pPr marL="514350" indent="-514350">
+                        <a:buFont typeface="+mj-lt"/>
+                        <a:buAutoNum type="arabicPeriod"/>
+                      </a:pPr>
+                      <a:r>
+                        <a:rPr lang="en-US" sz="1800" dirty="0" smtClean="0"/>
+                        <a:t>Sign up</a:t>
+                      </a:r>
+                    </a:p>
+                    <a:p>
+                      <a:pPr marL="514350" indent="-514350">
+                        <a:buFont typeface="+mj-lt"/>
+                        <a:buAutoNum type="arabicPeriod"/>
+                      </a:pPr>
+                      <a:r>
+                        <a:rPr lang="en-US" sz="1800" dirty="0" smtClean="0"/>
+                        <a:t>Change Password</a:t>
+                      </a:r>
+                    </a:p>
+                    <a:p>
+                      <a:pPr marL="514350" indent="-514350">
+                        <a:buFont typeface="+mj-lt"/>
+                        <a:buAutoNum type="arabicPeriod"/>
+                      </a:pPr>
+                      <a:r>
+                        <a:rPr lang="en-US" sz="1800" dirty="0" smtClean="0"/>
+                        <a:t>Logout</a:t>
+                      </a:r>
+                    </a:p>
+                    <a:p>
+                      <a:endParaRPr lang="en-US" dirty="0"/>
+                    </a:p>
+                  </a:txBody>
+                  <a:tcPr marL="68580" marR="68580"/>
+                </a:tc>
+              </a:tr>
+              <a:tr h="370840">
+                <a:tc>
+                  <a:txBody>
+                    <a:bodyPr/>
+                    <a:lstStyle/>
+                    <a:p>
+                      <a:r>
+                        <a:rPr lang="en-US" baseline="0" dirty="0" smtClean="0"/>
+                        <a:t>Messages</a:t>
+                      </a:r>
+                      <a:endParaRPr lang="en-US" dirty="0"/>
+                    </a:p>
+                  </a:txBody>
+                  <a:tcPr marL="68580" marR="68580"/>
+                </a:tc>
+                <a:tc>
+                  <a:txBody>
+                    <a:bodyPr/>
+                    <a:lstStyle/>
+                    <a:p>
+                      <a:pPr marL="342900" indent="-342900">
+                        <a:buFont typeface="+mj-lt"/>
+                        <a:buAutoNum type="arabicPeriod"/>
+                      </a:pPr>
+                      <a:r>
+                        <a:rPr lang="en-US" dirty="0" smtClean="0"/>
+                        <a:t>Send messages</a:t>
+                      </a:r>
+                    </a:p>
+                    <a:p>
+                      <a:pPr marL="342900" indent="-342900">
+                        <a:buFont typeface="+mj-lt"/>
+                        <a:buAutoNum type="arabicPeriod"/>
+                      </a:pPr>
+                      <a:r>
+                        <a:rPr lang="en-US" dirty="0" smtClean="0"/>
+                        <a:t>Receive messages</a:t>
+                      </a:r>
+                    </a:p>
+                    <a:p>
+                      <a:pPr marL="342900" indent="-342900">
+                        <a:buFont typeface="+mj-lt"/>
+                        <a:buAutoNum type="arabicPeriod"/>
+                      </a:pPr>
+                      <a:r>
+                        <a:rPr lang="en-US" dirty="0" smtClean="0"/>
+                        <a:t>Send the</a:t>
+                      </a:r>
+                      <a:r>
+                        <a:rPr lang="en-US" baseline="0" dirty="0" smtClean="0"/>
+                        <a:t> received messages to the cloud</a:t>
+                      </a:r>
+                      <a:endParaRPr lang="en-US" dirty="0"/>
+                    </a:p>
+                  </a:txBody>
+                  <a:tcPr marL="68580" marR="68580"/>
+                </a:tc>
+              </a:tr>
+              <a:tr h="370840">
+                <a:tc>
+                  <a:txBody>
+                    <a:bodyPr/>
+                    <a:lstStyle/>
+                    <a:p>
+                      <a:pPr marL="0" marR="0" lvl="0" indent="0" algn="l" defTabSz="914400" rtl="0" eaLnBrk="1" fontAlgn="auto" latinLnBrk="0" hangingPunct="1">
+                        <a:lnSpc>
+                          <a:spcPct val="100000"/>
+                        </a:lnSpc>
+                        <a:spcBef>
+                          <a:spcPts val="0"/>
+                        </a:spcBef>
+                        <a:spcAft>
+                          <a:spcPts val="0"/>
+                        </a:spcAft>
+                        <a:buClrTx/>
+                        <a:buSzTx/>
+                        <a:buFontTx/>
+                        <a:buNone/>
+                        <a:tabLst/>
+                        <a:defRPr/>
+                      </a:pPr>
+                      <a:r>
+                        <a:rPr lang="en-US" sz="1800" dirty="0" smtClean="0"/>
+                        <a:t>Processing</a:t>
+                      </a:r>
+                    </a:p>
+                    <a:p>
+                      <a:endParaRPr lang="en-US" dirty="0"/>
+                    </a:p>
+                  </a:txBody>
+                  <a:tcPr marL="68580" marR="68580"/>
+                </a:tc>
+                <a:tc>
+                  <a:txBody>
+                    <a:bodyPr/>
+                    <a:lstStyle/>
+                    <a:p>
+                      <a:pPr marL="457200" indent="-457200">
+                        <a:buFont typeface="+mj-lt"/>
+                        <a:buAutoNum type="arabicPeriod"/>
+                      </a:pPr>
+                      <a:r>
+                        <a:rPr lang="en-US" sz="1800" dirty="0" smtClean="0"/>
+                        <a:t>Preprocessing</a:t>
+                      </a:r>
+                    </a:p>
+                    <a:p>
+                      <a:pPr marL="457200" indent="-457200">
+                        <a:buFont typeface="+mj-lt"/>
+                        <a:buAutoNum type="arabicPeriod"/>
+                      </a:pPr>
+                      <a:r>
+                        <a:rPr lang="en-US" sz="1800" dirty="0" smtClean="0"/>
+                        <a:t>Feature extraction</a:t>
+                      </a:r>
+                    </a:p>
+                    <a:p>
+                      <a:pPr marL="457200" indent="-457200">
+                        <a:buFont typeface="+mj-lt"/>
+                        <a:buAutoNum type="arabicPeriod"/>
+                      </a:pPr>
+                      <a:r>
+                        <a:rPr lang="en-US" sz="1800" dirty="0" smtClean="0"/>
+                        <a:t>Classification</a:t>
+                      </a:r>
+                    </a:p>
+                    <a:p>
+                      <a:endParaRPr lang="en-US" dirty="0"/>
+                    </a:p>
+                  </a:txBody>
+                  <a:tcPr marL="68580" marR="68580"/>
+                </a:tc>
+              </a:tr>
+              <a:tr h="370840">
+                <a:tc>
+                  <a:txBody>
+                    <a:bodyPr/>
+                    <a:lstStyle/>
+                    <a:p>
+                      <a:r>
+                        <a:rPr lang="en-US" dirty="0" smtClean="0"/>
+                        <a:t>User Results</a:t>
+                      </a:r>
+                      <a:endParaRPr lang="en-US" dirty="0"/>
+                    </a:p>
+                  </a:txBody>
+                  <a:tcPr marL="68580" marR="68580"/>
+                </a:tc>
+                <a:tc>
+                  <a:txBody>
+                    <a:bodyPr/>
+                    <a:lstStyle/>
+                    <a:p>
+                      <a:pPr marL="342900" indent="-342900">
+                        <a:buFont typeface="+mj-lt"/>
+                        <a:buAutoNum type="arabicPeriod"/>
+                      </a:pPr>
+                      <a:endParaRPr lang="en-US" dirty="0" smtClean="0"/>
+                    </a:p>
+                    <a:p>
+                      <a:pPr marL="342900" indent="-342900">
+                        <a:buFont typeface="+mj-lt"/>
+                        <a:buAutoNum type="arabicPeriod"/>
+                      </a:pPr>
+                      <a:r>
+                        <a:rPr lang="en-US" dirty="0" smtClean="0"/>
+                        <a:t>Notify</a:t>
+                      </a:r>
+                    </a:p>
+                    <a:p>
+                      <a:pPr marL="342900" indent="-342900">
+                        <a:buFont typeface="+mj-lt"/>
+                        <a:buAutoNum type="arabicPeriod"/>
+                      </a:pPr>
+                      <a:r>
+                        <a:rPr lang="en-US" dirty="0" smtClean="0"/>
+                        <a:t>Result</a:t>
+                      </a:r>
+                    </a:p>
+                    <a:p>
+                      <a:pPr marL="342900" indent="-342900">
+                        <a:buFont typeface="+mj-lt"/>
+                        <a:buAutoNum type="arabicPeriod"/>
+                      </a:pPr>
+                      <a:r>
+                        <a:rPr lang="en-US" dirty="0" smtClean="0"/>
+                        <a:t>Rating</a:t>
+                      </a:r>
+                    </a:p>
+                    <a:p>
+                      <a:pPr marL="342900" indent="-342900">
+                        <a:buFont typeface="+mj-lt"/>
+                        <a:buAutoNum type="arabicPeriod"/>
+                      </a:pPr>
+                      <a:r>
+                        <a:rPr lang="en-US" dirty="0" smtClean="0"/>
+                        <a:t>Update Classifier</a:t>
+                      </a:r>
+                    </a:p>
+                  </a:txBody>
+                  <a:tcPr marL="68580" marR="68580"/>
+                </a:tc>
+              </a:tr>
+            </a:tbl>
+          </a:graphicData>
+        </a:graphic>
+      </p:graphicFrame>
+    </p:spTree>
+    <p:extLst>
+      <p:ext uri="{BB962C8B-B14F-4D97-AF65-F5344CB8AC3E}">
+        <p14:creationId xmlns:p14="http://schemas.microsoft.com/office/powerpoint/2010/main" val="1923009293"/>
+      </p:ext>
+    </p:extLst>
+  </p:cSld>
+  <p:clrMapOvr>
+    <a:masterClrMapping/>
+  </p:clrMapOvr>
+  <p:timing>
+    <p:tnLst>
+      <p:par>
+        <p:cTn id="1" dur="indefinite" restart="never" nodeType="tmRoot"/>
+      </p:par>
+    </p:tnLst>
+  </p:timing>
+</p:sld>
+</file>
+
+<file path=ppt/slides/slide5.xml><?xml version="1.0" encoding="utf-8"?>
+<p:sld xmlns:a="http://schemas.openxmlformats.org/drawingml/2006/main" xmlns:r="http://schemas.openxmlformats.org/officeDocument/2006/relationships" xmlns:p="http://schemas.openxmlformats.org/presentationml/2006/main">
+  <p:cSld>
+    <p:spTree>
+      <p:nvGrpSpPr>
+        <p:cNvPr id="1" name=""/>
+        <p:cNvGrpSpPr/>
+        <p:nvPr/>
+      </p:nvGrpSpPr>
+      <p:grpSpPr>
+        <a:xfrm>
+          <a:off x="0" y="0"/>
+          <a:ext cx="0" cy="0"/>
+          <a:chOff x="0" y="0"/>
+          <a:chExt cx="0" cy="0"/>
+        </a:xfrm>
+      </p:grpSpPr>
+      <p:sp>
+        <p:nvSpPr>
+          <p:cNvPr id="11" name="TextBox 10">
+            <a:extLst>
+              <a:ext uri="{FF2B5EF4-FFF2-40B4-BE49-F238E27FC236}">
+                <a16:creationId xmlns:a16="http://schemas.microsoft.com/office/drawing/2014/main" xmlns="" id="{95E10C7C-96C2-44F2-BF44-9D46D0EDA6B3}"/>
+              </a:ext>
+            </a:extLst>
+          </p:cNvPr>
+          <p:cNvSpPr txBox="1"/>
+          <p:nvPr/>
+        </p:nvSpPr>
+        <p:spPr>
+          <a:xfrm>
+            <a:off x="2346385" y="346494"/>
+            <a:ext cx="4408097" cy="1200329"/>
+          </a:xfrm>
+          <a:prstGeom prst="rect">
+            <a:avLst/>
+          </a:prstGeom>
+        </p:spPr>
+        <p:txBody>
+          <a:bodyPr rot="0" spcFirstLastPara="0" vertOverflow="overflow" horzOverflow="overflow" vert="horz" wrap="square" lIns="91440" tIns="45720" rIns="91440" bIns="45720" numCol="1" spcCol="0" rtlCol="0" fromWordArt="0" anchor="t" anchorCtr="0" forceAA="0" compatLnSpc="1">
+            <a:prstTxWarp prst="textNoShape">
+              <a:avLst/>
+            </a:prstTxWarp>
+            <a:spAutoFit/>
+          </a:bodyPr>
+          <a:lstStyle/>
+          <a:p>
+            <a:r>
+              <a:rPr lang="en-US" sz="3600">
+                <a:latin typeface="Times New Roman"/>
+                <a:cs typeface="Times New Roman"/>
+              </a:rPr>
+              <a:t>Non Functional Requirments</a:t>
+            </a:r>
+          </a:p>
+        </p:txBody>
+      </p:sp>
+      <p:grpSp>
+        <p:nvGrpSpPr>
+          <p:cNvPr id="7" name="Group 6"/>
+          <p:cNvGrpSpPr/>
+          <p:nvPr/>
+        </p:nvGrpSpPr>
+        <p:grpSpPr>
+          <a:xfrm>
+            <a:off x="-90578" y="1498121"/>
+            <a:ext cx="2682816" cy="4138592"/>
+            <a:chOff x="-90578" y="1498121"/>
+            <a:chExt cx="2682816" cy="4138592"/>
+          </a:xfrm>
+        </p:grpSpPr>
+        <p:sp>
+          <p:nvSpPr>
+            <p:cNvPr id="8" name="Oval 7">
+              <a:extLst>
+                <a:ext uri="{FF2B5EF4-FFF2-40B4-BE49-F238E27FC236}">
+                  <a16:creationId xmlns:a16="http://schemas.microsoft.com/office/drawing/2014/main" xmlns="" id="{1781CF62-FC2D-4081-89EA-A96D67E73667}"/>
+                </a:ext>
+              </a:extLst>
+            </p:cNvPr>
+            <p:cNvSpPr/>
+            <p:nvPr/>
+          </p:nvSpPr>
+          <p:spPr>
+            <a:xfrm>
+              <a:off x="185468" y="1498121"/>
+              <a:ext cx="1483743" cy="1992701"/>
+            </a:xfrm>
+            <a:prstGeom prst="ellipse">
+              <a:avLst/>
+            </a:prstGeom>
+            <a:solidFill>
+              <a:schemeClr val="bg1"/>
+            </a:solidFill>
+            <a:ln>
+              <a:solidFill>
+                <a:schemeClr val="accent1"/>
+              </a:solidFill>
+            </a:ln>
+          </p:spPr>
+          <p:style>
+            <a:lnRef idx="2">
+              <a:schemeClr val="accent1">
+                <a:shade val="50000"/>
+              </a:schemeClr>
+            </a:lnRef>
+            <a:fillRef idx="1">
+              <a:schemeClr val="accent1"/>
+            </a:fillRef>
+            <a:effectRef idx="0">
+              <a:schemeClr val="accent1"/>
+            </a:effectRef>
+            <a:fontRef idx="minor">
+              <a:schemeClr val="lt1"/>
+            </a:fontRef>
+          </p:style>
+          <p:txBody>
+            <a:bodyPr rtlCol="0" anchor="ctr"/>
+            <a:lstStyle/>
+            <a:p>
+              <a:pPr algn="ctr"/>
+              <a:endParaRPr lang="en-US"/>
+            </a:p>
+          </p:txBody>
+        </p:sp>
+        <p:pic>
+          <p:nvPicPr>
+            <p:cNvPr id="2" name="Picture 2" descr="A close up of a logo&#10;&#10;Description generated with very high confidence">
+              <a:extLst>
+                <a:ext uri="{FF2B5EF4-FFF2-40B4-BE49-F238E27FC236}">
+                  <a16:creationId xmlns:a16="http://schemas.microsoft.com/office/drawing/2014/main" xmlns="" id="{D2BE1C14-4F97-490F-A9ED-99CEFFADFD23}"/>
+                </a:ext>
+              </a:extLst>
+            </p:cNvPr>
+            <p:cNvPicPr>
+              <a:picLocks noChangeAspect="1"/>
+            </p:cNvPicPr>
+            <p:nvPr/>
+          </p:nvPicPr>
+          <p:blipFill>
+            <a:blip r:embed="rId2"/>
+            <a:stretch>
+              <a:fillRect/>
+            </a:stretch>
+          </p:blipFill>
+          <p:spPr>
+            <a:xfrm>
+              <a:off x="530524" y="1965386"/>
+              <a:ext cx="804413" cy="1072551"/>
+            </a:xfrm>
+            <a:prstGeom prst="rect">
+              <a:avLst/>
+            </a:prstGeom>
+          </p:spPr>
+        </p:pic>
+        <p:cxnSp>
+          <p:nvCxnSpPr>
+            <p:cNvPr id="12" name="Straight Arrow Connector 11">
+              <a:extLst>
+                <a:ext uri="{FF2B5EF4-FFF2-40B4-BE49-F238E27FC236}">
+                  <a16:creationId xmlns:a16="http://schemas.microsoft.com/office/drawing/2014/main" xmlns="" id="{9ACB4174-079B-4B80-9F74-B14EB4798391}"/>
+                </a:ext>
+              </a:extLst>
+            </p:cNvPr>
+            <p:cNvCxnSpPr/>
+            <p:nvPr/>
+          </p:nvCxnSpPr>
+          <p:spPr>
+            <a:xfrm flipH="1">
+              <a:off x="925183" y="4014157"/>
+              <a:ext cx="4313" cy="842514"/>
+            </a:xfrm>
+            <a:prstGeom prst="straightConnector1">
+              <a:avLst/>
+            </a:prstGeom>
+            <a:ln>
+              <a:tailEnd type="triangle"/>
+            </a:ln>
+          </p:spPr>
+          <p:style>
+            <a:lnRef idx="1">
+              <a:schemeClr val="accent1"/>
+            </a:lnRef>
+            <a:fillRef idx="0">
+              <a:schemeClr val="accent1"/>
+            </a:fillRef>
+            <a:effectRef idx="0">
+              <a:schemeClr val="accent1"/>
+            </a:effectRef>
+            <a:fontRef idx="minor">
+              <a:schemeClr val="tx1"/>
+            </a:fontRef>
+          </p:style>
+        </p:cxnSp>
+        <p:sp>
+          <p:nvSpPr>
+            <p:cNvPr id="15" name="TextBox 14">
+              <a:extLst>
+                <a:ext uri="{FF2B5EF4-FFF2-40B4-BE49-F238E27FC236}">
+                  <a16:creationId xmlns:a16="http://schemas.microsoft.com/office/drawing/2014/main" xmlns="" id="{1CA98851-2216-4AD1-A5A7-AA2FE1CBE5A7}"/>
+                </a:ext>
+              </a:extLst>
+            </p:cNvPr>
+            <p:cNvSpPr txBox="1"/>
+            <p:nvPr/>
+          </p:nvSpPr>
+          <p:spPr>
+            <a:xfrm>
+              <a:off x="-90578" y="4990382"/>
+              <a:ext cx="2057400" cy="646331"/>
+            </a:xfrm>
+            <a:prstGeom prst="rect">
+              <a:avLst/>
+            </a:prstGeom>
+          </p:spPr>
+          <p:txBody>
+            <a:bodyPr rot="0" spcFirstLastPara="0" vertOverflow="overflow" horzOverflow="overflow" vert="horz" wrap="square" lIns="91440" tIns="45720" rIns="91440" bIns="45720" numCol="1" spcCol="0" rtlCol="0" fromWordArt="0" anchor="t" anchorCtr="0" forceAA="0" compatLnSpc="1">
+              <a:prstTxWarp prst="textNoShape">
+                <a:avLst/>
+              </a:prstTxWarp>
+              <a:spAutoFit/>
+            </a:bodyPr>
+            <a:lstStyle/>
+            <a:p>
+              <a:pPr algn="ctr"/>
+              <a:r>
+                <a:rPr lang="en-US" b="1" dirty="0">
+                  <a:solidFill>
+                    <a:schemeClr val="accent1"/>
+                  </a:solidFill>
+                </a:rPr>
+                <a:t>Have</a:t>
+              </a:r>
+              <a:r>
+                <a:rPr lang="en-US" b="1" dirty="0">
+                  <a:solidFill>
+                    <a:schemeClr val="accent1"/>
+                  </a:solidFill>
+                  <a:cs typeface="Calibri"/>
+                </a:rPr>
+                <a:t> Encryption and Decryption</a:t>
+              </a:r>
+              <a:endParaRPr lang="en-US" dirty="0"/>
+            </a:p>
+          </p:txBody>
+        </p:sp>
+        <p:sp>
+          <p:nvSpPr>
+            <p:cNvPr id="18" name="TextBox 17">
+              <a:extLst>
+                <a:ext uri="{FF2B5EF4-FFF2-40B4-BE49-F238E27FC236}">
+                  <a16:creationId xmlns:a16="http://schemas.microsoft.com/office/drawing/2014/main" xmlns="" id="{5F9BAACC-E988-4956-AB08-F58D22379C86}"/>
+                </a:ext>
+              </a:extLst>
+            </p:cNvPr>
+            <p:cNvSpPr txBox="1"/>
+            <p:nvPr/>
+          </p:nvSpPr>
+          <p:spPr>
+            <a:xfrm>
+              <a:off x="534838" y="3552646"/>
+              <a:ext cx="2057400" cy="461665"/>
+            </a:xfrm>
+            <a:prstGeom prst="rect">
+              <a:avLst/>
+            </a:prstGeom>
+          </p:spPr>
+          <p:txBody>
+            <a:bodyPr rot="0" spcFirstLastPara="0" vertOverflow="overflow" horzOverflow="overflow" vert="horz" wrap="square" lIns="91440" tIns="45720" rIns="91440" bIns="45720" numCol="1" spcCol="0" rtlCol="0" fromWordArt="0" anchor="t" anchorCtr="0" forceAA="0" compatLnSpc="1">
+              <a:prstTxWarp prst="textNoShape">
+                <a:avLst/>
+              </a:prstTxWarp>
+              <a:spAutoFit/>
+            </a:bodyPr>
+            <a:lstStyle/>
+            <a:p>
+              <a:pPr algn="l"/>
+              <a:r>
+                <a:rPr lang="en-US" sz="2400" b="1">
+                  <a:solidFill>
+                    <a:schemeClr val="accent1"/>
+                  </a:solidFill>
+                </a:rPr>
+                <a:t>Security</a:t>
+              </a:r>
+              <a:endParaRPr lang="en-US" sz="2400" b="1">
+                <a:solidFill>
+                  <a:schemeClr val="accent1"/>
+                </a:solidFill>
+                <a:cs typeface="Calibri"/>
+              </a:endParaRPr>
+            </a:p>
+          </p:txBody>
+        </p:sp>
+      </p:grpSp>
+      <p:grpSp>
+        <p:nvGrpSpPr>
+          <p:cNvPr id="5" name="Group 4"/>
+          <p:cNvGrpSpPr/>
+          <p:nvPr/>
+        </p:nvGrpSpPr>
+        <p:grpSpPr>
+          <a:xfrm>
+            <a:off x="3230592" y="1764502"/>
+            <a:ext cx="2456372" cy="4325497"/>
+            <a:chOff x="3230592" y="937403"/>
+            <a:chExt cx="2456372" cy="4325497"/>
+          </a:xfrm>
+        </p:grpSpPr>
+        <p:sp>
+          <p:nvSpPr>
+            <p:cNvPr id="9" name="Oval 8">
+              <a:extLst>
+                <a:ext uri="{FF2B5EF4-FFF2-40B4-BE49-F238E27FC236}">
+                  <a16:creationId xmlns:a16="http://schemas.microsoft.com/office/drawing/2014/main" xmlns="" id="{E1FD8034-F3E8-4EF1-BB90-464DC64E5470}"/>
+                </a:ext>
+              </a:extLst>
+            </p:cNvPr>
+            <p:cNvSpPr/>
+            <p:nvPr/>
+          </p:nvSpPr>
+          <p:spPr>
+            <a:xfrm>
+              <a:off x="3409592" y="937403"/>
+              <a:ext cx="1483743" cy="1992701"/>
+            </a:xfrm>
+            <a:prstGeom prst="ellipse">
+              <a:avLst/>
+            </a:prstGeom>
+            <a:solidFill>
+              <a:schemeClr val="bg1"/>
+            </a:solidFill>
+            <a:ln>
+              <a:solidFill>
+                <a:schemeClr val="accent1"/>
+              </a:solidFill>
+            </a:ln>
+          </p:spPr>
+          <p:style>
+            <a:lnRef idx="2">
+              <a:schemeClr val="accent1">
+                <a:shade val="50000"/>
+              </a:schemeClr>
+            </a:lnRef>
+            <a:fillRef idx="1">
+              <a:schemeClr val="accent1"/>
+            </a:fillRef>
+            <a:effectRef idx="0">
+              <a:schemeClr val="accent1"/>
+            </a:effectRef>
+            <a:fontRef idx="minor">
+              <a:schemeClr val="lt1"/>
+            </a:fontRef>
+          </p:style>
+          <p:txBody>
+            <a:bodyPr rtlCol="0" anchor="ctr"/>
+            <a:lstStyle/>
+            <a:p>
+              <a:pPr algn="ctr"/>
+              <a:endParaRPr lang="en-US"/>
+            </a:p>
+          </p:txBody>
+        </p:sp>
+        <p:pic>
+          <p:nvPicPr>
+            <p:cNvPr id="4" name="Picture 4" descr="A close up of a logo&#10;&#10;Description generated with very high confidence">
+              <a:extLst>
+                <a:ext uri="{FF2B5EF4-FFF2-40B4-BE49-F238E27FC236}">
+                  <a16:creationId xmlns:a16="http://schemas.microsoft.com/office/drawing/2014/main" xmlns="" id="{E1856001-6F87-46F3-BB84-348BC716774C}"/>
+                </a:ext>
+              </a:extLst>
+            </p:cNvPr>
+            <p:cNvPicPr>
+              <a:picLocks noChangeAspect="1"/>
+            </p:cNvPicPr>
+            <p:nvPr/>
+          </p:nvPicPr>
+          <p:blipFill>
+            <a:blip r:embed="rId3"/>
+            <a:stretch>
+              <a:fillRect/>
+            </a:stretch>
+          </p:blipFill>
+          <p:spPr>
+            <a:xfrm>
+              <a:off x="3776214" y="1433424"/>
+              <a:ext cx="750499" cy="1015042"/>
+            </a:xfrm>
+            <a:prstGeom prst="rect">
+              <a:avLst/>
+            </a:prstGeom>
+          </p:spPr>
+        </p:pic>
+        <p:cxnSp>
+          <p:nvCxnSpPr>
+            <p:cNvPr id="13" name="Straight Arrow Connector 12">
+              <a:extLst>
+                <a:ext uri="{FF2B5EF4-FFF2-40B4-BE49-F238E27FC236}">
+                  <a16:creationId xmlns:a16="http://schemas.microsoft.com/office/drawing/2014/main" xmlns="" id="{E92D6A12-3F28-48D0-8F41-258B5C45CDC0}"/>
+                </a:ext>
+              </a:extLst>
+            </p:cNvPr>
+            <p:cNvCxnSpPr>
+              <a:cxnSpLocks/>
+            </p:cNvCxnSpPr>
+            <p:nvPr/>
+          </p:nvCxnSpPr>
+          <p:spPr>
+            <a:xfrm flipH="1">
+              <a:off x="4203220" y="3597213"/>
+              <a:ext cx="4313" cy="842514"/>
+            </a:xfrm>
+            <a:prstGeom prst="straightConnector1">
+              <a:avLst/>
+            </a:prstGeom>
+            <a:ln>
+              <a:tailEnd type="triangle"/>
+            </a:ln>
+          </p:spPr>
+          <p:style>
+            <a:lnRef idx="1">
+              <a:schemeClr val="accent1"/>
+            </a:lnRef>
+            <a:fillRef idx="0">
+              <a:schemeClr val="accent1"/>
+            </a:fillRef>
+            <a:effectRef idx="0">
+              <a:schemeClr val="accent1"/>
+            </a:effectRef>
+            <a:fontRef idx="minor">
+              <a:schemeClr val="tx1"/>
+            </a:fontRef>
+          </p:style>
+        </p:cxnSp>
+        <p:sp>
+          <p:nvSpPr>
+            <p:cNvPr id="16" name="TextBox 15">
+              <a:extLst>
+                <a:ext uri="{FF2B5EF4-FFF2-40B4-BE49-F238E27FC236}">
+                  <a16:creationId xmlns:a16="http://schemas.microsoft.com/office/drawing/2014/main" xmlns="" id="{A65B7D8A-A2B0-4AB2-8F80-BD45C9EB59C4}"/>
+                </a:ext>
+              </a:extLst>
+            </p:cNvPr>
+            <p:cNvSpPr txBox="1"/>
+            <p:nvPr/>
+          </p:nvSpPr>
+          <p:spPr>
+            <a:xfrm>
+              <a:off x="3230592" y="4616569"/>
+              <a:ext cx="2057400" cy="646331"/>
+            </a:xfrm>
+            <a:prstGeom prst="rect">
+              <a:avLst/>
+            </a:prstGeom>
+          </p:spPr>
+          <p:txBody>
+            <a:bodyPr rot="0" spcFirstLastPara="0" vertOverflow="overflow" horzOverflow="overflow" vert="horz" wrap="square" lIns="91440" tIns="45720" rIns="91440" bIns="45720" numCol="1" spcCol="0" rtlCol="0" fromWordArt="0" anchor="t" anchorCtr="0" forceAA="0" compatLnSpc="1">
+              <a:prstTxWarp prst="textNoShape">
+                <a:avLst/>
+              </a:prstTxWarp>
+              <a:spAutoFit/>
+            </a:bodyPr>
+            <a:lstStyle/>
+            <a:p>
+              <a:r>
+                <a:rPr lang="en-US" b="1">
+                  <a:solidFill>
+                    <a:schemeClr val="accent1"/>
+                  </a:solidFill>
+                </a:rPr>
+                <a:t>Both Desktop and Android</a:t>
+              </a:r>
+              <a:endParaRPr lang="en-US" b="1">
+                <a:solidFill>
+                  <a:schemeClr val="accent1"/>
+                </a:solidFill>
+                <a:cs typeface="Calibri"/>
+              </a:endParaRPr>
+            </a:p>
+          </p:txBody>
+        </p:sp>
+        <p:sp>
+          <p:nvSpPr>
+            <p:cNvPr id="19" name="TextBox 18">
+              <a:extLst>
+                <a:ext uri="{FF2B5EF4-FFF2-40B4-BE49-F238E27FC236}">
+                  <a16:creationId xmlns:a16="http://schemas.microsoft.com/office/drawing/2014/main" xmlns="" id="{E18E7EB1-DEDE-4535-931D-5C15CCC03191}"/>
+                </a:ext>
+              </a:extLst>
+            </p:cNvPr>
+            <p:cNvSpPr txBox="1"/>
+            <p:nvPr/>
+          </p:nvSpPr>
+          <p:spPr>
+            <a:xfrm>
+              <a:off x="3629564" y="3135702"/>
+              <a:ext cx="2057400" cy="461665"/>
+            </a:xfrm>
+            <a:prstGeom prst="rect">
+              <a:avLst/>
+            </a:prstGeom>
+          </p:spPr>
+          <p:txBody>
+            <a:bodyPr rot="0" spcFirstLastPara="0" vertOverflow="overflow" horzOverflow="overflow" vert="horz" wrap="square" lIns="91440" tIns="45720" rIns="91440" bIns="45720" numCol="1" spcCol="0" rtlCol="0" fromWordArt="0" anchor="t" anchorCtr="0" forceAA="0" compatLnSpc="1">
+              <a:prstTxWarp prst="textNoShape">
+                <a:avLst/>
+              </a:prstTxWarp>
+              <a:spAutoFit/>
+            </a:bodyPr>
+            <a:lstStyle/>
+            <a:p>
+              <a:pPr algn="l"/>
+              <a:r>
+                <a:rPr lang="en-US" sz="2400" b="1">
+                  <a:solidFill>
+                    <a:schemeClr val="accent1"/>
+                  </a:solidFill>
+                </a:rPr>
+                <a:t>Portability</a:t>
+              </a:r>
+            </a:p>
+          </p:txBody>
+        </p:sp>
+      </p:grpSp>
+      <p:grpSp>
+        <p:nvGrpSpPr>
+          <p:cNvPr id="21" name="Group 20"/>
+          <p:cNvGrpSpPr/>
+          <p:nvPr/>
+        </p:nvGrpSpPr>
+        <p:grpSpPr>
+          <a:xfrm>
+            <a:off x="6754483" y="1699406"/>
+            <a:ext cx="2555575" cy="3746572"/>
+            <a:chOff x="6754483" y="1699406"/>
+            <a:chExt cx="2555575" cy="3746572"/>
+          </a:xfrm>
+        </p:grpSpPr>
+        <p:sp>
+          <p:nvSpPr>
+            <p:cNvPr id="10" name="Oval 9">
+              <a:extLst>
+                <a:ext uri="{FF2B5EF4-FFF2-40B4-BE49-F238E27FC236}">
+                  <a16:creationId xmlns:a16="http://schemas.microsoft.com/office/drawing/2014/main" xmlns="" id="{116C2E88-CE65-4933-BE08-77D669128DB8}"/>
+                </a:ext>
+              </a:extLst>
+            </p:cNvPr>
+            <p:cNvSpPr/>
+            <p:nvPr/>
+          </p:nvSpPr>
+          <p:spPr>
+            <a:xfrm>
+              <a:off x="6946421" y="1699406"/>
+              <a:ext cx="1483743" cy="1992701"/>
+            </a:xfrm>
+            <a:prstGeom prst="ellipse">
+              <a:avLst/>
+            </a:prstGeom>
+            <a:solidFill>
+              <a:schemeClr val="bg1"/>
+            </a:solidFill>
+            <a:ln>
+              <a:solidFill>
+                <a:schemeClr val="accent1"/>
+              </a:solidFill>
+            </a:ln>
+          </p:spPr>
+          <p:style>
+            <a:lnRef idx="2">
+              <a:schemeClr val="accent1">
+                <a:shade val="50000"/>
+              </a:schemeClr>
+            </a:lnRef>
+            <a:fillRef idx="1">
+              <a:schemeClr val="accent1"/>
+            </a:fillRef>
+            <a:effectRef idx="0">
+              <a:schemeClr val="accent1"/>
+            </a:effectRef>
+            <a:fontRef idx="minor">
+              <a:schemeClr val="lt1"/>
+            </a:fontRef>
+          </p:style>
+          <p:txBody>
+            <a:bodyPr rtlCol="0" anchor="ctr"/>
+            <a:lstStyle/>
+            <a:p>
+              <a:pPr algn="ctr"/>
+              <a:endParaRPr lang="en-US"/>
+            </a:p>
+          </p:txBody>
+        </p:sp>
+        <p:pic>
+          <p:nvPicPr>
+            <p:cNvPr id="6" name="Picture 6" descr="A close up of a logo&#10;&#10;Description generated with very high confidence">
+              <a:extLst>
+                <a:ext uri="{FF2B5EF4-FFF2-40B4-BE49-F238E27FC236}">
+                  <a16:creationId xmlns:a16="http://schemas.microsoft.com/office/drawing/2014/main" xmlns="" id="{D3D4DE8F-3CCA-4867-BD4C-C89D20AED288}"/>
+                </a:ext>
+              </a:extLst>
+            </p:cNvPr>
+            <p:cNvPicPr>
+              <a:picLocks noChangeAspect="1"/>
+            </p:cNvPicPr>
+            <p:nvPr/>
+          </p:nvPicPr>
+          <p:blipFill>
+            <a:blip r:embed="rId4"/>
+            <a:stretch>
+              <a:fillRect/>
+            </a:stretch>
+          </p:blipFill>
+          <p:spPr>
+            <a:xfrm>
+              <a:off x="7366960" y="2267310"/>
+              <a:ext cx="642668" cy="871268"/>
+            </a:xfrm>
+            <a:prstGeom prst="rect">
+              <a:avLst/>
+            </a:prstGeom>
+          </p:spPr>
+        </p:pic>
+        <p:cxnSp>
+          <p:nvCxnSpPr>
+            <p:cNvPr id="14" name="Straight Arrow Connector 13">
+              <a:extLst>
+                <a:ext uri="{FF2B5EF4-FFF2-40B4-BE49-F238E27FC236}">
+                  <a16:creationId xmlns:a16="http://schemas.microsoft.com/office/drawing/2014/main" xmlns="" id="{17292532-DF2E-4A20-9E31-5341A07B01B3}"/>
+                </a:ext>
+              </a:extLst>
+            </p:cNvPr>
+            <p:cNvCxnSpPr>
+              <a:cxnSpLocks/>
+            </p:cNvCxnSpPr>
+            <p:nvPr/>
+          </p:nvCxnSpPr>
+          <p:spPr>
+            <a:xfrm flipH="1">
+              <a:off x="7740051" y="4157932"/>
+              <a:ext cx="4313" cy="842514"/>
+            </a:xfrm>
+            <a:prstGeom prst="straightConnector1">
+              <a:avLst/>
+            </a:prstGeom>
+            <a:ln>
+              <a:tailEnd type="triangle"/>
+            </a:ln>
+          </p:spPr>
+          <p:style>
+            <a:lnRef idx="1">
+              <a:schemeClr val="accent1"/>
+            </a:lnRef>
+            <a:fillRef idx="0">
+              <a:schemeClr val="accent1"/>
+            </a:fillRef>
+            <a:effectRef idx="0">
+              <a:schemeClr val="accent1"/>
+            </a:effectRef>
+            <a:fontRef idx="minor">
+              <a:schemeClr val="tx1"/>
+            </a:fontRef>
+          </p:style>
+        </p:cxnSp>
+        <p:sp>
+          <p:nvSpPr>
+            <p:cNvPr id="17" name="TextBox 16">
+              <a:extLst>
+                <a:ext uri="{FF2B5EF4-FFF2-40B4-BE49-F238E27FC236}">
+                  <a16:creationId xmlns:a16="http://schemas.microsoft.com/office/drawing/2014/main" xmlns="" id="{CC288B69-7C43-4BA0-8181-1F2F472EB12C}"/>
+                </a:ext>
+              </a:extLst>
+            </p:cNvPr>
+            <p:cNvSpPr txBox="1"/>
+            <p:nvPr/>
+          </p:nvSpPr>
+          <p:spPr>
+            <a:xfrm>
+              <a:off x="7252658" y="5076646"/>
+              <a:ext cx="2057400" cy="369332"/>
+            </a:xfrm>
+            <a:prstGeom prst="rect">
+              <a:avLst/>
+            </a:prstGeom>
+          </p:spPr>
+          <p:txBody>
+            <a:bodyPr rot="0" spcFirstLastPara="0" vertOverflow="overflow" horzOverflow="overflow" vert="horz" wrap="square" lIns="91440" tIns="45720" rIns="91440" bIns="45720" numCol="1" spcCol="0" rtlCol="0" fromWordArt="0" anchor="t" anchorCtr="0" forceAA="0" compatLnSpc="1">
+              <a:prstTxWarp prst="textNoShape">
+                <a:avLst/>
+              </a:prstTxWarp>
+              <a:spAutoFit/>
+            </a:bodyPr>
+            <a:lstStyle/>
+            <a:p>
+              <a:r>
+                <a:rPr lang="en-US" b="1">
+                  <a:solidFill>
+                    <a:schemeClr val="accent1"/>
+                  </a:solidFill>
+                </a:rPr>
+                <a:t>Self</a:t>
+              </a:r>
+              <a:r>
+                <a:rPr lang="en-US" b="1">
+                  <a:solidFill>
+                    <a:schemeClr val="accent1"/>
+                  </a:solidFill>
+                  <a:cs typeface="Calibri"/>
+                </a:rPr>
+                <a:t> Learning</a:t>
+              </a:r>
+            </a:p>
+          </p:txBody>
+        </p:sp>
+        <p:sp>
+          <p:nvSpPr>
+            <p:cNvPr id="20" name="TextBox 19">
+              <a:extLst>
+                <a:ext uri="{FF2B5EF4-FFF2-40B4-BE49-F238E27FC236}">
+                  <a16:creationId xmlns:a16="http://schemas.microsoft.com/office/drawing/2014/main" xmlns="" id="{C2F05DEA-9681-4B8E-A431-629086F11151}"/>
+                </a:ext>
+              </a:extLst>
+            </p:cNvPr>
+            <p:cNvSpPr txBox="1"/>
+            <p:nvPr/>
+          </p:nvSpPr>
+          <p:spPr>
+            <a:xfrm>
+              <a:off x="6754483" y="3696419"/>
+              <a:ext cx="2296784" cy="461665"/>
+            </a:xfrm>
+            <a:prstGeom prst="rect">
+              <a:avLst/>
+            </a:prstGeom>
+          </p:spPr>
+          <p:txBody>
+            <a:bodyPr rot="0" spcFirstLastPara="0" vertOverflow="overflow" horzOverflow="overflow" vert="horz" wrap="square" lIns="91440" tIns="45720" rIns="91440" bIns="45720" numCol="1" spcCol="0" rtlCol="0" fromWordArt="0" anchor="t" anchorCtr="0" forceAA="0" compatLnSpc="1">
+              <a:prstTxWarp prst="textNoShape">
+                <a:avLst/>
+              </a:prstTxWarp>
+              <a:spAutoFit/>
+            </a:bodyPr>
+            <a:lstStyle/>
+            <a:p>
+              <a:r>
+                <a:rPr lang="en-US" sz="2400" b="1" dirty="0">
+                  <a:solidFill>
+                    <a:schemeClr val="accent1"/>
+                  </a:solidFill>
+                  <a:cs typeface="Calibri"/>
+                </a:rPr>
+                <a:t>Maintainability</a:t>
+              </a:r>
+              <a:endParaRPr lang="en-US" sz="2400" b="1" dirty="0">
+                <a:solidFill>
+                  <a:schemeClr val="accent1"/>
+                </a:solidFill>
+              </a:endParaRPr>
+            </a:p>
+          </p:txBody>
+        </p:sp>
+      </p:grpSp>
+    </p:spTree>
+    <p:extLst>
+      <p:ext uri="{BB962C8B-B14F-4D97-AF65-F5344CB8AC3E}">
+        <p14:creationId xmlns:p14="http://schemas.microsoft.com/office/powerpoint/2010/main" val="346424364"/>
+      </p:ext>
+    </p:extLst>
+  </p:cSld>
+  <p:clrMapOvr>
+    <a:masterClrMapping/>
+  </p:clrMapOvr>
+</p:sld>
+</file>
+
+<file path=ppt/slides/slide6.xml><?xml version="1.0" encoding="utf-8"?>
+<p:sld xmlns:a="http://schemas.openxmlformats.org/drawingml/2006/main" xmlns:r="http://schemas.openxmlformats.org/officeDocument/2006/relationships" xmlns:p="http://schemas.openxmlformats.org/presentationml/2006/main">
+  <p:cSld>
+    <p:spTree>
+      <p:nvGrpSpPr>
+        <p:cNvPr id="1" name=""/>
+        <p:cNvGrpSpPr/>
+        <p:nvPr/>
+      </p:nvGrpSpPr>
+      <p:grpSpPr>
+        <a:xfrm>
+          <a:off x="0" y="0"/>
+          <a:ext cx="0" cy="0"/>
+          <a:chOff x="0" y="0"/>
+          <a:chExt cx="0" cy="0"/>
+        </a:xfrm>
+      </p:grpSpPr>
+      <p:pic>
+        <p:nvPicPr>
+          <p:cNvPr id="1026" name="Picture 2" descr="C:\wamp64\www\Graduation-Project\SRS\Class Diagram.png"/>
+          <p:cNvPicPr>
+            <a:picLocks noChangeAspect="1" noChangeArrowheads="1"/>
+          </p:cNvPicPr>
+          <p:nvPr/>
+        </p:nvPicPr>
+        <p:blipFill>
+          <a:blip r:embed="rId2">
+            <a:extLst>
+              <a:ext uri="{28A0092B-C50C-407E-A947-70E740481C1C}">
+                <a14:useLocalDpi xmlns:a14="http://schemas.microsoft.com/office/drawing/2010/main" val="0"/>
+              </a:ext>
+            </a:extLst>
+          </a:blip>
+          <a:srcRect/>
+          <a:stretch>
+            <a:fillRect/>
+          </a:stretch>
+        </p:blipFill>
+        <p:spPr bwMode="auto">
+          <a:xfrm>
+            <a:off x="0" y="609601"/>
+            <a:ext cx="9144000" cy="6248400"/>
+          </a:xfrm>
+          <a:prstGeom prst="rect">
+            <a:avLst/>
+          </a:prstGeom>
+          <a:noFill/>
+          <a:extLst>
+            <a:ext uri="{909E8E84-426E-40DD-AFC4-6F175D3DCCD1}">
+              <a14:hiddenFill xmlns:a14="http://schemas.microsoft.com/office/drawing/2010/main">
+                <a:solidFill>
+                  <a:srgbClr val="FFFFFF"/>
+                </a:solidFill>
+              </a14:hiddenFill>
+            </a:ext>
+          </a:extLst>
+        </p:spPr>
+      </p:pic>
+      <p:sp>
+        <p:nvSpPr>
+          <p:cNvPr id="5" name="TextBox 4"/>
+          <p:cNvSpPr txBox="1"/>
+          <p:nvPr/>
+        </p:nvSpPr>
+        <p:spPr>
+          <a:xfrm>
+            <a:off x="2781300" y="0"/>
+            <a:ext cx="3581400" cy="769441"/>
+          </a:xfrm>
+          <a:prstGeom prst="rect">
+            <a:avLst/>
+          </a:prstGeom>
+          <a:noFill/>
+        </p:spPr>
+        <p:txBody>
+          <a:bodyPr wrap="square" rtlCol="0">
+            <a:spAutoFit/>
+          </a:bodyPr>
+          <a:lstStyle/>
+          <a:p>
+            <a:r>
+              <a:rPr lang="en-US" sz="4400" dirty="0">
+                <a:latin typeface="+mj-lt"/>
+                <a:ea typeface="+mj-ea"/>
+                <a:cs typeface="+mj-cs"/>
+              </a:rPr>
+              <a:t>Class Diagram</a:t>
+            </a:r>
+            <a:endParaRPr lang="en-US" sz="4400" dirty="0">
+              <a:latin typeface="+mj-lt"/>
+              <a:ea typeface="+mj-ea"/>
+              <a:cs typeface="+mj-cs"/>
+            </a:endParaRPr>
+          </a:p>
+        </p:txBody>
+      </p:sp>
+    </p:spTree>
+    <p:extLst>
+      <p:ext uri="{BB962C8B-B14F-4D97-AF65-F5344CB8AC3E}">
+        <p14:creationId xmlns:p14="http://schemas.microsoft.com/office/powerpoint/2010/main" val="3292223309"/>
+      </p:ext>
+    </p:extLst>
+  </p:cSld>
+  <p:clrMapOvr>
+    <a:masterClrMapping/>
+  </p:clrMapOvr>
+</p:sld>
+</file>
+
+<file path=ppt/slides/slide7.xml><?xml version="1.0" encoding="utf-8"?>
 <p:sld xmlns:a="http://schemas.openxmlformats.org/drawingml/2006/main" xmlns:r="http://schemas.openxmlformats.org/officeDocument/2006/relationships" xmlns:p="http://schemas.openxmlformats.org/presentationml/2006/main">
   <p:cSld>
     <p:spTree>
@@ -4588,735 +5854,6 @@
 </p:sld>
 </file>
 
-<file path=ppt/slides/slide5.xml><?xml version="1.0" encoding="utf-8"?>
-<p:sld xmlns:a="http://schemas.openxmlformats.org/drawingml/2006/main" xmlns:r="http://schemas.openxmlformats.org/officeDocument/2006/relationships" xmlns:p="http://schemas.openxmlformats.org/presentationml/2006/main">
-  <p:cSld>
-    <p:spTree>
-      <p:nvGrpSpPr>
-        <p:cNvPr id="1" name=""/>
-        <p:cNvGrpSpPr/>
-        <p:nvPr/>
-      </p:nvGrpSpPr>
-      <p:grpSpPr>
-        <a:xfrm>
-          <a:off x="0" y="0"/>
-          <a:ext cx="0" cy="0"/>
-          <a:chOff x="0" y="0"/>
-          <a:chExt cx="0" cy="0"/>
-        </a:xfrm>
-      </p:grpSpPr>
-      <p:sp>
-        <p:nvSpPr>
-          <p:cNvPr id="10" name="Oval 9">
-            <a:extLst>
-              <a:ext uri="{FF2B5EF4-FFF2-40B4-BE49-F238E27FC236}">
-                <a16:creationId xmlns:a16="http://schemas.microsoft.com/office/drawing/2014/main" xmlns="" id="{116C2E88-CE65-4933-BE08-77D669128DB8}"/>
-              </a:ext>
-            </a:extLst>
-          </p:cNvPr>
-          <p:cNvSpPr/>
-          <p:nvPr/>
-        </p:nvSpPr>
-        <p:spPr>
-          <a:xfrm>
-            <a:off x="6946421" y="1699406"/>
-            <a:ext cx="1483743" cy="1992701"/>
-          </a:xfrm>
-          <a:prstGeom prst="ellipse">
-            <a:avLst/>
-          </a:prstGeom>
-          <a:solidFill>
-            <a:schemeClr val="bg1"/>
-          </a:solidFill>
-          <a:ln>
-            <a:solidFill>
-              <a:schemeClr val="accent1"/>
-            </a:solidFill>
-          </a:ln>
-        </p:spPr>
-        <p:style>
-          <a:lnRef idx="2">
-            <a:schemeClr val="accent1">
-              <a:shade val="50000"/>
-            </a:schemeClr>
-          </a:lnRef>
-          <a:fillRef idx="1">
-            <a:schemeClr val="accent1"/>
-          </a:fillRef>
-          <a:effectRef idx="0">
-            <a:schemeClr val="accent1"/>
-          </a:effectRef>
-          <a:fontRef idx="minor">
-            <a:schemeClr val="lt1"/>
-          </a:fontRef>
-        </p:style>
-        <p:txBody>
-          <a:bodyPr rtlCol="0" anchor="ctr"/>
-          <a:lstStyle/>
-          <a:p>
-            <a:pPr algn="ctr"/>
-            <a:endParaRPr lang="en-US"/>
-          </a:p>
-        </p:txBody>
-      </p:sp>
-      <p:sp>
-        <p:nvSpPr>
-          <p:cNvPr id="9" name="Oval 8">
-            <a:extLst>
-              <a:ext uri="{FF2B5EF4-FFF2-40B4-BE49-F238E27FC236}">
-                <a16:creationId xmlns:a16="http://schemas.microsoft.com/office/drawing/2014/main" xmlns="" id="{E1FD8034-F3E8-4EF1-BB90-464DC64E5470}"/>
-              </a:ext>
-            </a:extLst>
-          </p:cNvPr>
-          <p:cNvSpPr/>
-          <p:nvPr/>
-        </p:nvSpPr>
-        <p:spPr>
-          <a:xfrm>
-            <a:off x="3409592" y="937403"/>
-            <a:ext cx="1483743" cy="1992701"/>
-          </a:xfrm>
-          <a:prstGeom prst="ellipse">
-            <a:avLst/>
-          </a:prstGeom>
-          <a:solidFill>
-            <a:schemeClr val="bg1"/>
-          </a:solidFill>
-          <a:ln>
-            <a:solidFill>
-              <a:schemeClr val="accent1"/>
-            </a:solidFill>
-          </a:ln>
-        </p:spPr>
-        <p:style>
-          <a:lnRef idx="2">
-            <a:schemeClr val="accent1">
-              <a:shade val="50000"/>
-            </a:schemeClr>
-          </a:lnRef>
-          <a:fillRef idx="1">
-            <a:schemeClr val="accent1"/>
-          </a:fillRef>
-          <a:effectRef idx="0">
-            <a:schemeClr val="accent1"/>
-          </a:effectRef>
-          <a:fontRef idx="minor">
-            <a:schemeClr val="lt1"/>
-          </a:fontRef>
-        </p:style>
-        <p:txBody>
-          <a:bodyPr rtlCol="0" anchor="ctr"/>
-          <a:lstStyle/>
-          <a:p>
-            <a:pPr algn="ctr"/>
-            <a:endParaRPr lang="en-US"/>
-          </a:p>
-        </p:txBody>
-      </p:sp>
-      <p:sp>
-        <p:nvSpPr>
-          <p:cNvPr id="8" name="Oval 7">
-            <a:extLst>
-              <a:ext uri="{FF2B5EF4-FFF2-40B4-BE49-F238E27FC236}">
-                <a16:creationId xmlns:a16="http://schemas.microsoft.com/office/drawing/2014/main" xmlns="" id="{1781CF62-FC2D-4081-89EA-A96D67E73667}"/>
-              </a:ext>
-            </a:extLst>
-          </p:cNvPr>
-          <p:cNvSpPr/>
-          <p:nvPr/>
-        </p:nvSpPr>
-        <p:spPr>
-          <a:xfrm>
-            <a:off x="185468" y="1498121"/>
-            <a:ext cx="1483743" cy="1992701"/>
-          </a:xfrm>
-          <a:prstGeom prst="ellipse">
-            <a:avLst/>
-          </a:prstGeom>
-          <a:solidFill>
-            <a:schemeClr val="bg1"/>
-          </a:solidFill>
-          <a:ln>
-            <a:solidFill>
-              <a:schemeClr val="accent1"/>
-            </a:solidFill>
-          </a:ln>
-        </p:spPr>
-        <p:style>
-          <a:lnRef idx="2">
-            <a:schemeClr val="accent1">
-              <a:shade val="50000"/>
-            </a:schemeClr>
-          </a:lnRef>
-          <a:fillRef idx="1">
-            <a:schemeClr val="accent1"/>
-          </a:fillRef>
-          <a:effectRef idx="0">
-            <a:schemeClr val="accent1"/>
-          </a:effectRef>
-          <a:fontRef idx="minor">
-            <a:schemeClr val="lt1"/>
-          </a:fontRef>
-        </p:style>
-        <p:txBody>
-          <a:bodyPr rtlCol="0" anchor="ctr"/>
-          <a:lstStyle/>
-          <a:p>
-            <a:pPr algn="ctr"/>
-            <a:endParaRPr lang="en-US"/>
-          </a:p>
-        </p:txBody>
-      </p:sp>
-      <p:pic>
-        <p:nvPicPr>
-          <p:cNvPr id="2" name="Picture 2" descr="A close up of a logo&#10;&#10;Description generated with very high confidence">
-            <a:extLst>
-              <a:ext uri="{FF2B5EF4-FFF2-40B4-BE49-F238E27FC236}">
-                <a16:creationId xmlns:a16="http://schemas.microsoft.com/office/drawing/2014/main" xmlns="" id="{D2BE1C14-4F97-490F-A9ED-99CEFFADFD23}"/>
-              </a:ext>
-            </a:extLst>
-          </p:cNvPr>
-          <p:cNvPicPr>
-            <a:picLocks noChangeAspect="1"/>
-          </p:cNvPicPr>
-          <p:nvPr/>
-        </p:nvPicPr>
-        <p:blipFill>
-          <a:blip r:embed="rId2"/>
-          <a:stretch>
-            <a:fillRect/>
-          </a:stretch>
-        </p:blipFill>
-        <p:spPr>
-          <a:xfrm>
-            <a:off x="530524" y="1965386"/>
-            <a:ext cx="804413" cy="1072551"/>
-          </a:xfrm>
-          <a:prstGeom prst="rect">
-            <a:avLst/>
-          </a:prstGeom>
-        </p:spPr>
-      </p:pic>
-      <p:pic>
-        <p:nvPicPr>
-          <p:cNvPr id="4" name="Picture 4" descr="A close up of a logo&#10;&#10;Description generated with very high confidence">
-            <a:extLst>
-              <a:ext uri="{FF2B5EF4-FFF2-40B4-BE49-F238E27FC236}">
-                <a16:creationId xmlns:a16="http://schemas.microsoft.com/office/drawing/2014/main" xmlns="" id="{E1856001-6F87-46F3-BB84-348BC716774C}"/>
-              </a:ext>
-            </a:extLst>
-          </p:cNvPr>
-          <p:cNvPicPr>
-            <a:picLocks noChangeAspect="1"/>
-          </p:cNvPicPr>
-          <p:nvPr/>
-        </p:nvPicPr>
-        <p:blipFill>
-          <a:blip r:embed="rId3"/>
-          <a:stretch>
-            <a:fillRect/>
-          </a:stretch>
-        </p:blipFill>
-        <p:spPr>
-          <a:xfrm>
-            <a:off x="3776214" y="1433424"/>
-            <a:ext cx="750499" cy="1015042"/>
-          </a:xfrm>
-          <a:prstGeom prst="rect">
-            <a:avLst/>
-          </a:prstGeom>
-        </p:spPr>
-      </p:pic>
-      <p:pic>
-        <p:nvPicPr>
-          <p:cNvPr id="6" name="Picture 6" descr="A close up of a logo&#10;&#10;Description generated with very high confidence">
-            <a:extLst>
-              <a:ext uri="{FF2B5EF4-FFF2-40B4-BE49-F238E27FC236}">
-                <a16:creationId xmlns:a16="http://schemas.microsoft.com/office/drawing/2014/main" xmlns="" id="{D3D4DE8F-3CCA-4867-BD4C-C89D20AED288}"/>
-              </a:ext>
-            </a:extLst>
-          </p:cNvPr>
-          <p:cNvPicPr>
-            <a:picLocks noChangeAspect="1"/>
-          </p:cNvPicPr>
-          <p:nvPr/>
-        </p:nvPicPr>
-        <p:blipFill>
-          <a:blip r:embed="rId4"/>
-          <a:stretch>
-            <a:fillRect/>
-          </a:stretch>
-        </p:blipFill>
-        <p:spPr>
-          <a:xfrm>
-            <a:off x="7366960" y="2267310"/>
-            <a:ext cx="642668" cy="871268"/>
-          </a:xfrm>
-          <a:prstGeom prst="rect">
-            <a:avLst/>
-          </a:prstGeom>
-        </p:spPr>
-      </p:pic>
-      <p:sp>
-        <p:nvSpPr>
-          <p:cNvPr id="11" name="TextBox 10">
-            <a:extLst>
-              <a:ext uri="{FF2B5EF4-FFF2-40B4-BE49-F238E27FC236}">
-                <a16:creationId xmlns:a16="http://schemas.microsoft.com/office/drawing/2014/main" xmlns="" id="{95E10C7C-96C2-44F2-BF44-9D46D0EDA6B3}"/>
-              </a:ext>
-            </a:extLst>
-          </p:cNvPr>
-          <p:cNvSpPr txBox="1"/>
-          <p:nvPr/>
-        </p:nvSpPr>
-        <p:spPr>
-          <a:xfrm>
-            <a:off x="2346385" y="346494"/>
-            <a:ext cx="4408097" cy="1200329"/>
-          </a:xfrm>
-          <a:prstGeom prst="rect">
-            <a:avLst/>
-          </a:prstGeom>
-        </p:spPr>
-        <p:txBody>
-          <a:bodyPr rot="0" spcFirstLastPara="0" vertOverflow="overflow" horzOverflow="overflow" vert="horz" wrap="square" lIns="91440" tIns="45720" rIns="91440" bIns="45720" numCol="1" spcCol="0" rtlCol="0" fromWordArt="0" anchor="t" anchorCtr="0" forceAA="0" compatLnSpc="1">
-            <a:prstTxWarp prst="textNoShape">
-              <a:avLst/>
-            </a:prstTxWarp>
-            <a:spAutoFit/>
-          </a:bodyPr>
-          <a:lstStyle/>
-          <a:p>
-            <a:r>
-              <a:rPr lang="en-US" sz="3600">
-                <a:latin typeface="Times New Roman"/>
-                <a:cs typeface="Times New Roman"/>
-              </a:rPr>
-              <a:t>Non Functional Requirments</a:t>
-            </a:r>
-          </a:p>
-        </p:txBody>
-      </p:sp>
-      <p:cxnSp>
-        <p:nvCxnSpPr>
-          <p:cNvPr id="12" name="Straight Arrow Connector 11">
-            <a:extLst>
-              <a:ext uri="{FF2B5EF4-FFF2-40B4-BE49-F238E27FC236}">
-                <a16:creationId xmlns:a16="http://schemas.microsoft.com/office/drawing/2014/main" xmlns="" id="{9ACB4174-079B-4B80-9F74-B14EB4798391}"/>
-              </a:ext>
-            </a:extLst>
-          </p:cNvPr>
-          <p:cNvCxnSpPr/>
-          <p:nvPr/>
-        </p:nvCxnSpPr>
-        <p:spPr>
-          <a:xfrm flipH="1">
-            <a:off x="925183" y="4014157"/>
-            <a:ext cx="4313" cy="842514"/>
-          </a:xfrm>
-          <a:prstGeom prst="straightConnector1">
-            <a:avLst/>
-          </a:prstGeom>
-          <a:ln>
-            <a:tailEnd type="triangle"/>
-          </a:ln>
-        </p:spPr>
-        <p:style>
-          <a:lnRef idx="1">
-            <a:schemeClr val="accent1"/>
-          </a:lnRef>
-          <a:fillRef idx="0">
-            <a:schemeClr val="accent1"/>
-          </a:fillRef>
-          <a:effectRef idx="0">
-            <a:schemeClr val="accent1"/>
-          </a:effectRef>
-          <a:fontRef idx="minor">
-            <a:schemeClr val="tx1"/>
-          </a:fontRef>
-        </p:style>
-      </p:cxnSp>
-      <p:cxnSp>
-        <p:nvCxnSpPr>
-          <p:cNvPr id="13" name="Straight Arrow Connector 12">
-            <a:extLst>
-              <a:ext uri="{FF2B5EF4-FFF2-40B4-BE49-F238E27FC236}">
-                <a16:creationId xmlns:a16="http://schemas.microsoft.com/office/drawing/2014/main" xmlns="" id="{E92D6A12-3F28-48D0-8F41-258B5C45CDC0}"/>
-              </a:ext>
-            </a:extLst>
-          </p:cNvPr>
-          <p:cNvCxnSpPr>
-            <a:cxnSpLocks/>
-          </p:cNvCxnSpPr>
-          <p:nvPr/>
-        </p:nvCxnSpPr>
-        <p:spPr>
-          <a:xfrm flipH="1">
-            <a:off x="4203220" y="3597213"/>
-            <a:ext cx="4313" cy="842514"/>
-          </a:xfrm>
-          <a:prstGeom prst="straightConnector1">
-            <a:avLst/>
-          </a:prstGeom>
-          <a:ln>
-            <a:tailEnd type="triangle"/>
-          </a:ln>
-        </p:spPr>
-        <p:style>
-          <a:lnRef idx="1">
-            <a:schemeClr val="accent1"/>
-          </a:lnRef>
-          <a:fillRef idx="0">
-            <a:schemeClr val="accent1"/>
-          </a:fillRef>
-          <a:effectRef idx="0">
-            <a:schemeClr val="accent1"/>
-          </a:effectRef>
-          <a:fontRef idx="minor">
-            <a:schemeClr val="tx1"/>
-          </a:fontRef>
-        </p:style>
-      </p:cxnSp>
-      <p:cxnSp>
-        <p:nvCxnSpPr>
-          <p:cNvPr id="14" name="Straight Arrow Connector 13">
-            <a:extLst>
-              <a:ext uri="{FF2B5EF4-FFF2-40B4-BE49-F238E27FC236}">
-                <a16:creationId xmlns:a16="http://schemas.microsoft.com/office/drawing/2014/main" xmlns="" id="{17292532-DF2E-4A20-9E31-5341A07B01B3}"/>
-              </a:ext>
-            </a:extLst>
-          </p:cNvPr>
-          <p:cNvCxnSpPr>
-            <a:cxnSpLocks/>
-          </p:cNvCxnSpPr>
-          <p:nvPr/>
-        </p:nvCxnSpPr>
-        <p:spPr>
-          <a:xfrm flipH="1">
-            <a:off x="7740051" y="4157932"/>
-            <a:ext cx="4313" cy="842514"/>
-          </a:xfrm>
-          <a:prstGeom prst="straightConnector1">
-            <a:avLst/>
-          </a:prstGeom>
-          <a:ln>
-            <a:tailEnd type="triangle"/>
-          </a:ln>
-        </p:spPr>
-        <p:style>
-          <a:lnRef idx="1">
-            <a:schemeClr val="accent1"/>
-          </a:lnRef>
-          <a:fillRef idx="0">
-            <a:schemeClr val="accent1"/>
-          </a:fillRef>
-          <a:effectRef idx="0">
-            <a:schemeClr val="accent1"/>
-          </a:effectRef>
-          <a:fontRef idx="minor">
-            <a:schemeClr val="tx1"/>
-          </a:fontRef>
-        </p:style>
-      </p:cxnSp>
-      <p:sp>
-        <p:nvSpPr>
-          <p:cNvPr id="15" name="TextBox 14">
-            <a:extLst>
-              <a:ext uri="{FF2B5EF4-FFF2-40B4-BE49-F238E27FC236}">
-                <a16:creationId xmlns:a16="http://schemas.microsoft.com/office/drawing/2014/main" xmlns="" id="{1CA98851-2216-4AD1-A5A7-AA2FE1CBE5A7}"/>
-              </a:ext>
-            </a:extLst>
-          </p:cNvPr>
-          <p:cNvSpPr txBox="1"/>
-          <p:nvPr/>
-        </p:nvSpPr>
-        <p:spPr>
-          <a:xfrm>
-            <a:off x="-90578" y="4990382"/>
-            <a:ext cx="2057400" cy="646331"/>
-          </a:xfrm>
-          <a:prstGeom prst="rect">
-            <a:avLst/>
-          </a:prstGeom>
-        </p:spPr>
-        <p:txBody>
-          <a:bodyPr rot="0" spcFirstLastPara="0" vertOverflow="overflow" horzOverflow="overflow" vert="horz" wrap="square" lIns="91440" tIns="45720" rIns="91440" bIns="45720" numCol="1" spcCol="0" rtlCol="0" fromWordArt="0" anchor="t" anchorCtr="0" forceAA="0" compatLnSpc="1">
-            <a:prstTxWarp prst="textNoShape">
-              <a:avLst/>
-            </a:prstTxWarp>
-            <a:spAutoFit/>
-          </a:bodyPr>
-          <a:lstStyle/>
-          <a:p>
-            <a:pPr algn="ctr"/>
-            <a:r>
-              <a:rPr lang="en-US" b="1">
-                <a:solidFill>
-                  <a:schemeClr val="accent1"/>
-                </a:solidFill>
-              </a:rPr>
-              <a:t>Have</a:t>
-            </a:r>
-            <a:r>
-              <a:rPr lang="en-US" b="1">
-                <a:solidFill>
-                  <a:schemeClr val="accent1"/>
-                </a:solidFill>
-                <a:cs typeface="Calibri"/>
-              </a:rPr>
-              <a:t> Encryption and Decryption</a:t>
-            </a:r>
-            <a:endParaRPr lang="en-US"/>
-          </a:p>
-        </p:txBody>
-      </p:sp>
-      <p:sp>
-        <p:nvSpPr>
-          <p:cNvPr id="16" name="TextBox 15">
-            <a:extLst>
-              <a:ext uri="{FF2B5EF4-FFF2-40B4-BE49-F238E27FC236}">
-                <a16:creationId xmlns:a16="http://schemas.microsoft.com/office/drawing/2014/main" xmlns="" id="{A65B7D8A-A2B0-4AB2-8F80-BD45C9EB59C4}"/>
-              </a:ext>
-            </a:extLst>
-          </p:cNvPr>
-          <p:cNvSpPr txBox="1"/>
-          <p:nvPr/>
-        </p:nvSpPr>
-        <p:spPr>
-          <a:xfrm>
-            <a:off x="3230592" y="4616569"/>
-            <a:ext cx="2057400" cy="646331"/>
-          </a:xfrm>
-          <a:prstGeom prst="rect">
-            <a:avLst/>
-          </a:prstGeom>
-        </p:spPr>
-        <p:txBody>
-          <a:bodyPr rot="0" spcFirstLastPara="0" vertOverflow="overflow" horzOverflow="overflow" vert="horz" wrap="square" lIns="91440" tIns="45720" rIns="91440" bIns="45720" numCol="1" spcCol="0" rtlCol="0" fromWordArt="0" anchor="t" anchorCtr="0" forceAA="0" compatLnSpc="1">
-            <a:prstTxWarp prst="textNoShape">
-              <a:avLst/>
-            </a:prstTxWarp>
-            <a:spAutoFit/>
-          </a:bodyPr>
-          <a:lstStyle/>
-          <a:p>
-            <a:r>
-              <a:rPr lang="en-US" b="1">
-                <a:solidFill>
-                  <a:schemeClr val="accent1"/>
-                </a:solidFill>
-              </a:rPr>
-              <a:t>Both Desktop and Android</a:t>
-            </a:r>
-            <a:endParaRPr lang="en-US" b="1">
-              <a:solidFill>
-                <a:schemeClr val="accent1"/>
-              </a:solidFill>
-              <a:cs typeface="Calibri"/>
-            </a:endParaRPr>
-          </a:p>
-        </p:txBody>
-      </p:sp>
-      <p:sp>
-        <p:nvSpPr>
-          <p:cNvPr id="17" name="TextBox 16">
-            <a:extLst>
-              <a:ext uri="{FF2B5EF4-FFF2-40B4-BE49-F238E27FC236}">
-                <a16:creationId xmlns:a16="http://schemas.microsoft.com/office/drawing/2014/main" xmlns="" id="{CC288B69-7C43-4BA0-8181-1F2F472EB12C}"/>
-              </a:ext>
-            </a:extLst>
-          </p:cNvPr>
-          <p:cNvSpPr txBox="1"/>
-          <p:nvPr/>
-        </p:nvSpPr>
-        <p:spPr>
-          <a:xfrm>
-            <a:off x="7252658" y="5076646"/>
-            <a:ext cx="2057400" cy="369332"/>
-          </a:xfrm>
-          <a:prstGeom prst="rect">
-            <a:avLst/>
-          </a:prstGeom>
-        </p:spPr>
-        <p:txBody>
-          <a:bodyPr rot="0" spcFirstLastPara="0" vertOverflow="overflow" horzOverflow="overflow" vert="horz" wrap="square" lIns="91440" tIns="45720" rIns="91440" bIns="45720" numCol="1" spcCol="0" rtlCol="0" fromWordArt="0" anchor="t" anchorCtr="0" forceAA="0" compatLnSpc="1">
-            <a:prstTxWarp prst="textNoShape">
-              <a:avLst/>
-            </a:prstTxWarp>
-            <a:spAutoFit/>
-          </a:bodyPr>
-          <a:lstStyle/>
-          <a:p>
-            <a:r>
-              <a:rPr lang="en-US" b="1">
-                <a:solidFill>
-                  <a:schemeClr val="accent1"/>
-                </a:solidFill>
-              </a:rPr>
-              <a:t>Self</a:t>
-            </a:r>
-            <a:r>
-              <a:rPr lang="en-US" b="1">
-                <a:solidFill>
-                  <a:schemeClr val="accent1"/>
-                </a:solidFill>
-                <a:cs typeface="Calibri"/>
-              </a:rPr>
-              <a:t> Learning</a:t>
-            </a:r>
-          </a:p>
-        </p:txBody>
-      </p:sp>
-      <p:sp>
-        <p:nvSpPr>
-          <p:cNvPr id="18" name="TextBox 17">
-            <a:extLst>
-              <a:ext uri="{FF2B5EF4-FFF2-40B4-BE49-F238E27FC236}">
-                <a16:creationId xmlns:a16="http://schemas.microsoft.com/office/drawing/2014/main" xmlns="" id="{5F9BAACC-E988-4956-AB08-F58D22379C86}"/>
-              </a:ext>
-            </a:extLst>
-          </p:cNvPr>
-          <p:cNvSpPr txBox="1"/>
-          <p:nvPr/>
-        </p:nvSpPr>
-        <p:spPr>
-          <a:xfrm>
-            <a:off x="534838" y="3552646"/>
-            <a:ext cx="2057400" cy="461665"/>
-          </a:xfrm>
-          <a:prstGeom prst="rect">
-            <a:avLst/>
-          </a:prstGeom>
-        </p:spPr>
-        <p:txBody>
-          <a:bodyPr rot="0" spcFirstLastPara="0" vertOverflow="overflow" horzOverflow="overflow" vert="horz" wrap="square" lIns="91440" tIns="45720" rIns="91440" bIns="45720" numCol="1" spcCol="0" rtlCol="0" fromWordArt="0" anchor="t" anchorCtr="0" forceAA="0" compatLnSpc="1">
-            <a:prstTxWarp prst="textNoShape">
-              <a:avLst/>
-            </a:prstTxWarp>
-            <a:spAutoFit/>
-          </a:bodyPr>
-          <a:lstStyle/>
-          <a:p>
-            <a:pPr algn="l"/>
-            <a:r>
-              <a:rPr lang="en-US" sz="2400" b="1">
-                <a:solidFill>
-                  <a:schemeClr val="accent1"/>
-                </a:solidFill>
-              </a:rPr>
-              <a:t>Security</a:t>
-            </a:r>
-            <a:endParaRPr lang="en-US" sz="2400" b="1">
-              <a:solidFill>
-                <a:schemeClr val="accent1"/>
-              </a:solidFill>
-              <a:cs typeface="Calibri"/>
-            </a:endParaRPr>
-          </a:p>
-        </p:txBody>
-      </p:sp>
-      <p:sp>
-        <p:nvSpPr>
-          <p:cNvPr id="19" name="TextBox 18">
-            <a:extLst>
-              <a:ext uri="{FF2B5EF4-FFF2-40B4-BE49-F238E27FC236}">
-                <a16:creationId xmlns:a16="http://schemas.microsoft.com/office/drawing/2014/main" xmlns="" id="{E18E7EB1-DEDE-4535-931D-5C15CCC03191}"/>
-              </a:ext>
-            </a:extLst>
-          </p:cNvPr>
-          <p:cNvSpPr txBox="1"/>
-          <p:nvPr/>
-        </p:nvSpPr>
-        <p:spPr>
-          <a:xfrm>
-            <a:off x="3629564" y="3135702"/>
-            <a:ext cx="2057400" cy="461665"/>
-          </a:xfrm>
-          <a:prstGeom prst="rect">
-            <a:avLst/>
-          </a:prstGeom>
-        </p:spPr>
-        <p:txBody>
-          <a:bodyPr rot="0" spcFirstLastPara="0" vertOverflow="overflow" horzOverflow="overflow" vert="horz" wrap="square" lIns="91440" tIns="45720" rIns="91440" bIns="45720" numCol="1" spcCol="0" rtlCol="0" fromWordArt="0" anchor="t" anchorCtr="0" forceAA="0" compatLnSpc="1">
-            <a:prstTxWarp prst="textNoShape">
-              <a:avLst/>
-            </a:prstTxWarp>
-            <a:spAutoFit/>
-          </a:bodyPr>
-          <a:lstStyle/>
-          <a:p>
-            <a:pPr algn="l"/>
-            <a:r>
-              <a:rPr lang="en-US" sz="2400" b="1">
-                <a:solidFill>
-                  <a:schemeClr val="accent1"/>
-                </a:solidFill>
-              </a:rPr>
-              <a:t>Portability</a:t>
-            </a:r>
-          </a:p>
-        </p:txBody>
-      </p:sp>
-      <p:sp>
-        <p:nvSpPr>
-          <p:cNvPr id="20" name="TextBox 19">
-            <a:extLst>
-              <a:ext uri="{FF2B5EF4-FFF2-40B4-BE49-F238E27FC236}">
-                <a16:creationId xmlns:a16="http://schemas.microsoft.com/office/drawing/2014/main" xmlns="" id="{C2F05DEA-9681-4B8E-A431-629086F11151}"/>
-              </a:ext>
-            </a:extLst>
-          </p:cNvPr>
-          <p:cNvSpPr txBox="1"/>
-          <p:nvPr/>
-        </p:nvSpPr>
-        <p:spPr>
-          <a:xfrm>
-            <a:off x="6993866" y="3696419"/>
-            <a:ext cx="2057400" cy="830997"/>
-          </a:xfrm>
-          <a:prstGeom prst="rect">
-            <a:avLst/>
-          </a:prstGeom>
-        </p:spPr>
-        <p:txBody>
-          <a:bodyPr rot="0" spcFirstLastPara="0" vertOverflow="overflow" horzOverflow="overflow" vert="horz" wrap="square" lIns="91440" tIns="45720" rIns="91440" bIns="45720" numCol="1" spcCol="0" rtlCol="0" fromWordArt="0" anchor="t" anchorCtr="0" forceAA="0" compatLnSpc="1">
-            <a:prstTxWarp prst="textNoShape">
-              <a:avLst/>
-            </a:prstTxWarp>
-            <a:spAutoFit/>
-          </a:bodyPr>
-          <a:lstStyle/>
-          <a:p>
-            <a:r>
-              <a:rPr lang="en-US" sz="2400" b="1">
-                <a:solidFill>
-                  <a:schemeClr val="accent1"/>
-                </a:solidFill>
-                <a:cs typeface="Calibri"/>
-              </a:rPr>
-              <a:t>Maintainability</a:t>
-            </a:r>
-            <a:endParaRPr lang="en-US" sz="2400" b="1">
-              <a:solidFill>
-                <a:schemeClr val="accent1"/>
-              </a:solidFill>
-            </a:endParaRPr>
-          </a:p>
-        </p:txBody>
-      </p:sp>
-    </p:spTree>
-    <p:extLst>
-      <p:ext uri="{BB962C8B-B14F-4D97-AF65-F5344CB8AC3E}">
-        <p14:creationId xmlns:p14="http://schemas.microsoft.com/office/powerpoint/2010/main" val="346424364"/>
-      </p:ext>
-    </p:extLst>
-  </p:cSld>
-  <p:clrMapOvr>
-    <a:masterClrMapping/>
-  </p:clrMapOvr>
-</p:sld>
-</file>
-
 <file path=ppt/theme/theme1.xml><?xml version="1.0" encoding="utf-8"?>
 <a:theme xmlns:a="http://schemas.openxmlformats.org/drawingml/2006/main" name="Office Theme">
   <a:themeElements>

--- a/SRS/Presentation.pptx
+++ b/SRS/Presentation.pptx
@@ -10,8 +10,10 @@
     <p:sldId id="259" r:id="rId4"/>
     <p:sldId id="263" r:id="rId5"/>
     <p:sldId id="261" r:id="rId6"/>
-    <p:sldId id="264" r:id="rId7"/>
-    <p:sldId id="260" r:id="rId8"/>
+    <p:sldId id="265" r:id="rId7"/>
+    <p:sldId id="266" r:id="rId8"/>
+    <p:sldId id="264" r:id="rId9"/>
+    <p:sldId id="260" r:id="rId10"/>
   </p:sldIdLst>
   <p:sldSz cx="9144000" cy="6858000" type="screen4x3"/>
   <p:notesSz cx="6858000" cy="9144000"/>
@@ -4165,14 +4167,14 @@
             <p:ph idx="1"/>
             <p:extLst>
               <p:ext uri="{D42A27DB-BD31-4B8C-83A1-F6EECF244321}">
-                <p14:modId xmlns:p14="http://schemas.microsoft.com/office/powerpoint/2010/main" val="3928844836"/>
+                <p14:modId xmlns:p14="http://schemas.microsoft.com/office/powerpoint/2010/main" val="2203263923"/>
               </p:ext>
             </p:extLst>
           </p:nvPr>
         </p:nvGraphicFramePr>
         <p:xfrm>
           <a:off x="628650" y="1376790"/>
-          <a:ext cx="7886700" cy="5275495"/>
+          <a:ext cx="7886700" cy="5001175"/>
         </p:xfrm>
         <a:graphic>
           <a:graphicData uri="http://schemas.openxmlformats.org/drawingml/2006/table">
@@ -4305,23 +4307,13 @@
                       </a:pPr>
                       <a:r>
                         <a:rPr lang="en-US" dirty="0" smtClean="0"/>
-                        <a:t>Receive messages</a:t>
+                        <a:t>Receive </a:t>
                       </a:r>
-                    </a:p>
-                    <a:p>
-                      <a:pPr marL="342900" indent="-342900">
-                        <a:buFont typeface="+mj-lt"/>
-                        <a:buAutoNum type="arabicPeriod"/>
-                      </a:pPr>
                       <a:r>
                         <a:rPr lang="en-US" dirty="0" smtClean="0"/>
-                        <a:t>Send the</a:t>
+                        <a:t>messages</a:t>
                       </a:r>
-                      <a:r>
-                        <a:rPr lang="en-US" baseline="0" dirty="0" smtClean="0"/>
-                        <a:t> received messages to the cloud</a:t>
-                      </a:r>
-                      <a:endParaRPr lang="en-US" dirty="0"/>
+                      <a:endParaRPr lang="en-US" dirty="0" smtClean="0"/>
                     </a:p>
                   </a:txBody>
                   <a:tcPr marL="68580" marR="68580"/>
@@ -4422,9 +4414,9 @@
                     <a:bodyPr/>
                     <a:lstStyle/>
                     <a:p>
-                      <a:pPr marL="342900" indent="-342900">
+                      <a:pPr marL="0" indent="0">
                         <a:buFont typeface="+mj-lt"/>
-                        <a:buAutoNum type="arabicPeriod"/>
+                        <a:buNone/>
                       </a:pPr>
                       <a:endParaRPr lang="en-US" dirty="0" smtClean="0"/>
                     </a:p>
@@ -4518,7 +4510,7 @@
           <p:cNvPr id="11" name="TextBox 10">
             <a:extLst>
               <a:ext uri="{FF2B5EF4-FFF2-40B4-BE49-F238E27FC236}">
-                <a16:creationId xmlns:a16="http://schemas.microsoft.com/office/drawing/2014/main" xmlns="" id="{95E10C7C-96C2-44F2-BF44-9D46D0EDA6B3}"/>
+                <a16:creationId xmlns="" xmlns:a16="http://schemas.microsoft.com/office/drawing/2014/main" id="{95E10C7C-96C2-44F2-BF44-9D46D0EDA6B3}"/>
               </a:ext>
             </a:extLst>
           </p:cNvPr>
@@ -4572,7 +4564,7 @@
             <p:cNvPr id="8" name="Oval 7">
               <a:extLst>
                 <a:ext uri="{FF2B5EF4-FFF2-40B4-BE49-F238E27FC236}">
-                  <a16:creationId xmlns:a16="http://schemas.microsoft.com/office/drawing/2014/main" xmlns="" id="{1781CF62-FC2D-4081-89EA-A96D67E73667}"/>
+                  <a16:creationId xmlns="" xmlns:a16="http://schemas.microsoft.com/office/drawing/2014/main" id="{1781CF62-FC2D-4081-89EA-A96D67E73667}"/>
                 </a:ext>
               </a:extLst>
             </p:cNvPr>
@@ -4626,7 +4618,7 @@
             <p:cNvPr id="2" name="Picture 2" descr="A close up of a logo&#10;&#10;Description generated with very high confidence">
               <a:extLst>
                 <a:ext uri="{FF2B5EF4-FFF2-40B4-BE49-F238E27FC236}">
-                  <a16:creationId xmlns:a16="http://schemas.microsoft.com/office/drawing/2014/main" xmlns="" id="{D2BE1C14-4F97-490F-A9ED-99CEFFADFD23}"/>
+                  <a16:creationId xmlns="" xmlns:a16="http://schemas.microsoft.com/office/drawing/2014/main" id="{D2BE1C14-4F97-490F-A9ED-99CEFFADFD23}"/>
                 </a:ext>
               </a:extLst>
             </p:cNvPr>
@@ -4656,7 +4648,7 @@
             <p:cNvPr id="12" name="Straight Arrow Connector 11">
               <a:extLst>
                 <a:ext uri="{FF2B5EF4-FFF2-40B4-BE49-F238E27FC236}">
-                  <a16:creationId xmlns:a16="http://schemas.microsoft.com/office/drawing/2014/main" xmlns="" id="{9ACB4174-079B-4B80-9F74-B14EB4798391}"/>
+                  <a16:creationId xmlns="" xmlns:a16="http://schemas.microsoft.com/office/drawing/2014/main" id="{9ACB4174-079B-4B80-9F74-B14EB4798391}"/>
                 </a:ext>
               </a:extLst>
             </p:cNvPr>
@@ -4695,7 +4687,7 @@
             <p:cNvPr id="15" name="TextBox 14">
               <a:extLst>
                 <a:ext uri="{FF2B5EF4-FFF2-40B4-BE49-F238E27FC236}">
-                  <a16:creationId xmlns:a16="http://schemas.microsoft.com/office/drawing/2014/main" xmlns="" id="{1CA98851-2216-4AD1-A5A7-AA2FE1CBE5A7}"/>
+                  <a16:creationId xmlns="" xmlns:a16="http://schemas.microsoft.com/office/drawing/2014/main" id="{1CA98851-2216-4AD1-A5A7-AA2FE1CBE5A7}"/>
                 </a:ext>
               </a:extLst>
             </p:cNvPr>
@@ -4747,7 +4739,7 @@
             <p:cNvPr id="18" name="TextBox 17">
               <a:extLst>
                 <a:ext uri="{FF2B5EF4-FFF2-40B4-BE49-F238E27FC236}">
-                  <a16:creationId xmlns:a16="http://schemas.microsoft.com/office/drawing/2014/main" xmlns="" id="{5F9BAACC-E988-4956-AB08-F58D22379C86}"/>
+                  <a16:creationId xmlns="" xmlns:a16="http://schemas.microsoft.com/office/drawing/2014/main" id="{5F9BAACC-E988-4956-AB08-F58D22379C86}"/>
                 </a:ext>
               </a:extLst>
             </p:cNvPr>
@@ -4810,7 +4802,7 @@
             <p:cNvPr id="9" name="Oval 8">
               <a:extLst>
                 <a:ext uri="{FF2B5EF4-FFF2-40B4-BE49-F238E27FC236}">
-                  <a16:creationId xmlns:a16="http://schemas.microsoft.com/office/drawing/2014/main" xmlns="" id="{E1FD8034-F3E8-4EF1-BB90-464DC64E5470}"/>
+                  <a16:creationId xmlns="" xmlns:a16="http://schemas.microsoft.com/office/drawing/2014/main" id="{E1FD8034-F3E8-4EF1-BB90-464DC64E5470}"/>
                 </a:ext>
               </a:extLst>
             </p:cNvPr>
@@ -4864,7 +4856,7 @@
             <p:cNvPr id="4" name="Picture 4" descr="A close up of a logo&#10;&#10;Description generated with very high confidence">
               <a:extLst>
                 <a:ext uri="{FF2B5EF4-FFF2-40B4-BE49-F238E27FC236}">
-                  <a16:creationId xmlns:a16="http://schemas.microsoft.com/office/drawing/2014/main" xmlns="" id="{E1856001-6F87-46F3-BB84-348BC716774C}"/>
+                  <a16:creationId xmlns="" xmlns:a16="http://schemas.microsoft.com/office/drawing/2014/main" id="{E1856001-6F87-46F3-BB84-348BC716774C}"/>
                 </a:ext>
               </a:extLst>
             </p:cNvPr>
@@ -4894,7 +4886,7 @@
             <p:cNvPr id="13" name="Straight Arrow Connector 12">
               <a:extLst>
                 <a:ext uri="{FF2B5EF4-FFF2-40B4-BE49-F238E27FC236}">
-                  <a16:creationId xmlns:a16="http://schemas.microsoft.com/office/drawing/2014/main" xmlns="" id="{E92D6A12-3F28-48D0-8F41-258B5C45CDC0}"/>
+                  <a16:creationId xmlns="" xmlns:a16="http://schemas.microsoft.com/office/drawing/2014/main" id="{E92D6A12-3F28-48D0-8F41-258B5C45CDC0}"/>
                 </a:ext>
               </a:extLst>
             </p:cNvPr>
@@ -4935,7 +4927,7 @@
             <p:cNvPr id="16" name="TextBox 15">
               <a:extLst>
                 <a:ext uri="{FF2B5EF4-FFF2-40B4-BE49-F238E27FC236}">
-                  <a16:creationId xmlns:a16="http://schemas.microsoft.com/office/drawing/2014/main" xmlns="" id="{A65B7D8A-A2B0-4AB2-8F80-BD45C9EB59C4}"/>
+                  <a16:creationId xmlns="" xmlns:a16="http://schemas.microsoft.com/office/drawing/2014/main" id="{A65B7D8A-A2B0-4AB2-8F80-BD45C9EB59C4}"/>
                 </a:ext>
               </a:extLst>
             </p:cNvPr>
@@ -4982,7 +4974,7 @@
             <p:cNvPr id="19" name="TextBox 18">
               <a:extLst>
                 <a:ext uri="{FF2B5EF4-FFF2-40B4-BE49-F238E27FC236}">
-                  <a16:creationId xmlns:a16="http://schemas.microsoft.com/office/drawing/2014/main" xmlns="" id="{E18E7EB1-DEDE-4535-931D-5C15CCC03191}"/>
+                  <a16:creationId xmlns="" xmlns:a16="http://schemas.microsoft.com/office/drawing/2014/main" id="{E18E7EB1-DEDE-4535-931D-5C15CCC03191}"/>
                 </a:ext>
               </a:extLst>
             </p:cNvPr>
@@ -5039,7 +5031,7 @@
             <p:cNvPr id="10" name="Oval 9">
               <a:extLst>
                 <a:ext uri="{FF2B5EF4-FFF2-40B4-BE49-F238E27FC236}">
-                  <a16:creationId xmlns:a16="http://schemas.microsoft.com/office/drawing/2014/main" xmlns="" id="{116C2E88-CE65-4933-BE08-77D669128DB8}"/>
+                  <a16:creationId xmlns="" xmlns:a16="http://schemas.microsoft.com/office/drawing/2014/main" id="{116C2E88-CE65-4933-BE08-77D669128DB8}"/>
                 </a:ext>
               </a:extLst>
             </p:cNvPr>
@@ -5093,7 +5085,7 @@
             <p:cNvPr id="6" name="Picture 6" descr="A close up of a logo&#10;&#10;Description generated with very high confidence">
               <a:extLst>
                 <a:ext uri="{FF2B5EF4-FFF2-40B4-BE49-F238E27FC236}">
-                  <a16:creationId xmlns:a16="http://schemas.microsoft.com/office/drawing/2014/main" xmlns="" id="{D3D4DE8F-3CCA-4867-BD4C-C89D20AED288}"/>
+                  <a16:creationId xmlns="" xmlns:a16="http://schemas.microsoft.com/office/drawing/2014/main" id="{D3D4DE8F-3CCA-4867-BD4C-C89D20AED288}"/>
                 </a:ext>
               </a:extLst>
             </p:cNvPr>
@@ -5123,7 +5115,7 @@
             <p:cNvPr id="14" name="Straight Arrow Connector 13">
               <a:extLst>
                 <a:ext uri="{FF2B5EF4-FFF2-40B4-BE49-F238E27FC236}">
-                  <a16:creationId xmlns:a16="http://schemas.microsoft.com/office/drawing/2014/main" xmlns="" id="{17292532-DF2E-4A20-9E31-5341A07B01B3}"/>
+                  <a16:creationId xmlns="" xmlns:a16="http://schemas.microsoft.com/office/drawing/2014/main" id="{17292532-DF2E-4A20-9E31-5341A07B01B3}"/>
                 </a:ext>
               </a:extLst>
             </p:cNvPr>
@@ -5164,7 +5156,7 @@
             <p:cNvPr id="17" name="TextBox 16">
               <a:extLst>
                 <a:ext uri="{FF2B5EF4-FFF2-40B4-BE49-F238E27FC236}">
-                  <a16:creationId xmlns:a16="http://schemas.microsoft.com/office/drawing/2014/main" xmlns="" id="{CC288B69-7C43-4BA0-8181-1F2F472EB12C}"/>
+                  <a16:creationId xmlns="" xmlns:a16="http://schemas.microsoft.com/office/drawing/2014/main" id="{CC288B69-7C43-4BA0-8181-1F2F472EB12C}"/>
                 </a:ext>
               </a:extLst>
             </p:cNvPr>
@@ -5214,7 +5206,7 @@
             <p:cNvPr id="20" name="TextBox 19">
               <a:extLst>
                 <a:ext uri="{FF2B5EF4-FFF2-40B4-BE49-F238E27FC236}">
-                  <a16:creationId xmlns:a16="http://schemas.microsoft.com/office/drawing/2014/main" xmlns="" id="{C2F05DEA-9681-4B8E-A431-629086F11151}"/>
+                  <a16:creationId xmlns="" xmlns:a16="http://schemas.microsoft.com/office/drawing/2014/main" id="{C2F05DEA-9681-4B8E-A431-629086F11151}"/>
                 </a:ext>
               </a:extLst>
             </p:cNvPr>
@@ -5267,6 +5259,13 @@
   <p:clrMapOvr>
     <a:masterClrMapping/>
   </p:clrMapOvr>
+  <p:timing>
+    <p:tnLst>
+      <p:par>
+        <p:cTn id="1" dur="indefinite" restart="never" nodeType="tmRoot"/>
+      </p:par>
+    </p:tnLst>
+  </p:timing>
 </p:sld>
 </file>
 
@@ -5289,7 +5288,7 @@
       </p:grpSpPr>
       <p:pic>
         <p:nvPicPr>
-          <p:cNvPr id="1026" name="Picture 2" descr="C:\wamp64\www\Graduation-Project\SRS\Class Diagram.png"/>
+          <p:cNvPr id="1026" name="Picture 2" descr="C:\wamp64\www\Graduation-Project\SRS\use cas.png"/>
           <p:cNvPicPr>
             <a:picLocks noChangeAspect="1" noChangeArrowheads="1"/>
           </p:cNvPicPr>
@@ -5310,8 +5309,8 @@
         </p:blipFill>
         <p:spPr bwMode="auto">
           <a:xfrm>
-            <a:off x="0" y="609601"/>
-            <a:ext cx="9144000" cy="6248400"/>
+            <a:off x="990599" y="2514600"/>
+            <a:ext cx="6334125" cy="2867025"/>
           </a:xfrm>
           <a:prstGeom prst="rect">
             <a:avLst/>
@@ -5330,52 +5329,44 @@
       </p:pic>
       <p:sp>
         <p:nvSpPr>
-          <p:cNvPr id="5" name="TextBox 4"/>
-          <p:cNvSpPr txBox="1"/>
-          <p:nvPr/>
-        </p:nvSpPr>
-        <p:spPr>
-          <a:xfrm>
-            <a:off x="2781300" y="0"/>
-            <a:ext cx="3581400" cy="769441"/>
-          </a:xfrm>
-          <a:prstGeom prst="rect">
-            <a:avLst/>
-          </a:prstGeom>
-          <a:noFill/>
-        </p:spPr>
-        <p:txBody>
-          <a:bodyPr wrap="square" rtlCol="0">
-            <a:spAutoFit/>
-          </a:bodyPr>
+          <p:cNvPr id="2" name="Title 1"/>
+          <p:cNvSpPr>
+            <a:spLocks noGrp="1"/>
+          </p:cNvSpPr>
+          <p:nvPr>
+            <p:ph type="title"/>
+          </p:nvPr>
+        </p:nvSpPr>
+        <p:spPr/>
+        <p:txBody>
+          <a:bodyPr/>
           <a:lstStyle/>
           <a:p>
             <a:r>
-              <a:rPr lang="en-US" sz="4400" dirty="0">
-                <a:latin typeface="+mj-lt"/>
-                <a:ea typeface="+mj-ea"/>
-                <a:cs typeface="+mj-cs"/>
-              </a:rPr>
-              <a:t>Class Diagram</a:t>
-            </a:r>
-            <a:endParaRPr lang="en-US" sz="4400" dirty="0">
-              <a:latin typeface="+mj-lt"/>
-              <a:ea typeface="+mj-ea"/>
-              <a:cs typeface="+mj-cs"/>
-            </a:endParaRPr>
+              <a:rPr lang="en-US" dirty="0" smtClean="0"/>
+              <a:t>Use Case</a:t>
+            </a:r>
+            <a:endParaRPr lang="en-US" dirty="0"/>
           </a:p>
         </p:txBody>
       </p:sp>
     </p:spTree>
     <p:extLst>
       <p:ext uri="{BB962C8B-B14F-4D97-AF65-F5344CB8AC3E}">
-        <p14:creationId xmlns:p14="http://schemas.microsoft.com/office/powerpoint/2010/main" val="3292223309"/>
+        <p14:creationId xmlns:p14="http://schemas.microsoft.com/office/powerpoint/2010/main" val="291504819"/>
       </p:ext>
     </p:extLst>
   </p:cSld>
   <p:clrMapOvr>
     <a:masterClrMapping/>
   </p:clrMapOvr>
+  <p:timing>
+    <p:tnLst>
+      <p:par>
+        <p:cTn id="1" dur="indefinite" restart="never" nodeType="tmRoot"/>
+      </p:par>
+    </p:tnLst>
+  </p:timing>
 </p:sld>
 </file>
 
@@ -5398,10 +5389,298 @@
       </p:grpSpPr>
       <p:pic>
         <p:nvPicPr>
+          <p:cNvPr id="3" name="Picture 3" descr="C:\wamp64\www\Graduation-Project\SRS\use cas (1).png"/>
+          <p:cNvPicPr>
+            <a:picLocks noChangeAspect="1" noChangeArrowheads="1"/>
+          </p:cNvPicPr>
+          <p:nvPr/>
+        </p:nvPicPr>
+        <p:blipFill>
+          <a:blip r:embed="rId2">
+            <a:extLst>
+              <a:ext uri="{28A0092B-C50C-407E-A947-70E740481C1C}">
+                <a14:useLocalDpi xmlns:a14="http://schemas.microsoft.com/office/drawing/2010/main" val="0"/>
+              </a:ext>
+            </a:extLst>
+          </a:blip>
+          <a:srcRect/>
+          <a:stretch>
+            <a:fillRect/>
+          </a:stretch>
+        </p:blipFill>
+        <p:spPr bwMode="auto">
+          <a:xfrm>
+            <a:off x="1143000" y="228600"/>
+            <a:ext cx="6629400" cy="3152775"/>
+          </a:xfrm>
+          <a:prstGeom prst="rect">
+            <a:avLst/>
+          </a:prstGeom>
+          <a:noFill/>
+          <a:extLst>
+            <a:ext uri="{909E8E84-426E-40DD-AFC4-6F175D3DCCD1}">
+              <a14:hiddenFill xmlns:a14="http://schemas.microsoft.com/office/drawing/2010/main">
+                <a:solidFill>
+                  <a:srgbClr val="FFFFFF"/>
+                </a:solidFill>
+              </a14:hiddenFill>
+            </a:ext>
+          </a:extLst>
+        </p:spPr>
+      </p:pic>
+      <p:pic>
+        <p:nvPicPr>
+          <p:cNvPr id="2050" name="Picture 2" descr="C:\wamp64\www\Graduation-Project\SRS\use cas (2).png"/>
+          <p:cNvPicPr>
+            <a:picLocks noChangeAspect="1" noChangeArrowheads="1"/>
+          </p:cNvPicPr>
+          <p:nvPr/>
+        </p:nvPicPr>
+        <p:blipFill>
+          <a:blip r:embed="rId3">
+            <a:extLst>
+              <a:ext uri="{28A0092B-C50C-407E-A947-70E740481C1C}">
+                <a14:useLocalDpi xmlns:a14="http://schemas.microsoft.com/office/drawing/2010/main" val="0"/>
+              </a:ext>
+            </a:extLst>
+          </a:blip>
+          <a:srcRect/>
+          <a:stretch>
+            <a:fillRect/>
+          </a:stretch>
+        </p:blipFill>
+        <p:spPr bwMode="auto">
+          <a:xfrm>
+            <a:off x="914400" y="3733800"/>
+            <a:ext cx="6858000" cy="2525713"/>
+          </a:xfrm>
+          <a:prstGeom prst="rect">
+            <a:avLst/>
+          </a:prstGeom>
+          <a:noFill/>
+          <a:extLst>
+            <a:ext uri="{909E8E84-426E-40DD-AFC4-6F175D3DCCD1}">
+              <a14:hiddenFill xmlns:a14="http://schemas.microsoft.com/office/drawing/2010/main">
+                <a:solidFill>
+                  <a:srgbClr val="FFFFFF"/>
+                </a:solidFill>
+              </a14:hiddenFill>
+            </a:ext>
+          </a:extLst>
+        </p:spPr>
+      </p:pic>
+      <p:sp>
+        <p:nvSpPr>
+          <p:cNvPr id="4" name="Rectangle 3"/>
+          <p:cNvSpPr/>
+          <p:nvPr/>
+        </p:nvSpPr>
+        <p:spPr>
+          <a:xfrm>
+            <a:off x="914400" y="6019800"/>
+            <a:ext cx="838200" cy="239713"/>
+          </a:xfrm>
+          <a:prstGeom prst="rect">
+            <a:avLst/>
+          </a:prstGeom>
+          <a:solidFill>
+            <a:schemeClr val="bg1"/>
+          </a:solidFill>
+          <a:ln>
+            <a:noFill/>
+          </a:ln>
+        </p:spPr>
+        <p:style>
+          <a:lnRef idx="2">
+            <a:schemeClr val="accent1">
+              <a:shade val="50000"/>
+            </a:schemeClr>
+          </a:lnRef>
+          <a:fillRef idx="1">
+            <a:schemeClr val="accent1"/>
+          </a:fillRef>
+          <a:effectRef idx="0">
+            <a:schemeClr val="accent1"/>
+          </a:effectRef>
+          <a:fontRef idx="minor">
+            <a:schemeClr val="lt1"/>
+          </a:fontRef>
+        </p:style>
+        <p:txBody>
+          <a:bodyPr rtlCol="0" anchor="ctr"/>
+          <a:lstStyle/>
+          <a:p>
+            <a:pPr algn="ctr"/>
+            <a:r>
+              <a:rPr lang="en-US" dirty="0" smtClean="0">
+                <a:solidFill>
+                  <a:schemeClr val="tx1"/>
+                </a:solidFill>
+              </a:rPr>
+              <a:t>Admin</a:t>
+            </a:r>
+            <a:endParaRPr lang="en-US" dirty="0">
+              <a:solidFill>
+                <a:schemeClr val="tx1"/>
+              </a:solidFill>
+            </a:endParaRPr>
+          </a:p>
+        </p:txBody>
+      </p:sp>
+    </p:spTree>
+    <p:extLst>
+      <p:ext uri="{BB962C8B-B14F-4D97-AF65-F5344CB8AC3E}">
+        <p14:creationId xmlns:p14="http://schemas.microsoft.com/office/powerpoint/2010/main" val="296860246"/>
+      </p:ext>
+    </p:extLst>
+  </p:cSld>
+  <p:clrMapOvr>
+    <a:masterClrMapping/>
+  </p:clrMapOvr>
+  <p:timing>
+    <p:tnLst>
+      <p:par>
+        <p:cTn id="1" dur="indefinite" restart="never" nodeType="tmRoot"/>
+      </p:par>
+    </p:tnLst>
+  </p:timing>
+</p:sld>
+</file>
+
+<file path=ppt/slides/slide8.xml><?xml version="1.0" encoding="utf-8"?>
+<p:sld xmlns:a="http://schemas.openxmlformats.org/drawingml/2006/main" xmlns:r="http://schemas.openxmlformats.org/officeDocument/2006/relationships" xmlns:p="http://schemas.openxmlformats.org/presentationml/2006/main">
+  <p:cSld>
+    <p:spTree>
+      <p:nvGrpSpPr>
+        <p:cNvPr id="1" name=""/>
+        <p:cNvGrpSpPr/>
+        <p:nvPr/>
+      </p:nvGrpSpPr>
+      <p:grpSpPr>
+        <a:xfrm>
+          <a:off x="0" y="0"/>
+          <a:ext cx="0" cy="0"/>
+          <a:chOff x="0" y="0"/>
+          <a:chExt cx="0" cy="0"/>
+        </a:xfrm>
+      </p:grpSpPr>
+      <p:sp>
+        <p:nvSpPr>
+          <p:cNvPr id="5" name="TextBox 4"/>
+          <p:cNvSpPr txBox="1"/>
+          <p:nvPr/>
+        </p:nvSpPr>
+        <p:spPr>
+          <a:xfrm>
+            <a:off x="2781300" y="0"/>
+            <a:ext cx="3581400" cy="769441"/>
+          </a:xfrm>
+          <a:prstGeom prst="rect">
+            <a:avLst/>
+          </a:prstGeom>
+          <a:noFill/>
+        </p:spPr>
+        <p:txBody>
+          <a:bodyPr wrap="square" rtlCol="0">
+            <a:spAutoFit/>
+          </a:bodyPr>
+          <a:lstStyle/>
+          <a:p>
+            <a:r>
+              <a:rPr lang="en-US" sz="4400" dirty="0">
+                <a:latin typeface="+mj-lt"/>
+                <a:ea typeface="+mj-ea"/>
+                <a:cs typeface="+mj-cs"/>
+              </a:rPr>
+              <a:t>Class Diagram</a:t>
+            </a:r>
+          </a:p>
+        </p:txBody>
+      </p:sp>
+      <p:pic>
+        <p:nvPicPr>
+          <p:cNvPr id="3075" name="Picture 3" descr="C:\wamp64\www\Graduation-Project\SRS\Downloaded the image to Messenger_Lite"/>
+          <p:cNvPicPr>
+            <a:picLocks noChangeAspect="1" noChangeArrowheads="1"/>
+          </p:cNvPicPr>
+          <p:nvPr/>
+        </p:nvPicPr>
+        <p:blipFill>
+          <a:blip r:embed="rId2">
+            <a:extLst>
+              <a:ext uri="{28A0092B-C50C-407E-A947-70E740481C1C}">
+                <a14:useLocalDpi xmlns:a14="http://schemas.microsoft.com/office/drawing/2010/main" val="0"/>
+              </a:ext>
+            </a:extLst>
+          </a:blip>
+          <a:srcRect/>
+          <a:stretch>
+            <a:fillRect/>
+          </a:stretch>
+        </p:blipFill>
+        <p:spPr bwMode="auto">
+          <a:xfrm>
+            <a:off x="1" y="769441"/>
+            <a:ext cx="9144000" cy="6118799"/>
+          </a:xfrm>
+          <a:prstGeom prst="rect">
+            <a:avLst/>
+          </a:prstGeom>
+          <a:noFill/>
+          <a:extLst>
+            <a:ext uri="{909E8E84-426E-40DD-AFC4-6F175D3DCCD1}">
+              <a14:hiddenFill xmlns:a14="http://schemas.microsoft.com/office/drawing/2010/main">
+                <a:solidFill>
+                  <a:srgbClr val="FFFFFF"/>
+                </a:solidFill>
+              </a14:hiddenFill>
+            </a:ext>
+          </a:extLst>
+        </p:spPr>
+      </p:pic>
+    </p:spTree>
+    <p:extLst>
+      <p:ext uri="{BB962C8B-B14F-4D97-AF65-F5344CB8AC3E}">
+        <p14:creationId xmlns:p14="http://schemas.microsoft.com/office/powerpoint/2010/main" val="3292223309"/>
+      </p:ext>
+    </p:extLst>
+  </p:cSld>
+  <p:clrMapOvr>
+    <a:masterClrMapping/>
+  </p:clrMapOvr>
+  <p:timing>
+    <p:tnLst>
+      <p:par>
+        <p:cTn id="1" dur="indefinite" restart="never" nodeType="tmRoot"/>
+      </p:par>
+    </p:tnLst>
+  </p:timing>
+</p:sld>
+</file>
+
+<file path=ppt/slides/slide9.xml><?xml version="1.0" encoding="utf-8"?>
+<p:sld xmlns:a="http://schemas.openxmlformats.org/drawingml/2006/main" xmlns:r="http://schemas.openxmlformats.org/officeDocument/2006/relationships" xmlns:p="http://schemas.openxmlformats.org/presentationml/2006/main">
+  <p:cSld>
+    <p:spTree>
+      <p:nvGrpSpPr>
+        <p:cNvPr id="1" name=""/>
+        <p:cNvGrpSpPr/>
+        <p:nvPr/>
+      </p:nvGrpSpPr>
+      <p:grpSpPr>
+        <a:xfrm>
+          <a:off x="0" y="0"/>
+          <a:ext cx="0" cy="0"/>
+          <a:chOff x="0" y="0"/>
+          <a:chExt cx="0" cy="0"/>
+        </a:xfrm>
+      </p:grpSpPr>
+      <p:pic>
+        <p:nvPicPr>
           <p:cNvPr id="4" name="Picture 4" descr="A screenshot of a cell phone&#10;&#10;Description generated with very high confidence">
             <a:extLst>
               <a:ext uri="{FF2B5EF4-FFF2-40B4-BE49-F238E27FC236}">
-                <a16:creationId xmlns:a16="http://schemas.microsoft.com/office/drawing/2014/main" xmlns="" id="{01829291-46A7-4E32-B821-D2B6AFB4F2D0}"/>
+                <a16:creationId xmlns="" xmlns:a16="http://schemas.microsoft.com/office/drawing/2014/main" id="{01829291-46A7-4E32-B821-D2B6AFB4F2D0}"/>
               </a:ext>
             </a:extLst>
           </p:cNvPr>
@@ -5431,7 +5710,7 @@
           <p:cNvPr id="6" name="Picture 6" descr="A screenshot of a cell phone&#10;&#10;Description generated with very high confidence">
             <a:extLst>
               <a:ext uri="{FF2B5EF4-FFF2-40B4-BE49-F238E27FC236}">
-                <a16:creationId xmlns:a16="http://schemas.microsoft.com/office/drawing/2014/main" xmlns="" id="{393D79AC-B013-4CD4-884A-F4FDF158F474}"/>
+                <a16:creationId xmlns="" xmlns:a16="http://schemas.microsoft.com/office/drawing/2014/main" id="{393D79AC-B013-4CD4-884A-F4FDF158F474}"/>
               </a:ext>
             </a:extLst>
           </p:cNvPr>
@@ -5461,7 +5740,7 @@
           <p:cNvPr id="8" name="Picture 8" descr="A screenshot of a cell phone&#10;&#10;Description generated with very high confidence">
             <a:extLst>
               <a:ext uri="{FF2B5EF4-FFF2-40B4-BE49-F238E27FC236}">
-                <a16:creationId xmlns:a16="http://schemas.microsoft.com/office/drawing/2014/main" xmlns="" id="{A08133BD-8C0E-48BA-9B5B-B71FE108DAFA}"/>
+                <a16:creationId xmlns="" xmlns:a16="http://schemas.microsoft.com/office/drawing/2014/main" id="{A08133BD-8C0E-48BA-9B5B-B71FE108DAFA}"/>
               </a:ext>
             </a:extLst>
           </p:cNvPr>
@@ -5491,7 +5770,7 @@
           <p:cNvPr id="10" name="Picture 10" descr="A screenshot of a cell phone&#10;&#10;Description generated with very high confidence">
             <a:extLst>
               <a:ext uri="{FF2B5EF4-FFF2-40B4-BE49-F238E27FC236}">
-                <a16:creationId xmlns:a16="http://schemas.microsoft.com/office/drawing/2014/main" xmlns="" id="{EA4A28A0-2A1B-403C-A424-9C8381F27608}"/>
+                <a16:creationId xmlns="" xmlns:a16="http://schemas.microsoft.com/office/drawing/2014/main" id="{EA4A28A0-2A1B-403C-A424-9C8381F27608}"/>
               </a:ext>
             </a:extLst>
           </p:cNvPr>
@@ -5521,7 +5800,7 @@
           <p:cNvPr id="22" name="TextBox 21">
             <a:extLst>
               <a:ext uri="{FF2B5EF4-FFF2-40B4-BE49-F238E27FC236}">
-                <a16:creationId xmlns:a16="http://schemas.microsoft.com/office/drawing/2014/main" xmlns="" id="{FA8F727F-98D9-4ECB-A4BA-30A4E933E1CA}"/>
+                <a16:creationId xmlns="" xmlns:a16="http://schemas.microsoft.com/office/drawing/2014/main" id="{FA8F727F-98D9-4ECB-A4BA-30A4E933E1CA}"/>
               </a:ext>
             </a:extLst>
           </p:cNvPr>

--- a/SRS/Presentation.pptx
+++ b/SRS/Presentation.pptx
@@ -6,14 +6,18 @@
   </p:sldMasterIdLst>
   <p:sldIdLst>
     <p:sldId id="257" r:id="rId2"/>
-    <p:sldId id="258" r:id="rId3"/>
-    <p:sldId id="259" r:id="rId4"/>
-    <p:sldId id="263" r:id="rId5"/>
-    <p:sldId id="261" r:id="rId6"/>
-    <p:sldId id="265" r:id="rId7"/>
-    <p:sldId id="266" r:id="rId8"/>
-    <p:sldId id="264" r:id="rId9"/>
-    <p:sldId id="260" r:id="rId10"/>
+    <p:sldId id="267" r:id="rId3"/>
+    <p:sldId id="258" r:id="rId4"/>
+    <p:sldId id="268" r:id="rId5"/>
+    <p:sldId id="269" r:id="rId6"/>
+    <p:sldId id="270" r:id="rId7"/>
+    <p:sldId id="259" r:id="rId8"/>
+    <p:sldId id="263" r:id="rId9"/>
+    <p:sldId id="261" r:id="rId10"/>
+    <p:sldId id="265" r:id="rId11"/>
+    <p:sldId id="266" r:id="rId12"/>
+    <p:sldId id="264" r:id="rId13"/>
+    <p:sldId id="260" r:id="rId14"/>
   </p:sldIdLst>
   <p:sldSz cx="9144000" cy="6858000" type="screen4x3"/>
   <p:notesSz cx="6858000" cy="9144000"/>
@@ -296,7 +300,7 @@
           <a:p>
             <a:fld id="{57B2904B-9332-401E-8DDC-FEEF13D4EE28}" type="datetimeFigureOut">
               <a:rPr lang="en-US" smtClean="0"/>
-              <a:t>13-Nov-18</a:t>
+              <a:t>17-Nov-18</a:t>
             </a:fld>
             <a:endParaRPr lang="en-US"/>
           </a:p>
@@ -466,7 +470,7 @@
           <a:p>
             <a:fld id="{57B2904B-9332-401E-8DDC-FEEF13D4EE28}" type="datetimeFigureOut">
               <a:rPr lang="en-US" smtClean="0"/>
-              <a:t>13-Nov-18</a:t>
+              <a:t>17-Nov-18</a:t>
             </a:fld>
             <a:endParaRPr lang="en-US"/>
           </a:p>
@@ -646,7 +650,7 @@
           <a:p>
             <a:fld id="{57B2904B-9332-401E-8DDC-FEEF13D4EE28}" type="datetimeFigureOut">
               <a:rPr lang="en-US" smtClean="0"/>
-              <a:t>13-Nov-18</a:t>
+              <a:t>17-Nov-18</a:t>
             </a:fld>
             <a:endParaRPr lang="en-US"/>
           </a:p>
@@ -816,7 +820,7 @@
           <a:p>
             <a:fld id="{57B2904B-9332-401E-8DDC-FEEF13D4EE28}" type="datetimeFigureOut">
               <a:rPr lang="en-US" smtClean="0"/>
-              <a:t>13-Nov-18</a:t>
+              <a:t>17-Nov-18</a:t>
             </a:fld>
             <a:endParaRPr lang="en-US"/>
           </a:p>
@@ -1062,7 +1066,7 @@
           <a:p>
             <a:fld id="{57B2904B-9332-401E-8DDC-FEEF13D4EE28}" type="datetimeFigureOut">
               <a:rPr lang="en-US" smtClean="0"/>
-              <a:t>13-Nov-18</a:t>
+              <a:t>17-Nov-18</a:t>
             </a:fld>
             <a:endParaRPr lang="en-US"/>
           </a:p>
@@ -1350,7 +1354,7 @@
           <a:p>
             <a:fld id="{57B2904B-9332-401E-8DDC-FEEF13D4EE28}" type="datetimeFigureOut">
               <a:rPr lang="en-US" smtClean="0"/>
-              <a:t>13-Nov-18</a:t>
+              <a:t>17-Nov-18</a:t>
             </a:fld>
             <a:endParaRPr lang="en-US"/>
           </a:p>
@@ -1772,7 +1776,7 @@
           <a:p>
             <a:fld id="{57B2904B-9332-401E-8DDC-FEEF13D4EE28}" type="datetimeFigureOut">
               <a:rPr lang="en-US" smtClean="0"/>
-              <a:t>13-Nov-18</a:t>
+              <a:t>17-Nov-18</a:t>
             </a:fld>
             <a:endParaRPr lang="en-US"/>
           </a:p>
@@ -1890,7 +1894,7 @@
           <a:p>
             <a:fld id="{57B2904B-9332-401E-8DDC-FEEF13D4EE28}" type="datetimeFigureOut">
               <a:rPr lang="en-US" smtClean="0"/>
-              <a:t>13-Nov-18</a:t>
+              <a:t>17-Nov-18</a:t>
             </a:fld>
             <a:endParaRPr lang="en-US"/>
           </a:p>
@@ -1985,7 +1989,7 @@
           <a:p>
             <a:fld id="{57B2904B-9332-401E-8DDC-FEEF13D4EE28}" type="datetimeFigureOut">
               <a:rPr lang="en-US" smtClean="0"/>
-              <a:t>13-Nov-18</a:t>
+              <a:t>17-Nov-18</a:t>
             </a:fld>
             <a:endParaRPr lang="en-US"/>
           </a:p>
@@ -2262,7 +2266,7 @@
           <a:p>
             <a:fld id="{57B2904B-9332-401E-8DDC-FEEF13D4EE28}" type="datetimeFigureOut">
               <a:rPr lang="en-US" smtClean="0"/>
-              <a:t>13-Nov-18</a:t>
+              <a:t>17-Nov-18</a:t>
             </a:fld>
             <a:endParaRPr lang="en-US"/>
           </a:p>
@@ -2515,7 +2519,7 @@
           <a:p>
             <a:fld id="{57B2904B-9332-401E-8DDC-FEEF13D4EE28}" type="datetimeFigureOut">
               <a:rPr lang="en-US" smtClean="0"/>
-              <a:t>13-Nov-18</a:t>
+              <a:t>17-Nov-18</a:t>
             </a:fld>
             <a:endParaRPr lang="en-US"/>
           </a:p>
@@ -2728,7 +2732,7 @@
           <a:p>
             <a:fld id="{57B2904B-9332-401E-8DDC-FEEF13D4EE28}" type="datetimeFigureOut">
               <a:rPr lang="en-US" smtClean="0"/>
-              <a:t>13-Nov-18</a:t>
+              <a:t>17-Nov-18</a:t>
             </a:fld>
             <a:endParaRPr lang="en-US"/>
           </a:p>
@@ -3552,7 +3556,1398 @@
 </p:sld>
 </file>
 
+<file path=ppt/slides/slide10.xml><?xml version="1.0" encoding="utf-8"?>
+<p:sld xmlns:a="http://schemas.openxmlformats.org/drawingml/2006/main" xmlns:r="http://schemas.openxmlformats.org/officeDocument/2006/relationships" xmlns:p="http://schemas.openxmlformats.org/presentationml/2006/main">
+  <p:cSld>
+    <p:spTree>
+      <p:nvGrpSpPr>
+        <p:cNvPr id="1" name=""/>
+        <p:cNvGrpSpPr/>
+        <p:nvPr/>
+      </p:nvGrpSpPr>
+      <p:grpSpPr>
+        <a:xfrm>
+          <a:off x="0" y="0"/>
+          <a:ext cx="0" cy="0"/>
+          <a:chOff x="0" y="0"/>
+          <a:chExt cx="0" cy="0"/>
+        </a:xfrm>
+      </p:grpSpPr>
+      <p:pic>
+        <p:nvPicPr>
+          <p:cNvPr id="1026" name="Picture 2" descr="C:\wamp64\www\Graduation-Project\SRS\use cas.png"/>
+          <p:cNvPicPr>
+            <a:picLocks noChangeAspect="1" noChangeArrowheads="1"/>
+          </p:cNvPicPr>
+          <p:nvPr/>
+        </p:nvPicPr>
+        <p:blipFill>
+          <a:blip r:embed="rId2">
+            <a:extLst>
+              <a:ext uri="{28A0092B-C50C-407E-A947-70E740481C1C}">
+                <a14:useLocalDpi xmlns:a14="http://schemas.microsoft.com/office/drawing/2010/main" val="0"/>
+              </a:ext>
+            </a:extLst>
+          </a:blip>
+          <a:srcRect/>
+          <a:stretch>
+            <a:fillRect/>
+          </a:stretch>
+        </p:blipFill>
+        <p:spPr bwMode="auto">
+          <a:xfrm>
+            <a:off x="990599" y="2514600"/>
+            <a:ext cx="6334125" cy="2867025"/>
+          </a:xfrm>
+          <a:prstGeom prst="rect">
+            <a:avLst/>
+          </a:prstGeom>
+          <a:noFill/>
+          <a:extLst>
+            <a:ext uri="{909E8E84-426E-40DD-AFC4-6F175D3DCCD1}">
+              <a14:hiddenFill xmlns:a14="http://schemas.microsoft.com/office/drawing/2010/main">
+                <a:solidFill>
+                  <a:srgbClr val="FFFFFF"/>
+                </a:solidFill>
+              </a14:hiddenFill>
+            </a:ext>
+          </a:extLst>
+        </p:spPr>
+      </p:pic>
+      <p:sp>
+        <p:nvSpPr>
+          <p:cNvPr id="2" name="Title 1"/>
+          <p:cNvSpPr>
+            <a:spLocks noGrp="1"/>
+          </p:cNvSpPr>
+          <p:nvPr>
+            <p:ph type="title"/>
+          </p:nvPr>
+        </p:nvSpPr>
+        <p:spPr/>
+        <p:txBody>
+          <a:bodyPr/>
+          <a:lstStyle/>
+          <a:p>
+            <a:r>
+              <a:rPr lang="en-US" dirty="0" smtClean="0"/>
+              <a:t>Use Case</a:t>
+            </a:r>
+            <a:endParaRPr lang="en-US" dirty="0"/>
+          </a:p>
+        </p:txBody>
+      </p:sp>
+    </p:spTree>
+    <p:extLst>
+      <p:ext uri="{BB962C8B-B14F-4D97-AF65-F5344CB8AC3E}">
+        <p14:creationId xmlns:p14="http://schemas.microsoft.com/office/powerpoint/2010/main" val="291504819"/>
+      </p:ext>
+    </p:extLst>
+  </p:cSld>
+  <p:clrMapOvr>
+    <a:masterClrMapping/>
+  </p:clrMapOvr>
+  <p:timing>
+    <p:tnLst>
+      <p:par>
+        <p:cTn id="1" dur="indefinite" restart="never" nodeType="tmRoot"/>
+      </p:par>
+    </p:tnLst>
+  </p:timing>
+</p:sld>
+</file>
+
+<file path=ppt/slides/slide11.xml><?xml version="1.0" encoding="utf-8"?>
+<p:sld xmlns:a="http://schemas.openxmlformats.org/drawingml/2006/main" xmlns:r="http://schemas.openxmlformats.org/officeDocument/2006/relationships" xmlns:p="http://schemas.openxmlformats.org/presentationml/2006/main">
+  <p:cSld>
+    <p:spTree>
+      <p:nvGrpSpPr>
+        <p:cNvPr id="1" name=""/>
+        <p:cNvGrpSpPr/>
+        <p:nvPr/>
+      </p:nvGrpSpPr>
+      <p:grpSpPr>
+        <a:xfrm>
+          <a:off x="0" y="0"/>
+          <a:ext cx="0" cy="0"/>
+          <a:chOff x="0" y="0"/>
+          <a:chExt cx="0" cy="0"/>
+        </a:xfrm>
+      </p:grpSpPr>
+      <p:pic>
+        <p:nvPicPr>
+          <p:cNvPr id="3" name="Picture 3" descr="C:\wamp64\www\Graduation-Project\SRS\use cas (1).png"/>
+          <p:cNvPicPr>
+            <a:picLocks noChangeAspect="1" noChangeArrowheads="1"/>
+          </p:cNvPicPr>
+          <p:nvPr/>
+        </p:nvPicPr>
+        <p:blipFill>
+          <a:blip r:embed="rId2">
+            <a:extLst>
+              <a:ext uri="{28A0092B-C50C-407E-A947-70E740481C1C}">
+                <a14:useLocalDpi xmlns:a14="http://schemas.microsoft.com/office/drawing/2010/main" val="0"/>
+              </a:ext>
+            </a:extLst>
+          </a:blip>
+          <a:srcRect/>
+          <a:stretch>
+            <a:fillRect/>
+          </a:stretch>
+        </p:blipFill>
+        <p:spPr bwMode="auto">
+          <a:xfrm>
+            <a:off x="1143000" y="228600"/>
+            <a:ext cx="6629400" cy="3152775"/>
+          </a:xfrm>
+          <a:prstGeom prst="rect">
+            <a:avLst/>
+          </a:prstGeom>
+          <a:noFill/>
+          <a:extLst>
+            <a:ext uri="{909E8E84-426E-40DD-AFC4-6F175D3DCCD1}">
+              <a14:hiddenFill xmlns:a14="http://schemas.microsoft.com/office/drawing/2010/main">
+                <a:solidFill>
+                  <a:srgbClr val="FFFFFF"/>
+                </a:solidFill>
+              </a14:hiddenFill>
+            </a:ext>
+          </a:extLst>
+        </p:spPr>
+      </p:pic>
+      <p:pic>
+        <p:nvPicPr>
+          <p:cNvPr id="2050" name="Picture 2" descr="C:\wamp64\www\Graduation-Project\SRS\use cas (2).png"/>
+          <p:cNvPicPr>
+            <a:picLocks noChangeAspect="1" noChangeArrowheads="1"/>
+          </p:cNvPicPr>
+          <p:nvPr/>
+        </p:nvPicPr>
+        <p:blipFill>
+          <a:blip r:embed="rId3">
+            <a:extLst>
+              <a:ext uri="{28A0092B-C50C-407E-A947-70E740481C1C}">
+                <a14:useLocalDpi xmlns:a14="http://schemas.microsoft.com/office/drawing/2010/main" val="0"/>
+              </a:ext>
+            </a:extLst>
+          </a:blip>
+          <a:srcRect/>
+          <a:stretch>
+            <a:fillRect/>
+          </a:stretch>
+        </p:blipFill>
+        <p:spPr bwMode="auto">
+          <a:xfrm>
+            <a:off x="914400" y="3733800"/>
+            <a:ext cx="6858000" cy="2525713"/>
+          </a:xfrm>
+          <a:prstGeom prst="rect">
+            <a:avLst/>
+          </a:prstGeom>
+          <a:noFill/>
+          <a:extLst>
+            <a:ext uri="{909E8E84-426E-40DD-AFC4-6F175D3DCCD1}">
+              <a14:hiddenFill xmlns:a14="http://schemas.microsoft.com/office/drawing/2010/main">
+                <a:solidFill>
+                  <a:srgbClr val="FFFFFF"/>
+                </a:solidFill>
+              </a14:hiddenFill>
+            </a:ext>
+          </a:extLst>
+        </p:spPr>
+      </p:pic>
+      <p:sp>
+        <p:nvSpPr>
+          <p:cNvPr id="4" name="Rectangle 3"/>
+          <p:cNvSpPr/>
+          <p:nvPr/>
+        </p:nvSpPr>
+        <p:spPr>
+          <a:xfrm>
+            <a:off x="914400" y="6019800"/>
+            <a:ext cx="838200" cy="239713"/>
+          </a:xfrm>
+          <a:prstGeom prst="rect">
+            <a:avLst/>
+          </a:prstGeom>
+          <a:solidFill>
+            <a:schemeClr val="bg1"/>
+          </a:solidFill>
+          <a:ln>
+            <a:noFill/>
+          </a:ln>
+        </p:spPr>
+        <p:style>
+          <a:lnRef idx="2">
+            <a:schemeClr val="accent1">
+              <a:shade val="50000"/>
+            </a:schemeClr>
+          </a:lnRef>
+          <a:fillRef idx="1">
+            <a:schemeClr val="accent1"/>
+          </a:fillRef>
+          <a:effectRef idx="0">
+            <a:schemeClr val="accent1"/>
+          </a:effectRef>
+          <a:fontRef idx="minor">
+            <a:schemeClr val="lt1"/>
+          </a:fontRef>
+        </p:style>
+        <p:txBody>
+          <a:bodyPr rtlCol="0" anchor="ctr"/>
+          <a:lstStyle/>
+          <a:p>
+            <a:pPr algn="ctr"/>
+            <a:r>
+              <a:rPr lang="en-US" dirty="0" smtClean="0">
+                <a:solidFill>
+                  <a:schemeClr val="tx1"/>
+                </a:solidFill>
+              </a:rPr>
+              <a:t>Admin</a:t>
+            </a:r>
+            <a:endParaRPr lang="en-US" dirty="0">
+              <a:solidFill>
+                <a:schemeClr val="tx1"/>
+              </a:solidFill>
+            </a:endParaRPr>
+          </a:p>
+        </p:txBody>
+      </p:sp>
+    </p:spTree>
+    <p:extLst>
+      <p:ext uri="{BB962C8B-B14F-4D97-AF65-F5344CB8AC3E}">
+        <p14:creationId xmlns:p14="http://schemas.microsoft.com/office/powerpoint/2010/main" val="296860246"/>
+      </p:ext>
+    </p:extLst>
+  </p:cSld>
+  <p:clrMapOvr>
+    <a:masterClrMapping/>
+  </p:clrMapOvr>
+  <p:timing>
+    <p:tnLst>
+      <p:par>
+        <p:cTn id="1" dur="indefinite" restart="never" nodeType="tmRoot"/>
+      </p:par>
+    </p:tnLst>
+  </p:timing>
+</p:sld>
+</file>
+
+<file path=ppt/slides/slide12.xml><?xml version="1.0" encoding="utf-8"?>
+<p:sld xmlns:a="http://schemas.openxmlformats.org/drawingml/2006/main" xmlns:r="http://schemas.openxmlformats.org/officeDocument/2006/relationships" xmlns:p="http://schemas.openxmlformats.org/presentationml/2006/main">
+  <p:cSld>
+    <p:spTree>
+      <p:nvGrpSpPr>
+        <p:cNvPr id="1" name=""/>
+        <p:cNvGrpSpPr/>
+        <p:nvPr/>
+      </p:nvGrpSpPr>
+      <p:grpSpPr>
+        <a:xfrm>
+          <a:off x="0" y="0"/>
+          <a:ext cx="0" cy="0"/>
+          <a:chOff x="0" y="0"/>
+          <a:chExt cx="0" cy="0"/>
+        </a:xfrm>
+      </p:grpSpPr>
+      <p:sp>
+        <p:nvSpPr>
+          <p:cNvPr id="5" name="TextBox 4"/>
+          <p:cNvSpPr txBox="1"/>
+          <p:nvPr/>
+        </p:nvSpPr>
+        <p:spPr>
+          <a:xfrm>
+            <a:off x="2781300" y="0"/>
+            <a:ext cx="3581400" cy="769441"/>
+          </a:xfrm>
+          <a:prstGeom prst="rect">
+            <a:avLst/>
+          </a:prstGeom>
+          <a:noFill/>
+        </p:spPr>
+        <p:txBody>
+          <a:bodyPr wrap="square" rtlCol="0">
+            <a:spAutoFit/>
+          </a:bodyPr>
+          <a:lstStyle/>
+          <a:p>
+            <a:r>
+              <a:rPr lang="en-US" sz="4400" dirty="0">
+                <a:latin typeface="+mj-lt"/>
+                <a:ea typeface="+mj-ea"/>
+                <a:cs typeface="+mj-cs"/>
+              </a:rPr>
+              <a:t>Class Diagram</a:t>
+            </a:r>
+          </a:p>
+        </p:txBody>
+      </p:sp>
+      <p:pic>
+        <p:nvPicPr>
+          <p:cNvPr id="3075" name="Picture 3" descr="C:\wamp64\www\Graduation-Project\SRS\Downloaded the image to Messenger_Lite"/>
+          <p:cNvPicPr>
+            <a:picLocks noChangeAspect="1" noChangeArrowheads="1"/>
+          </p:cNvPicPr>
+          <p:nvPr/>
+        </p:nvPicPr>
+        <p:blipFill>
+          <a:blip r:embed="rId2">
+            <a:extLst>
+              <a:ext uri="{28A0092B-C50C-407E-A947-70E740481C1C}">
+                <a14:useLocalDpi xmlns:a14="http://schemas.microsoft.com/office/drawing/2010/main" val="0"/>
+              </a:ext>
+            </a:extLst>
+          </a:blip>
+          <a:srcRect/>
+          <a:stretch>
+            <a:fillRect/>
+          </a:stretch>
+        </p:blipFill>
+        <p:spPr bwMode="auto">
+          <a:xfrm>
+            <a:off x="1" y="769441"/>
+            <a:ext cx="9144000" cy="6118799"/>
+          </a:xfrm>
+          <a:prstGeom prst="rect">
+            <a:avLst/>
+          </a:prstGeom>
+          <a:noFill/>
+          <a:extLst>
+            <a:ext uri="{909E8E84-426E-40DD-AFC4-6F175D3DCCD1}">
+              <a14:hiddenFill xmlns:a14="http://schemas.microsoft.com/office/drawing/2010/main">
+                <a:solidFill>
+                  <a:srgbClr val="FFFFFF"/>
+                </a:solidFill>
+              </a14:hiddenFill>
+            </a:ext>
+          </a:extLst>
+        </p:spPr>
+      </p:pic>
+    </p:spTree>
+    <p:extLst>
+      <p:ext uri="{BB962C8B-B14F-4D97-AF65-F5344CB8AC3E}">
+        <p14:creationId xmlns:p14="http://schemas.microsoft.com/office/powerpoint/2010/main" val="3292223309"/>
+      </p:ext>
+    </p:extLst>
+  </p:cSld>
+  <p:clrMapOvr>
+    <a:masterClrMapping/>
+  </p:clrMapOvr>
+  <p:timing>
+    <p:tnLst>
+      <p:par>
+        <p:cTn id="1" dur="indefinite" restart="never" nodeType="tmRoot"/>
+      </p:par>
+    </p:tnLst>
+  </p:timing>
+</p:sld>
+</file>
+
+<file path=ppt/slides/slide13.xml><?xml version="1.0" encoding="utf-8"?>
+<p:sld xmlns:a="http://schemas.openxmlformats.org/drawingml/2006/main" xmlns:r="http://schemas.openxmlformats.org/officeDocument/2006/relationships" xmlns:p="http://schemas.openxmlformats.org/presentationml/2006/main">
+  <p:cSld>
+    <p:spTree>
+      <p:nvGrpSpPr>
+        <p:cNvPr id="1" name=""/>
+        <p:cNvGrpSpPr/>
+        <p:nvPr/>
+      </p:nvGrpSpPr>
+      <p:grpSpPr>
+        <a:xfrm>
+          <a:off x="0" y="0"/>
+          <a:ext cx="0" cy="0"/>
+          <a:chOff x="0" y="0"/>
+          <a:chExt cx="0" cy="0"/>
+        </a:xfrm>
+      </p:grpSpPr>
+      <p:pic>
+        <p:nvPicPr>
+          <p:cNvPr id="4" name="Picture 4" descr="A screenshot of a cell phone&#10;&#10;Description generated with very high confidence">
+            <a:extLst>
+              <a:ext uri="{FF2B5EF4-FFF2-40B4-BE49-F238E27FC236}">
+                <a16:creationId xmlns="" xmlns:a16="http://schemas.microsoft.com/office/drawing/2014/main" id="{01829291-46A7-4E32-B821-D2B6AFB4F2D0}"/>
+              </a:ext>
+            </a:extLst>
+          </p:cNvPr>
+          <p:cNvPicPr>
+            <a:picLocks noChangeAspect="1"/>
+          </p:cNvPicPr>
+          <p:nvPr/>
+        </p:nvPicPr>
+        <p:blipFill>
+          <a:blip r:embed="rId2"/>
+          <a:stretch>
+            <a:fillRect/>
+          </a:stretch>
+        </p:blipFill>
+        <p:spPr>
+          <a:xfrm>
+            <a:off x="323142" y="1416350"/>
+            <a:ext cx="1638638" cy="4114800"/>
+          </a:xfrm>
+          <a:prstGeom prst="rect">
+            <a:avLst/>
+          </a:prstGeom>
+        </p:spPr>
+      </p:pic>
+      <p:pic>
+        <p:nvPicPr>
+          <p:cNvPr id="6" name="Picture 6" descr="A screenshot of a cell phone&#10;&#10;Description generated with very high confidence">
+            <a:extLst>
+              <a:ext uri="{FF2B5EF4-FFF2-40B4-BE49-F238E27FC236}">
+                <a16:creationId xmlns="" xmlns:a16="http://schemas.microsoft.com/office/drawing/2014/main" id="{393D79AC-B013-4CD4-884A-F4FDF158F474}"/>
+              </a:ext>
+            </a:extLst>
+          </p:cNvPr>
+          <p:cNvPicPr>
+            <a:picLocks noChangeAspect="1"/>
+          </p:cNvPicPr>
+          <p:nvPr/>
+        </p:nvPicPr>
+        <p:blipFill>
+          <a:blip r:embed="rId3"/>
+          <a:stretch>
+            <a:fillRect/>
+          </a:stretch>
+        </p:blipFill>
+        <p:spPr>
+          <a:xfrm>
+            <a:off x="2426370" y="2521429"/>
+            <a:ext cx="1638638" cy="4114800"/>
+          </a:xfrm>
+          <a:prstGeom prst="rect">
+            <a:avLst/>
+          </a:prstGeom>
+        </p:spPr>
+      </p:pic>
+      <p:pic>
+        <p:nvPicPr>
+          <p:cNvPr id="8" name="Picture 8" descr="A screenshot of a cell phone&#10;&#10;Description generated with very high confidence">
+            <a:extLst>
+              <a:ext uri="{FF2B5EF4-FFF2-40B4-BE49-F238E27FC236}">
+                <a16:creationId xmlns="" xmlns:a16="http://schemas.microsoft.com/office/drawing/2014/main" id="{A08133BD-8C0E-48BA-9B5B-B71FE108DAFA}"/>
+              </a:ext>
+            </a:extLst>
+          </p:cNvPr>
+          <p:cNvPicPr>
+            <a:picLocks noChangeAspect="1"/>
+          </p:cNvPicPr>
+          <p:nvPr/>
+        </p:nvPicPr>
+        <p:blipFill>
+          <a:blip r:embed="rId4"/>
+          <a:stretch>
+            <a:fillRect/>
+          </a:stretch>
+        </p:blipFill>
+        <p:spPr>
+          <a:xfrm>
+            <a:off x="4809552" y="1416350"/>
+            <a:ext cx="1638638" cy="4114800"/>
+          </a:xfrm>
+          <a:prstGeom prst="rect">
+            <a:avLst/>
+          </a:prstGeom>
+        </p:spPr>
+      </p:pic>
+      <p:pic>
+        <p:nvPicPr>
+          <p:cNvPr id="10" name="Picture 10" descr="A screenshot of a cell phone&#10;&#10;Description generated with very high confidence">
+            <a:extLst>
+              <a:ext uri="{FF2B5EF4-FFF2-40B4-BE49-F238E27FC236}">
+                <a16:creationId xmlns="" xmlns:a16="http://schemas.microsoft.com/office/drawing/2014/main" id="{EA4A28A0-2A1B-403C-A424-9C8381F27608}"/>
+              </a:ext>
+            </a:extLst>
+          </p:cNvPr>
+          <p:cNvPicPr>
+            <a:picLocks noChangeAspect="1"/>
+          </p:cNvPicPr>
+          <p:nvPr/>
+        </p:nvPicPr>
+        <p:blipFill>
+          <a:blip r:embed="rId5"/>
+          <a:stretch>
+            <a:fillRect/>
+          </a:stretch>
+        </p:blipFill>
+        <p:spPr>
+          <a:xfrm>
+            <a:off x="6955103" y="2521429"/>
+            <a:ext cx="1638638" cy="4114800"/>
+          </a:xfrm>
+          <a:prstGeom prst="rect">
+            <a:avLst/>
+          </a:prstGeom>
+        </p:spPr>
+      </p:pic>
+      <p:sp>
+        <p:nvSpPr>
+          <p:cNvPr id="22" name="TextBox 21">
+            <a:extLst>
+              <a:ext uri="{FF2B5EF4-FFF2-40B4-BE49-F238E27FC236}">
+                <a16:creationId xmlns="" xmlns:a16="http://schemas.microsoft.com/office/drawing/2014/main" id="{FA8F727F-98D9-4ECB-A4BA-30A4E933E1CA}"/>
+              </a:ext>
+            </a:extLst>
+          </p:cNvPr>
+          <p:cNvSpPr txBox="1"/>
+          <p:nvPr/>
+        </p:nvSpPr>
+        <p:spPr>
+          <a:xfrm>
+            <a:off x="3457036" y="159589"/>
+            <a:ext cx="2057400" cy="646331"/>
+          </a:xfrm>
+          <a:prstGeom prst="rect">
+            <a:avLst/>
+          </a:prstGeom>
+        </p:spPr>
+        <p:txBody>
+          <a:bodyPr rot="0" spcFirstLastPara="0" vertOverflow="overflow" horzOverflow="overflow" vert="horz" wrap="square" lIns="91440" tIns="45720" rIns="91440" bIns="45720" numCol="1" spcCol="0" rtlCol="0" fromWordArt="0" anchor="t" anchorCtr="0" forceAA="0" compatLnSpc="1">
+            <a:prstTxWarp prst="textNoShape">
+              <a:avLst/>
+            </a:prstTxWarp>
+            <a:spAutoFit/>
+          </a:bodyPr>
+          <a:lstStyle/>
+          <a:p>
+            <a:pPr algn="ctr"/>
+            <a:r>
+              <a:rPr lang="en-US" sz="3600">
+                <a:latin typeface="Times New Roman"/>
+                <a:cs typeface="Times New Roman"/>
+              </a:rPr>
+              <a:t>GUI</a:t>
+            </a:r>
+            <a:endParaRPr lang="en-US" dirty="0">
+              <a:latin typeface="Times New Roman"/>
+              <a:cs typeface="Times New Roman"/>
+            </a:endParaRPr>
+          </a:p>
+        </p:txBody>
+      </p:sp>
+    </p:spTree>
+    <p:extLst>
+      <p:ext uri="{BB962C8B-B14F-4D97-AF65-F5344CB8AC3E}">
+        <p14:creationId xmlns:p14="http://schemas.microsoft.com/office/powerpoint/2010/main" val="3561132393"/>
+      </p:ext>
+    </p:extLst>
+  </p:cSld>
+  <p:clrMapOvr>
+    <a:masterClrMapping/>
+  </p:clrMapOvr>
+  <p:timing>
+    <p:tnLst>
+      <p:par>
+        <p:cTn id="1" dur="indefinite" restart="never" nodeType="tmRoot">
+          <p:childTnLst>
+            <p:seq concurrent="1" nextAc="seek">
+              <p:cTn id="2" dur="indefinite" nodeType="mainSeq">
+                <p:childTnLst>
+                  <p:par>
+                    <p:cTn id="3" fill="hold">
+                      <p:stCondLst>
+                        <p:cond delay="indefinite"/>
+                      </p:stCondLst>
+                      <p:childTnLst>
+                        <p:par>
+                          <p:cTn id="4" fill="hold">
+                            <p:stCondLst>
+                              <p:cond delay="0"/>
+                            </p:stCondLst>
+                            <p:childTnLst>
+                              <p:par>
+                                <p:cTn id="5" presetID="2" presetClass="entr" presetSubtype="4" fill="hold" nodeType="clickEffect">
+                                  <p:stCondLst>
+                                    <p:cond delay="0"/>
+                                  </p:stCondLst>
+                                  <p:childTnLst>
+                                    <p:set>
+                                      <p:cBhvr>
+                                        <p:cTn id="6" dur="1" fill="hold">
+                                          <p:stCondLst>
+                                            <p:cond delay="0"/>
+                                          </p:stCondLst>
+                                        </p:cTn>
+                                        <p:tgtEl>
+                                          <p:spTgt spid="4"/>
+                                        </p:tgtEl>
+                                        <p:attrNameLst>
+                                          <p:attrName>style.visibility</p:attrName>
+                                        </p:attrNameLst>
+                                      </p:cBhvr>
+                                      <p:to>
+                                        <p:strVal val="visible"/>
+                                      </p:to>
+                                    </p:set>
+                                    <p:anim calcmode="lin" valueType="num">
+                                      <p:cBhvr additive="base">
+                                        <p:cTn id="7" dur="500" fill="hold"/>
+                                        <p:tgtEl>
+                                          <p:spTgt spid="4"/>
+                                        </p:tgtEl>
+                                        <p:attrNameLst>
+                                          <p:attrName>ppt_x</p:attrName>
+                                        </p:attrNameLst>
+                                      </p:cBhvr>
+                                      <p:tavLst>
+                                        <p:tav tm="0">
+                                          <p:val>
+                                            <p:strVal val="#ppt_x"/>
+                                          </p:val>
+                                        </p:tav>
+                                        <p:tav tm="100000">
+                                          <p:val>
+                                            <p:strVal val="#ppt_x"/>
+                                          </p:val>
+                                        </p:tav>
+                                      </p:tavLst>
+                                    </p:anim>
+                                    <p:anim calcmode="lin" valueType="num">
+                                      <p:cBhvr additive="base">
+                                        <p:cTn id="8" dur="500" fill="hold"/>
+                                        <p:tgtEl>
+                                          <p:spTgt spid="4"/>
+                                        </p:tgtEl>
+                                        <p:attrNameLst>
+                                          <p:attrName>ppt_y</p:attrName>
+                                        </p:attrNameLst>
+                                      </p:cBhvr>
+                                      <p:tavLst>
+                                        <p:tav tm="0">
+                                          <p:val>
+                                            <p:strVal val="1+#ppt_h/2"/>
+                                          </p:val>
+                                        </p:tav>
+                                        <p:tav tm="100000">
+                                          <p:val>
+                                            <p:strVal val="#ppt_y"/>
+                                          </p:val>
+                                        </p:tav>
+                                      </p:tavLst>
+                                    </p:anim>
+                                  </p:childTnLst>
+                                </p:cTn>
+                              </p:par>
+                            </p:childTnLst>
+                          </p:cTn>
+                        </p:par>
+                      </p:childTnLst>
+                    </p:cTn>
+                  </p:par>
+                  <p:par>
+                    <p:cTn id="9" fill="hold">
+                      <p:stCondLst>
+                        <p:cond delay="indefinite"/>
+                      </p:stCondLst>
+                      <p:childTnLst>
+                        <p:par>
+                          <p:cTn id="10" fill="hold">
+                            <p:stCondLst>
+                              <p:cond delay="0"/>
+                            </p:stCondLst>
+                            <p:childTnLst>
+                              <p:par>
+                                <p:cTn id="11" presetID="10" presetClass="entr" presetSubtype="0" fill="hold" nodeType="clickEffect">
+                                  <p:stCondLst>
+                                    <p:cond delay="0"/>
+                                  </p:stCondLst>
+                                  <p:childTnLst>
+                                    <p:set>
+                                      <p:cBhvr>
+                                        <p:cTn id="12" dur="1" fill="hold">
+                                          <p:stCondLst>
+                                            <p:cond delay="0"/>
+                                          </p:stCondLst>
+                                        </p:cTn>
+                                        <p:tgtEl>
+                                          <p:spTgt spid="6"/>
+                                        </p:tgtEl>
+                                        <p:attrNameLst>
+                                          <p:attrName>style.visibility</p:attrName>
+                                        </p:attrNameLst>
+                                      </p:cBhvr>
+                                      <p:to>
+                                        <p:strVal val="visible"/>
+                                      </p:to>
+                                    </p:set>
+                                    <p:animEffect transition="in" filter="fade">
+                                      <p:cBhvr>
+                                        <p:cTn id="13" dur="500"/>
+                                        <p:tgtEl>
+                                          <p:spTgt spid="6"/>
+                                        </p:tgtEl>
+                                      </p:cBhvr>
+                                    </p:animEffect>
+                                  </p:childTnLst>
+                                </p:cTn>
+                              </p:par>
+                            </p:childTnLst>
+                          </p:cTn>
+                        </p:par>
+                      </p:childTnLst>
+                    </p:cTn>
+                  </p:par>
+                  <p:par>
+                    <p:cTn id="14" fill="hold">
+                      <p:stCondLst>
+                        <p:cond delay="indefinite"/>
+                      </p:stCondLst>
+                      <p:childTnLst>
+                        <p:par>
+                          <p:cTn id="15" fill="hold">
+                            <p:stCondLst>
+                              <p:cond delay="0"/>
+                            </p:stCondLst>
+                            <p:childTnLst>
+                              <p:par>
+                                <p:cTn id="16" presetID="10" presetClass="entr" presetSubtype="0" fill="hold" nodeType="clickEffect">
+                                  <p:stCondLst>
+                                    <p:cond delay="0"/>
+                                  </p:stCondLst>
+                                  <p:childTnLst>
+                                    <p:set>
+                                      <p:cBhvr>
+                                        <p:cTn id="17" dur="1" fill="hold">
+                                          <p:stCondLst>
+                                            <p:cond delay="0"/>
+                                          </p:stCondLst>
+                                        </p:cTn>
+                                        <p:tgtEl>
+                                          <p:spTgt spid="8"/>
+                                        </p:tgtEl>
+                                        <p:attrNameLst>
+                                          <p:attrName>style.visibility</p:attrName>
+                                        </p:attrNameLst>
+                                      </p:cBhvr>
+                                      <p:to>
+                                        <p:strVal val="visible"/>
+                                      </p:to>
+                                    </p:set>
+                                    <p:animEffect transition="in" filter="fade">
+                                      <p:cBhvr>
+                                        <p:cTn id="18" dur="500"/>
+                                        <p:tgtEl>
+                                          <p:spTgt spid="8"/>
+                                        </p:tgtEl>
+                                      </p:cBhvr>
+                                    </p:animEffect>
+                                  </p:childTnLst>
+                                </p:cTn>
+                              </p:par>
+                            </p:childTnLst>
+                          </p:cTn>
+                        </p:par>
+                      </p:childTnLst>
+                    </p:cTn>
+                  </p:par>
+                  <p:par>
+                    <p:cTn id="19" fill="hold">
+                      <p:stCondLst>
+                        <p:cond delay="indefinite"/>
+                      </p:stCondLst>
+                      <p:childTnLst>
+                        <p:par>
+                          <p:cTn id="20" fill="hold">
+                            <p:stCondLst>
+                              <p:cond delay="0"/>
+                            </p:stCondLst>
+                            <p:childTnLst>
+                              <p:par>
+                                <p:cTn id="21" presetID="10" presetClass="entr" presetSubtype="0" fill="hold" nodeType="clickEffect">
+                                  <p:stCondLst>
+                                    <p:cond delay="0"/>
+                                  </p:stCondLst>
+                                  <p:childTnLst>
+                                    <p:set>
+                                      <p:cBhvr>
+                                        <p:cTn id="22" dur="1" fill="hold">
+                                          <p:stCondLst>
+                                            <p:cond delay="0"/>
+                                          </p:stCondLst>
+                                        </p:cTn>
+                                        <p:tgtEl>
+                                          <p:spTgt spid="10"/>
+                                        </p:tgtEl>
+                                        <p:attrNameLst>
+                                          <p:attrName>style.visibility</p:attrName>
+                                        </p:attrNameLst>
+                                      </p:cBhvr>
+                                      <p:to>
+                                        <p:strVal val="visible"/>
+                                      </p:to>
+                                    </p:set>
+                                    <p:animEffect transition="in" filter="fade">
+                                      <p:cBhvr>
+                                        <p:cTn id="23" dur="500"/>
+                                        <p:tgtEl>
+                                          <p:spTgt spid="10"/>
+                                        </p:tgtEl>
+                                      </p:cBhvr>
+                                    </p:animEffect>
+                                  </p:childTnLst>
+                                </p:cTn>
+                              </p:par>
+                            </p:childTnLst>
+                          </p:cTn>
+                        </p:par>
+                      </p:childTnLst>
+                    </p:cTn>
+                  </p:par>
+                </p:childTnLst>
+              </p:cTn>
+              <p:prevCondLst>
+                <p:cond evt="onPrev" delay="0">
+                  <p:tgtEl>
+                    <p:sldTgt/>
+                  </p:tgtEl>
+                </p:cond>
+              </p:prevCondLst>
+              <p:nextCondLst>
+                <p:cond evt="onNext" delay="0">
+                  <p:tgtEl>
+                    <p:sldTgt/>
+                  </p:tgtEl>
+                </p:cond>
+              </p:nextCondLst>
+            </p:seq>
+          </p:childTnLst>
+        </p:cTn>
+      </p:par>
+    </p:tnLst>
+  </p:timing>
+</p:sld>
+</file>
+
 <file path=ppt/slides/slide2.xml><?xml version="1.0" encoding="utf-8"?>
+<p:sld xmlns:a="http://schemas.openxmlformats.org/drawingml/2006/main" xmlns:r="http://schemas.openxmlformats.org/officeDocument/2006/relationships" xmlns:p="http://schemas.openxmlformats.org/presentationml/2006/main">
+  <p:cSld>
+    <p:spTree>
+      <p:nvGrpSpPr>
+        <p:cNvPr id="1" name=""/>
+        <p:cNvGrpSpPr/>
+        <p:nvPr/>
+      </p:nvGrpSpPr>
+      <p:grpSpPr>
+        <a:xfrm>
+          <a:off x="0" y="0"/>
+          <a:ext cx="0" cy="0"/>
+          <a:chOff x="0" y="0"/>
+          <a:chExt cx="0" cy="0"/>
+        </a:xfrm>
+      </p:grpSpPr>
+      <p:sp>
+        <p:nvSpPr>
+          <p:cNvPr id="169" name="CustomShape 1"/>
+          <p:cNvSpPr/>
+          <p:nvPr/>
+        </p:nvSpPr>
+        <p:spPr>
+          <a:xfrm>
+            <a:off x="456845" y="272987"/>
+            <a:ext cx="8224845" cy="1139406"/>
+          </a:xfrm>
+          <a:prstGeom prst="rect">
+            <a:avLst/>
+          </a:prstGeom>
+          <a:noFill/>
+          <a:ln>
+            <a:noFill/>
+          </a:ln>
+        </p:spPr>
+        <p:style>
+          <a:lnRef idx="0">
+            <a:scrgbClr r="0" g="0" b="0"/>
+          </a:lnRef>
+          <a:fillRef idx="0">
+            <a:scrgbClr r="0" g="0" b="0"/>
+          </a:fillRef>
+          <a:effectRef idx="0">
+            <a:scrgbClr r="0" g="0" b="0"/>
+          </a:effectRef>
+          <a:fontRef idx="minor"/>
+        </p:style>
+        <p:txBody>
+          <a:bodyPr lIns="0" tIns="0" rIns="0" bIns="0" anchor="ctr"/>
+          <a:lstStyle/>
+          <a:p>
+            <a:pPr>
+              <a:lnSpc>
+                <a:spcPct val="100000"/>
+              </a:lnSpc>
+            </a:pPr>
+            <a:r>
+              <a:rPr lang="en-US" sz="4400" b="0" strike="noStrike" spc="-1">
+                <a:solidFill>
+                  <a:srgbClr val="ED1C24"/>
+                </a:solidFill>
+                <a:latin typeface="Arial"/>
+                <a:ea typeface="DejaVu Sans"/>
+              </a:rPr>
+              <a:t>Introduction</a:t>
+            </a:r>
+            <a:endParaRPr lang="en-US" sz="4400" b="0" strike="noStrike" spc="-1">
+              <a:latin typeface="Arial"/>
+            </a:endParaRPr>
+          </a:p>
+        </p:txBody>
+      </p:sp>
+      <p:sp>
+        <p:nvSpPr>
+          <p:cNvPr id="170" name="CustomShape 2"/>
+          <p:cNvSpPr/>
+          <p:nvPr/>
+        </p:nvSpPr>
+        <p:spPr>
+          <a:xfrm>
+            <a:off x="9470" y="1411087"/>
+            <a:ext cx="7121102" cy="797192"/>
+          </a:xfrm>
+          <a:prstGeom prst="rect">
+            <a:avLst/>
+          </a:prstGeom>
+          <a:noFill/>
+          <a:ln>
+            <a:noFill/>
+          </a:ln>
+        </p:spPr>
+        <p:style>
+          <a:lnRef idx="0">
+            <a:scrgbClr r="0" g="0" b="0"/>
+          </a:lnRef>
+          <a:fillRef idx="0">
+            <a:scrgbClr r="0" g="0" b="0"/>
+          </a:fillRef>
+          <a:effectRef idx="0">
+            <a:scrgbClr r="0" g="0" b="0"/>
+          </a:effectRef>
+          <a:fontRef idx="minor"/>
+        </p:style>
+        <p:txBody>
+          <a:bodyPr lIns="90000" tIns="45000" rIns="90000" bIns="45000"/>
+          <a:lstStyle/>
+          <a:p>
+            <a:pPr marL="228600" indent="-223920">
+              <a:lnSpc>
+                <a:spcPct val="90000"/>
+              </a:lnSpc>
+              <a:spcBef>
+                <a:spcPts val="1001"/>
+              </a:spcBef>
+              <a:buClr>
+                <a:srgbClr val="000000"/>
+              </a:buClr>
+              <a:buFont typeface="Arial"/>
+              <a:buChar char="•"/>
+            </a:pPr>
+            <a:r>
+              <a:rPr lang="en-US" sz="2800" b="0" strike="noStrike" spc="-1" dirty="0">
+                <a:solidFill>
+                  <a:srgbClr val="000000"/>
+                </a:solidFill>
+                <a:latin typeface="Arial"/>
+                <a:ea typeface="DejaVu Sans"/>
+              </a:rPr>
+              <a:t>Use superior strength or influence to intimidate someone</a:t>
+            </a:r>
+            <a:endParaRPr lang="en-US" sz="2800" b="0" strike="noStrike" spc="-1" dirty="0">
+              <a:latin typeface="Arial"/>
+            </a:endParaRPr>
+          </a:p>
+        </p:txBody>
+      </p:sp>
+      <p:pic>
+        <p:nvPicPr>
+          <p:cNvPr id="171" name="Picture 1"/>
+          <p:cNvPicPr/>
+          <p:nvPr/>
+        </p:nvPicPr>
+        <p:blipFill>
+          <a:blip r:embed="rId2"/>
+          <a:stretch/>
+        </p:blipFill>
+        <p:spPr>
+          <a:xfrm>
+            <a:off x="4497590" y="2543527"/>
+            <a:ext cx="2314921" cy="1761573"/>
+          </a:xfrm>
+          <a:prstGeom prst="rect">
+            <a:avLst/>
+          </a:prstGeom>
+          <a:ln>
+            <a:noFill/>
+          </a:ln>
+        </p:spPr>
+      </p:pic>
+      <p:pic>
+        <p:nvPicPr>
+          <p:cNvPr id="172" name="Picture 3"/>
+          <p:cNvPicPr/>
+          <p:nvPr/>
+        </p:nvPicPr>
+        <p:blipFill>
+          <a:blip r:embed="rId3"/>
+          <a:stretch/>
+        </p:blipFill>
+        <p:spPr>
+          <a:xfrm>
+            <a:off x="2410274" y="4579394"/>
+            <a:ext cx="2314921" cy="2052411"/>
+          </a:xfrm>
+          <a:prstGeom prst="rect">
+            <a:avLst/>
+          </a:prstGeom>
+          <a:ln>
+            <a:noFill/>
+          </a:ln>
+        </p:spPr>
+      </p:pic>
+      <p:pic>
+        <p:nvPicPr>
+          <p:cNvPr id="173" name="Picture 4"/>
+          <p:cNvPicPr/>
+          <p:nvPr/>
+        </p:nvPicPr>
+        <p:blipFill>
+          <a:blip r:embed="rId4"/>
+          <a:stretch/>
+        </p:blipFill>
+        <p:spPr>
+          <a:xfrm>
+            <a:off x="734087" y="2576616"/>
+            <a:ext cx="2099071" cy="1997553"/>
+          </a:xfrm>
+          <a:prstGeom prst="rect">
+            <a:avLst/>
+          </a:prstGeom>
+          <a:ln>
+            <a:noFill/>
+          </a:ln>
+        </p:spPr>
+      </p:pic>
+      <p:pic>
+        <p:nvPicPr>
+          <p:cNvPr id="174" name="Picture 176"/>
+          <p:cNvPicPr/>
+          <p:nvPr/>
+        </p:nvPicPr>
+        <p:blipFill>
+          <a:blip r:embed="rId5"/>
+          <a:stretch/>
+        </p:blipFill>
+        <p:spPr>
+          <a:xfrm>
+            <a:off x="7382343" y="110588"/>
+            <a:ext cx="1669003" cy="1765927"/>
+          </a:xfrm>
+          <a:prstGeom prst="rect">
+            <a:avLst/>
+          </a:prstGeom>
+          <a:ln>
+            <a:noFill/>
+          </a:ln>
+        </p:spPr>
+      </p:pic>
+    </p:spTree>
+    <p:extLst>
+      <p:ext uri="{BB962C8B-B14F-4D97-AF65-F5344CB8AC3E}">
+        <p14:creationId xmlns:p14="http://schemas.microsoft.com/office/powerpoint/2010/main" val="60701449"/>
+      </p:ext>
+    </p:extLst>
+  </p:cSld>
+  <p:clrMapOvr>
+    <a:masterClrMapping/>
+  </p:clrMapOvr>
+  <p:timing>
+    <p:tnLst>
+      <p:par>
+        <p:cTn id="1" dur="indefinite" restart="never" nodeType="tmRoot">
+          <p:childTnLst>
+            <p:seq>
+              <p:cTn id="2" dur="indefinite" nodeType="mainSeq">
+                <p:childTnLst>
+                  <p:par>
+                    <p:cTn id="3" fill="hold">
+                      <p:stCondLst>
+                        <p:cond delay="indefinite"/>
+                      </p:stCondLst>
+                      <p:childTnLst>
+                        <p:par>
+                          <p:cTn id="4" fill="hold">
+                            <p:stCondLst>
+                              <p:cond delay="0"/>
+                            </p:stCondLst>
+                            <p:childTnLst>
+                              <p:par>
+                                <p:cTn id="5" presetID="2" presetClass="entr" presetSubtype="8" fill="hold" nodeType="clickEffect">
+                                  <p:stCondLst>
+                                    <p:cond delay="0"/>
+                                  </p:stCondLst>
+                                  <p:childTnLst>
+                                    <p:set>
+                                      <p:cBhvr>
+                                        <p:cTn id="6" dur="1" fill="hold">
+                                          <p:stCondLst>
+                                            <p:cond delay="0"/>
+                                          </p:stCondLst>
+                                        </p:cTn>
+                                        <p:tgtEl>
+                                          <p:spTgt spid="171"/>
+                                        </p:tgtEl>
+                                        <p:attrNameLst>
+                                          <p:attrName>style.visibility</p:attrName>
+                                        </p:attrNameLst>
+                                      </p:cBhvr>
+                                      <p:to>
+                                        <p:strVal val="visible"/>
+                                      </p:to>
+                                    </p:set>
+                                    <p:anim calcmode="lin" valueType="num">
+                                      <p:cBhvr additive="repl">
+                                        <p:cTn id="7" dur="500" fill="hold"/>
+                                        <p:tgtEl>
+                                          <p:spTgt spid="171"/>
+                                        </p:tgtEl>
+                                        <p:attrNameLst>
+                                          <p:attrName>ppt_x</p:attrName>
+                                        </p:attrNameLst>
+                                      </p:cBhvr>
+                                      <p:tavLst>
+                                        <p:tav tm="0">
+                                          <p:val>
+                                            <p:strVal val="0-#ppt_w/2"/>
+                                          </p:val>
+                                        </p:tav>
+                                        <p:tav tm="100000">
+                                          <p:val>
+                                            <p:strVal val="#ppt_x"/>
+                                          </p:val>
+                                        </p:tav>
+                                      </p:tavLst>
+                                    </p:anim>
+                                    <p:anim calcmode="lin" valueType="num">
+                                      <p:cBhvr additive="repl">
+                                        <p:cTn id="8" dur="500" fill="hold"/>
+                                        <p:tgtEl>
+                                          <p:spTgt spid="171"/>
+                                        </p:tgtEl>
+                                        <p:attrNameLst>
+                                          <p:attrName>ppt_y</p:attrName>
+                                        </p:attrNameLst>
+                                      </p:cBhvr>
+                                      <p:tavLst>
+                                        <p:tav tm="0">
+                                          <p:val>
+                                            <p:strVal val="#ppt_y"/>
+                                          </p:val>
+                                        </p:tav>
+                                        <p:tav tm="100000">
+                                          <p:val>
+                                            <p:strVal val="#ppt_y"/>
+                                          </p:val>
+                                        </p:tav>
+                                      </p:tavLst>
+                                    </p:anim>
+                                  </p:childTnLst>
+                                </p:cTn>
+                              </p:par>
+                            </p:childTnLst>
+                          </p:cTn>
+                        </p:par>
+                        <p:par>
+                          <p:cTn id="9" fill="hold">
+                            <p:stCondLst>
+                              <p:cond delay="500"/>
+                            </p:stCondLst>
+                            <p:childTnLst>
+                              <p:par>
+                                <p:cTn id="10" presetID="2" presetClass="entr" presetSubtype="8" fill="hold" nodeType="afterEffect">
+                                  <p:stCondLst>
+                                    <p:cond delay="1000"/>
+                                  </p:stCondLst>
+                                  <p:childTnLst>
+                                    <p:set>
+                                      <p:cBhvr>
+                                        <p:cTn id="11" dur="1" fill="hold">
+                                          <p:stCondLst>
+                                            <p:cond delay="0"/>
+                                          </p:stCondLst>
+                                        </p:cTn>
+                                        <p:tgtEl>
+                                          <p:spTgt spid="173"/>
+                                        </p:tgtEl>
+                                        <p:attrNameLst>
+                                          <p:attrName>style.visibility</p:attrName>
+                                        </p:attrNameLst>
+                                      </p:cBhvr>
+                                      <p:to>
+                                        <p:strVal val="visible"/>
+                                      </p:to>
+                                    </p:set>
+                                    <p:anim calcmode="lin" valueType="num">
+                                      <p:cBhvr additive="repl">
+                                        <p:cTn id="12" dur="750" fill="hold"/>
+                                        <p:tgtEl>
+                                          <p:spTgt spid="173"/>
+                                        </p:tgtEl>
+                                        <p:attrNameLst>
+                                          <p:attrName>ppt_x</p:attrName>
+                                        </p:attrNameLst>
+                                      </p:cBhvr>
+                                      <p:tavLst>
+                                        <p:tav tm="0">
+                                          <p:val>
+                                            <p:strVal val="0-#ppt_w/2"/>
+                                          </p:val>
+                                        </p:tav>
+                                        <p:tav tm="100000">
+                                          <p:val>
+                                            <p:strVal val="#ppt_x"/>
+                                          </p:val>
+                                        </p:tav>
+                                      </p:tavLst>
+                                    </p:anim>
+                                    <p:anim calcmode="lin" valueType="num">
+                                      <p:cBhvr additive="repl">
+                                        <p:cTn id="13" dur="750" fill="hold"/>
+                                        <p:tgtEl>
+                                          <p:spTgt spid="173"/>
+                                        </p:tgtEl>
+                                        <p:attrNameLst>
+                                          <p:attrName>ppt_y</p:attrName>
+                                        </p:attrNameLst>
+                                      </p:cBhvr>
+                                      <p:tavLst>
+                                        <p:tav tm="0">
+                                          <p:val>
+                                            <p:strVal val="#ppt_y"/>
+                                          </p:val>
+                                        </p:tav>
+                                        <p:tav tm="100000">
+                                          <p:val>
+                                            <p:strVal val="#ppt_y"/>
+                                          </p:val>
+                                        </p:tav>
+                                      </p:tavLst>
+                                    </p:anim>
+                                  </p:childTnLst>
+                                </p:cTn>
+                              </p:par>
+                            </p:childTnLst>
+                          </p:cTn>
+                        </p:par>
+                        <p:par>
+                          <p:cTn id="14" fill="hold">
+                            <p:stCondLst>
+                              <p:cond delay="2250"/>
+                            </p:stCondLst>
+                            <p:childTnLst>
+                              <p:par>
+                                <p:cTn id="15" presetID="2" presetClass="entr" presetSubtype="8" fill="hold" nodeType="afterEffect">
+                                  <p:stCondLst>
+                                    <p:cond delay="1000"/>
+                                  </p:stCondLst>
+                                  <p:childTnLst>
+                                    <p:set>
+                                      <p:cBhvr>
+                                        <p:cTn id="16" dur="1" fill="hold">
+                                          <p:stCondLst>
+                                            <p:cond delay="0"/>
+                                          </p:stCondLst>
+                                        </p:cTn>
+                                        <p:tgtEl>
+                                          <p:spTgt spid="172"/>
+                                        </p:tgtEl>
+                                        <p:attrNameLst>
+                                          <p:attrName>style.visibility</p:attrName>
+                                        </p:attrNameLst>
+                                      </p:cBhvr>
+                                      <p:to>
+                                        <p:strVal val="visible"/>
+                                      </p:to>
+                                    </p:set>
+                                    <p:anim calcmode="lin" valueType="num">
+                                      <p:cBhvr additive="repl">
+                                        <p:cTn id="17" dur="750" fill="hold"/>
+                                        <p:tgtEl>
+                                          <p:spTgt spid="172"/>
+                                        </p:tgtEl>
+                                        <p:attrNameLst>
+                                          <p:attrName>ppt_x</p:attrName>
+                                        </p:attrNameLst>
+                                      </p:cBhvr>
+                                      <p:tavLst>
+                                        <p:tav tm="0">
+                                          <p:val>
+                                            <p:strVal val="0-#ppt_w/2"/>
+                                          </p:val>
+                                        </p:tav>
+                                        <p:tav tm="100000">
+                                          <p:val>
+                                            <p:strVal val="#ppt_x"/>
+                                          </p:val>
+                                        </p:tav>
+                                      </p:tavLst>
+                                    </p:anim>
+                                    <p:anim calcmode="lin" valueType="num">
+                                      <p:cBhvr additive="repl">
+                                        <p:cTn id="18" dur="750" fill="hold"/>
+                                        <p:tgtEl>
+                                          <p:spTgt spid="172"/>
+                                        </p:tgtEl>
+                                        <p:attrNameLst>
+                                          <p:attrName>ppt_y</p:attrName>
+                                        </p:attrNameLst>
+                                      </p:cBhvr>
+                                      <p:tavLst>
+                                        <p:tav tm="0">
+                                          <p:val>
+                                            <p:strVal val="#ppt_y"/>
+                                          </p:val>
+                                        </p:tav>
+                                        <p:tav tm="100000">
+                                          <p:val>
+                                            <p:strVal val="#ppt_y"/>
+                                          </p:val>
+                                        </p:tav>
+                                      </p:tavLst>
+                                    </p:anim>
+                                  </p:childTnLst>
+                                </p:cTn>
+                              </p:par>
+                            </p:childTnLst>
+                          </p:cTn>
+                        </p:par>
+                      </p:childTnLst>
+                    </p:cTn>
+                  </p:par>
+                </p:childTnLst>
+              </p:cTn>
+              <p:prevCondLst>
+                <p:cond evt="onPrev" delay="0">
+                  <p:tgtEl>
+                    <p:sldTgt/>
+                  </p:tgtEl>
+                </p:cond>
+              </p:prevCondLst>
+              <p:nextCondLst>
+                <p:cond evt="onNext" delay="0">
+                  <p:tgtEl>
+                    <p:sldTgt/>
+                  </p:tgtEl>
+                </p:cond>
+              </p:nextCondLst>
+            </p:seq>
+          </p:childTnLst>
+        </p:cTn>
+      </p:par>
+    </p:tnLst>
+  </p:timing>
+</p:sld>
+</file>
+
+<file path=ppt/slides/slide3.xml><?xml version="1.0" encoding="utf-8"?>
 <p:sld xmlns:a="http://schemas.openxmlformats.org/drawingml/2006/main" xmlns:r="http://schemas.openxmlformats.org/officeDocument/2006/relationships" xmlns:p="http://schemas.openxmlformats.org/presentationml/2006/main">
   <p:cSld>
     <p:spTree>
@@ -3914,7 +5309,3956 @@
 </p:sld>
 </file>
 
-<file path=ppt/slides/slide3.xml><?xml version="1.0" encoding="utf-8"?>
+<file path=ppt/slides/slide4.xml><?xml version="1.0" encoding="utf-8"?>
+<p:sld xmlns:a="http://schemas.openxmlformats.org/drawingml/2006/main" xmlns:r="http://schemas.openxmlformats.org/officeDocument/2006/relationships" xmlns:p="http://schemas.openxmlformats.org/presentationml/2006/main">
+  <p:cSld>
+    <p:spTree>
+      <p:nvGrpSpPr>
+        <p:cNvPr id="1" name=""/>
+        <p:cNvGrpSpPr/>
+        <p:nvPr/>
+      </p:nvGrpSpPr>
+      <p:grpSpPr>
+        <a:xfrm>
+          <a:off x="0" y="0"/>
+          <a:ext cx="0" cy="0"/>
+          <a:chOff x="0" y="0"/>
+          <a:chExt cx="0" cy="0"/>
+        </a:xfrm>
+      </p:grpSpPr>
+      <p:pic>
+        <p:nvPicPr>
+          <p:cNvPr id="1027" name="Picture 3" descr="D:\Zeyad\trash\SRS Material\3.PNG"/>
+          <p:cNvPicPr>
+            <a:picLocks noChangeAspect="1" noChangeArrowheads="1"/>
+          </p:cNvPicPr>
+          <p:nvPr/>
+        </p:nvPicPr>
+        <p:blipFill>
+          <a:blip r:embed="rId2">
+            <a:extLst>
+              <a:ext uri="{28A0092B-C50C-407E-A947-70E740481C1C}">
+                <a14:useLocalDpi xmlns:a14="http://schemas.microsoft.com/office/drawing/2010/main" val="0"/>
+              </a:ext>
+            </a:extLst>
+          </a:blip>
+          <a:srcRect/>
+          <a:stretch>
+            <a:fillRect/>
+          </a:stretch>
+        </p:blipFill>
+        <p:spPr bwMode="auto">
+          <a:xfrm>
+            <a:off x="289870" y="2821727"/>
+            <a:ext cx="3243903" cy="975897"/>
+          </a:xfrm>
+          <a:prstGeom prst="rect">
+            <a:avLst/>
+          </a:prstGeom>
+          <a:noFill/>
+          <a:extLst>
+            <a:ext uri="{909E8E84-426E-40DD-AFC4-6F175D3DCCD1}">
+              <a14:hiddenFill xmlns:a14="http://schemas.microsoft.com/office/drawing/2010/main">
+                <a:solidFill>
+                  <a:srgbClr val="FFFFFF"/>
+                </a:solidFill>
+              </a14:hiddenFill>
+            </a:ext>
+          </a:extLst>
+        </p:spPr>
+      </p:pic>
+      <p:pic>
+        <p:nvPicPr>
+          <p:cNvPr id="1028" name="Picture 4" descr="D:\Zeyad\trash\SRS Material\1.PNG"/>
+          <p:cNvPicPr>
+            <a:picLocks noChangeAspect="1" noChangeArrowheads="1"/>
+          </p:cNvPicPr>
+          <p:nvPr/>
+        </p:nvPicPr>
+        <p:blipFill>
+          <a:blip r:embed="rId3">
+            <a:extLst>
+              <a:ext uri="{28A0092B-C50C-407E-A947-70E740481C1C}">
+                <a14:useLocalDpi xmlns:a14="http://schemas.microsoft.com/office/drawing/2010/main" val="0"/>
+              </a:ext>
+            </a:extLst>
+          </a:blip>
+          <a:srcRect/>
+          <a:stretch>
+            <a:fillRect/>
+          </a:stretch>
+        </p:blipFill>
+        <p:spPr bwMode="auto">
+          <a:xfrm>
+            <a:off x="152400" y="990600"/>
+            <a:ext cx="3243903" cy="892364"/>
+          </a:xfrm>
+          <a:prstGeom prst="rect">
+            <a:avLst/>
+          </a:prstGeom>
+          <a:noFill/>
+          <a:extLst>
+            <a:ext uri="{909E8E84-426E-40DD-AFC4-6F175D3DCCD1}">
+              <a14:hiddenFill xmlns:a14="http://schemas.microsoft.com/office/drawing/2010/main">
+                <a:solidFill>
+                  <a:srgbClr val="FFFFFF"/>
+                </a:solidFill>
+              </a14:hiddenFill>
+            </a:ext>
+          </a:extLst>
+        </p:spPr>
+      </p:pic>
+      <p:pic>
+        <p:nvPicPr>
+          <p:cNvPr id="1029" name="Picture 5" descr="D:\Zeyad\trash\SRS Material\2.PNG"/>
+          <p:cNvPicPr>
+            <a:picLocks noChangeAspect="1" noChangeArrowheads="1"/>
+          </p:cNvPicPr>
+          <p:nvPr/>
+        </p:nvPicPr>
+        <p:blipFill>
+          <a:blip r:embed="rId4">
+            <a:extLst>
+              <a:ext uri="{28A0092B-C50C-407E-A947-70E740481C1C}">
+                <a14:useLocalDpi xmlns:a14="http://schemas.microsoft.com/office/drawing/2010/main" val="0"/>
+              </a:ext>
+            </a:extLst>
+          </a:blip>
+          <a:srcRect/>
+          <a:stretch>
+            <a:fillRect/>
+          </a:stretch>
+        </p:blipFill>
+        <p:spPr bwMode="auto">
+          <a:xfrm>
+            <a:off x="0" y="1882964"/>
+            <a:ext cx="3886200" cy="919376"/>
+          </a:xfrm>
+          <a:prstGeom prst="rect">
+            <a:avLst/>
+          </a:prstGeom>
+          <a:noFill/>
+          <a:extLst>
+            <a:ext uri="{909E8E84-426E-40DD-AFC4-6F175D3DCCD1}">
+              <a14:hiddenFill xmlns:a14="http://schemas.microsoft.com/office/drawing/2010/main">
+                <a:solidFill>
+                  <a:srgbClr val="FFFFFF"/>
+                </a:solidFill>
+              </a14:hiddenFill>
+            </a:ext>
+          </a:extLst>
+        </p:spPr>
+      </p:pic>
+      <p:sp>
+        <p:nvSpPr>
+          <p:cNvPr id="11" name="Right Arrow 10"/>
+          <p:cNvSpPr/>
+          <p:nvPr/>
+        </p:nvSpPr>
+        <p:spPr>
+          <a:xfrm>
+            <a:off x="2819400" y="1208182"/>
+            <a:ext cx="1828800" cy="457200"/>
+          </a:xfrm>
+          <a:prstGeom prst="rightArrow">
+            <a:avLst/>
+          </a:prstGeom>
+        </p:spPr>
+        <p:style>
+          <a:lnRef idx="2">
+            <a:schemeClr val="dk1">
+              <a:shade val="50000"/>
+            </a:schemeClr>
+          </a:lnRef>
+          <a:fillRef idx="1">
+            <a:schemeClr val="dk1"/>
+          </a:fillRef>
+          <a:effectRef idx="0">
+            <a:schemeClr val="dk1"/>
+          </a:effectRef>
+          <a:fontRef idx="minor">
+            <a:schemeClr val="lt1"/>
+          </a:fontRef>
+        </p:style>
+        <p:txBody>
+          <a:bodyPr rtlCol="0" anchor="ctr"/>
+          <a:lstStyle/>
+          <a:p>
+            <a:pPr algn="ctr"/>
+            <a:endParaRPr lang="en-US"/>
+          </a:p>
+        </p:txBody>
+      </p:sp>
+      <p:pic>
+        <p:nvPicPr>
+          <p:cNvPr id="1030" name="Picture 6"/>
+          <p:cNvPicPr>
+            <a:picLocks noChangeAspect="1" noChangeArrowheads="1"/>
+          </p:cNvPicPr>
+          <p:nvPr/>
+        </p:nvPicPr>
+        <p:blipFill>
+          <a:blip r:embed="rId5">
+            <a:extLst>
+              <a:ext uri="{28A0092B-C50C-407E-A947-70E740481C1C}">
+                <a14:useLocalDpi xmlns:a14="http://schemas.microsoft.com/office/drawing/2010/main" val="0"/>
+              </a:ext>
+            </a:extLst>
+          </a:blip>
+          <a:srcRect/>
+          <a:stretch>
+            <a:fillRect/>
+          </a:stretch>
+        </p:blipFill>
+        <p:spPr bwMode="auto">
+          <a:xfrm>
+            <a:off x="4648200" y="1080788"/>
+            <a:ext cx="3581400" cy="794201"/>
+          </a:xfrm>
+          <a:prstGeom prst="rect">
+            <a:avLst/>
+          </a:prstGeom>
+          <a:noFill/>
+          <a:ln>
+            <a:noFill/>
+          </a:ln>
+          <a:extLst>
+            <a:ext uri="{909E8E84-426E-40DD-AFC4-6F175D3DCCD1}">
+              <a14:hiddenFill xmlns:a14="http://schemas.microsoft.com/office/drawing/2010/main">
+                <a:solidFill>
+                  <a:schemeClr val="accent1"/>
+                </a:solidFill>
+              </a14:hiddenFill>
+            </a:ext>
+            <a:ext uri="{91240B29-F687-4F45-9708-019B960494DF}">
+              <a14:hiddenLine xmlns:a14="http://schemas.microsoft.com/office/drawing/2010/main" w="9525">
+                <a:solidFill>
+                  <a:schemeClr val="tx1"/>
+                </a:solidFill>
+                <a:miter lim="800000"/>
+                <a:headEnd/>
+                <a:tailEnd/>
+              </a14:hiddenLine>
+            </a:ext>
+          </a:extLst>
+        </p:spPr>
+      </p:pic>
+      <p:sp>
+        <p:nvSpPr>
+          <p:cNvPr id="12" name="TextBox 11"/>
+          <p:cNvSpPr txBox="1"/>
+          <p:nvPr/>
+        </p:nvSpPr>
+        <p:spPr>
+          <a:xfrm>
+            <a:off x="5029200" y="1208182"/>
+            <a:ext cx="990600" cy="369982"/>
+          </a:xfrm>
+          <a:prstGeom prst="rect">
+            <a:avLst/>
+          </a:prstGeom>
+        </p:spPr>
+        <p:style>
+          <a:lnRef idx="2">
+            <a:schemeClr val="accent6"/>
+          </a:lnRef>
+          <a:fillRef idx="1">
+            <a:schemeClr val="lt1"/>
+          </a:fillRef>
+          <a:effectRef idx="0">
+            <a:schemeClr val="accent6"/>
+          </a:effectRef>
+          <a:fontRef idx="minor">
+            <a:schemeClr val="dk1"/>
+          </a:fontRef>
+        </p:style>
+        <p:txBody>
+          <a:bodyPr wrap="square" rtlCol="0">
+            <a:spAutoFit/>
+          </a:bodyPr>
+          <a:lstStyle/>
+          <a:p>
+            <a:r>
+              <a:rPr lang="en-US" dirty="0" smtClean="0"/>
+              <a:t>You’re</a:t>
+            </a:r>
+            <a:endParaRPr lang="en-US" dirty="0"/>
+          </a:p>
+        </p:txBody>
+      </p:sp>
+      <p:sp>
+        <p:nvSpPr>
+          <p:cNvPr id="13" name="TextBox 12"/>
+          <p:cNvSpPr txBox="1"/>
+          <p:nvPr/>
+        </p:nvSpPr>
+        <p:spPr>
+          <a:xfrm>
+            <a:off x="6438900" y="1208182"/>
+            <a:ext cx="1181100" cy="369982"/>
+          </a:xfrm>
+          <a:prstGeom prst="rect">
+            <a:avLst/>
+          </a:prstGeom>
+          <a:ln>
+            <a:solidFill>
+              <a:srgbClr val="FF0000"/>
+            </a:solidFill>
+          </a:ln>
+        </p:spPr>
+        <p:style>
+          <a:lnRef idx="2">
+            <a:schemeClr val="accent2"/>
+          </a:lnRef>
+          <a:fillRef idx="1">
+            <a:schemeClr val="lt1"/>
+          </a:fillRef>
+          <a:effectRef idx="0">
+            <a:schemeClr val="accent2"/>
+          </a:effectRef>
+          <a:fontRef idx="minor">
+            <a:schemeClr val="dk1"/>
+          </a:fontRef>
+        </p:style>
+        <p:txBody>
+          <a:bodyPr wrap="square" rtlCol="0">
+            <a:spAutoFit/>
+          </a:bodyPr>
+          <a:lstStyle/>
+          <a:p>
+            <a:r>
+              <a:rPr lang="en-US" dirty="0" smtClean="0"/>
+              <a:t>Trash</a:t>
+            </a:r>
+            <a:endParaRPr lang="en-US" dirty="0"/>
+          </a:p>
+        </p:txBody>
+      </p:sp>
+      <p:sp>
+        <p:nvSpPr>
+          <p:cNvPr id="19" name="Right Arrow 18"/>
+          <p:cNvSpPr/>
+          <p:nvPr/>
+        </p:nvSpPr>
+        <p:spPr>
+          <a:xfrm rot="5400000">
+            <a:off x="4395148" y="2263964"/>
+            <a:ext cx="1828800" cy="457200"/>
+          </a:xfrm>
+          <a:prstGeom prst="rightArrow">
+            <a:avLst/>
+          </a:prstGeom>
+        </p:spPr>
+        <p:style>
+          <a:lnRef idx="2">
+            <a:schemeClr val="dk1">
+              <a:shade val="50000"/>
+            </a:schemeClr>
+          </a:lnRef>
+          <a:fillRef idx="1">
+            <a:schemeClr val="dk1"/>
+          </a:fillRef>
+          <a:effectRef idx="0">
+            <a:schemeClr val="dk1"/>
+          </a:effectRef>
+          <a:fontRef idx="minor">
+            <a:schemeClr val="lt1"/>
+          </a:fontRef>
+        </p:style>
+        <p:txBody>
+          <a:bodyPr rtlCol="0" anchor="ctr"/>
+          <a:lstStyle/>
+          <a:p>
+            <a:pPr algn="ctr"/>
+            <a:endParaRPr lang="en-US"/>
+          </a:p>
+        </p:txBody>
+      </p:sp>
+      <p:sp>
+        <p:nvSpPr>
+          <p:cNvPr id="14" name="TextBox 13"/>
+          <p:cNvSpPr txBox="1"/>
+          <p:nvPr/>
+        </p:nvSpPr>
+        <p:spPr>
+          <a:xfrm>
+            <a:off x="3733800" y="3406964"/>
+            <a:ext cx="2209800" cy="923330"/>
+          </a:xfrm>
+          <a:prstGeom prst="rect">
+            <a:avLst/>
+          </a:prstGeom>
+        </p:spPr>
+        <p:style>
+          <a:lnRef idx="2">
+            <a:schemeClr val="accent6"/>
+          </a:lnRef>
+          <a:fillRef idx="1">
+            <a:schemeClr val="lt1"/>
+          </a:fillRef>
+          <a:effectRef idx="0">
+            <a:schemeClr val="accent6"/>
+          </a:effectRef>
+          <a:fontRef idx="minor">
+            <a:schemeClr val="dk1"/>
+          </a:fontRef>
+        </p:style>
+        <p:txBody>
+          <a:bodyPr wrap="square" rtlCol="0">
+            <a:spAutoFit/>
+          </a:bodyPr>
+          <a:lstStyle/>
+          <a:p>
+            <a:r>
+              <a:rPr lang="en-US" dirty="0" smtClean="0"/>
+              <a:t>Personal pronoun</a:t>
+            </a:r>
+            <a:br>
+              <a:rPr lang="en-US" dirty="0" smtClean="0"/>
+            </a:br>
+            <a:r>
+              <a:rPr lang="en-US" dirty="0" smtClean="0"/>
+              <a:t>used when directly addressing people</a:t>
+            </a:r>
+            <a:endParaRPr lang="en-US" dirty="0"/>
+          </a:p>
+        </p:txBody>
+      </p:sp>
+      <p:sp>
+        <p:nvSpPr>
+          <p:cNvPr id="21" name="Right Arrow 20"/>
+          <p:cNvSpPr/>
+          <p:nvPr/>
+        </p:nvSpPr>
+        <p:spPr>
+          <a:xfrm rot="5400000">
+            <a:off x="6248400" y="2263964"/>
+            <a:ext cx="1828800" cy="457200"/>
+          </a:xfrm>
+          <a:prstGeom prst="rightArrow">
+            <a:avLst/>
+          </a:prstGeom>
+        </p:spPr>
+        <p:style>
+          <a:lnRef idx="2">
+            <a:schemeClr val="dk1">
+              <a:shade val="50000"/>
+            </a:schemeClr>
+          </a:lnRef>
+          <a:fillRef idx="1">
+            <a:schemeClr val="dk1"/>
+          </a:fillRef>
+          <a:effectRef idx="0">
+            <a:schemeClr val="dk1"/>
+          </a:effectRef>
+          <a:fontRef idx="minor">
+            <a:schemeClr val="lt1"/>
+          </a:fontRef>
+        </p:style>
+        <p:txBody>
+          <a:bodyPr rtlCol="0" anchor="ctr"/>
+          <a:lstStyle/>
+          <a:p>
+            <a:pPr algn="ctr"/>
+            <a:endParaRPr lang="en-US"/>
+          </a:p>
+        </p:txBody>
+      </p:sp>
+      <p:sp>
+        <p:nvSpPr>
+          <p:cNvPr id="15" name="TextBox 14"/>
+          <p:cNvSpPr txBox="1"/>
+          <p:nvPr/>
+        </p:nvSpPr>
+        <p:spPr>
+          <a:xfrm>
+            <a:off x="6438900" y="3406964"/>
+            <a:ext cx="2171700" cy="1477328"/>
+          </a:xfrm>
+          <a:prstGeom prst="rect">
+            <a:avLst/>
+          </a:prstGeom>
+          <a:ln>
+            <a:solidFill>
+              <a:srgbClr val="FF0000"/>
+            </a:solidFill>
+          </a:ln>
+        </p:spPr>
+        <p:style>
+          <a:lnRef idx="2">
+            <a:schemeClr val="accent6"/>
+          </a:lnRef>
+          <a:fillRef idx="1">
+            <a:schemeClr val="lt1"/>
+          </a:fillRef>
+          <a:effectRef idx="0">
+            <a:schemeClr val="accent6"/>
+          </a:effectRef>
+          <a:fontRef idx="minor">
+            <a:schemeClr val="dk1"/>
+          </a:fontRef>
+        </p:style>
+        <p:txBody>
+          <a:bodyPr wrap="square" rtlCol="0">
+            <a:spAutoFit/>
+          </a:bodyPr>
+          <a:lstStyle/>
+          <a:p>
+            <a:r>
+              <a:rPr lang="en-US" dirty="0" smtClean="0"/>
+              <a:t>An offensive word when combined with personal pronouns creates a cyberbullying sample</a:t>
+            </a:r>
+            <a:endParaRPr lang="en-US" dirty="0"/>
+          </a:p>
+        </p:txBody>
+      </p:sp>
+    </p:spTree>
+    <p:extLst>
+      <p:ext uri="{BB962C8B-B14F-4D97-AF65-F5344CB8AC3E}">
+        <p14:creationId xmlns:p14="http://schemas.microsoft.com/office/powerpoint/2010/main" val="1864556808"/>
+      </p:ext>
+    </p:extLst>
+  </p:cSld>
+  <p:clrMapOvr>
+    <a:masterClrMapping/>
+  </p:clrMapOvr>
+  <p:timing>
+    <p:tnLst>
+      <p:par>
+        <p:cTn id="1" dur="indefinite" restart="never" nodeType="tmRoot">
+          <p:childTnLst>
+            <p:seq concurrent="1" nextAc="seek">
+              <p:cTn id="2" dur="indefinite" nodeType="mainSeq">
+                <p:childTnLst>
+                  <p:par>
+                    <p:cTn id="3" fill="hold">
+                      <p:stCondLst>
+                        <p:cond delay="indefinite"/>
+                      </p:stCondLst>
+                      <p:childTnLst>
+                        <p:par>
+                          <p:cTn id="4" fill="hold">
+                            <p:stCondLst>
+                              <p:cond delay="0"/>
+                            </p:stCondLst>
+                            <p:childTnLst>
+                              <p:par>
+                                <p:cTn id="5" presetID="2" presetClass="entr" presetSubtype="8" fill="hold" nodeType="clickEffect">
+                                  <p:stCondLst>
+                                    <p:cond delay="0"/>
+                                  </p:stCondLst>
+                                  <p:childTnLst>
+                                    <p:set>
+                                      <p:cBhvr>
+                                        <p:cTn id="6" dur="1" fill="hold">
+                                          <p:stCondLst>
+                                            <p:cond delay="0"/>
+                                          </p:stCondLst>
+                                        </p:cTn>
+                                        <p:tgtEl>
+                                          <p:spTgt spid="1028"/>
+                                        </p:tgtEl>
+                                        <p:attrNameLst>
+                                          <p:attrName>style.visibility</p:attrName>
+                                        </p:attrNameLst>
+                                      </p:cBhvr>
+                                      <p:to>
+                                        <p:strVal val="visible"/>
+                                      </p:to>
+                                    </p:set>
+                                    <p:anim calcmode="lin" valueType="num">
+                                      <p:cBhvr additive="base">
+                                        <p:cTn id="7" dur="500" fill="hold"/>
+                                        <p:tgtEl>
+                                          <p:spTgt spid="1028"/>
+                                        </p:tgtEl>
+                                        <p:attrNameLst>
+                                          <p:attrName>ppt_x</p:attrName>
+                                        </p:attrNameLst>
+                                      </p:cBhvr>
+                                      <p:tavLst>
+                                        <p:tav tm="0">
+                                          <p:val>
+                                            <p:strVal val="0-#ppt_w/2"/>
+                                          </p:val>
+                                        </p:tav>
+                                        <p:tav tm="100000">
+                                          <p:val>
+                                            <p:strVal val="#ppt_x"/>
+                                          </p:val>
+                                        </p:tav>
+                                      </p:tavLst>
+                                    </p:anim>
+                                    <p:anim calcmode="lin" valueType="num">
+                                      <p:cBhvr additive="base">
+                                        <p:cTn id="8" dur="500" fill="hold"/>
+                                        <p:tgtEl>
+                                          <p:spTgt spid="1028"/>
+                                        </p:tgtEl>
+                                        <p:attrNameLst>
+                                          <p:attrName>ppt_y</p:attrName>
+                                        </p:attrNameLst>
+                                      </p:cBhvr>
+                                      <p:tavLst>
+                                        <p:tav tm="0">
+                                          <p:val>
+                                            <p:strVal val="#ppt_y"/>
+                                          </p:val>
+                                        </p:tav>
+                                        <p:tav tm="100000">
+                                          <p:val>
+                                            <p:strVal val="#ppt_y"/>
+                                          </p:val>
+                                        </p:tav>
+                                      </p:tavLst>
+                                    </p:anim>
+                                  </p:childTnLst>
+                                </p:cTn>
+                              </p:par>
+                            </p:childTnLst>
+                          </p:cTn>
+                        </p:par>
+                      </p:childTnLst>
+                    </p:cTn>
+                  </p:par>
+                  <p:par>
+                    <p:cTn id="9" fill="hold">
+                      <p:stCondLst>
+                        <p:cond delay="indefinite"/>
+                      </p:stCondLst>
+                      <p:childTnLst>
+                        <p:par>
+                          <p:cTn id="10" fill="hold">
+                            <p:stCondLst>
+                              <p:cond delay="0"/>
+                            </p:stCondLst>
+                            <p:childTnLst>
+                              <p:par>
+                                <p:cTn id="11" presetID="2" presetClass="entr" presetSubtype="2" fill="hold" nodeType="clickEffect">
+                                  <p:stCondLst>
+                                    <p:cond delay="0"/>
+                                  </p:stCondLst>
+                                  <p:childTnLst>
+                                    <p:set>
+                                      <p:cBhvr>
+                                        <p:cTn id="12" dur="1" fill="hold">
+                                          <p:stCondLst>
+                                            <p:cond delay="0"/>
+                                          </p:stCondLst>
+                                        </p:cTn>
+                                        <p:tgtEl>
+                                          <p:spTgt spid="1029"/>
+                                        </p:tgtEl>
+                                        <p:attrNameLst>
+                                          <p:attrName>style.visibility</p:attrName>
+                                        </p:attrNameLst>
+                                      </p:cBhvr>
+                                      <p:to>
+                                        <p:strVal val="visible"/>
+                                      </p:to>
+                                    </p:set>
+                                    <p:anim calcmode="lin" valueType="num">
+                                      <p:cBhvr additive="base">
+                                        <p:cTn id="13" dur="500" fill="hold"/>
+                                        <p:tgtEl>
+                                          <p:spTgt spid="1029"/>
+                                        </p:tgtEl>
+                                        <p:attrNameLst>
+                                          <p:attrName>ppt_x</p:attrName>
+                                        </p:attrNameLst>
+                                      </p:cBhvr>
+                                      <p:tavLst>
+                                        <p:tav tm="0">
+                                          <p:val>
+                                            <p:strVal val="1+#ppt_w/2"/>
+                                          </p:val>
+                                        </p:tav>
+                                        <p:tav tm="100000">
+                                          <p:val>
+                                            <p:strVal val="#ppt_x"/>
+                                          </p:val>
+                                        </p:tav>
+                                      </p:tavLst>
+                                    </p:anim>
+                                    <p:anim calcmode="lin" valueType="num">
+                                      <p:cBhvr additive="base">
+                                        <p:cTn id="14" dur="500" fill="hold"/>
+                                        <p:tgtEl>
+                                          <p:spTgt spid="1029"/>
+                                        </p:tgtEl>
+                                        <p:attrNameLst>
+                                          <p:attrName>ppt_y</p:attrName>
+                                        </p:attrNameLst>
+                                      </p:cBhvr>
+                                      <p:tavLst>
+                                        <p:tav tm="0">
+                                          <p:val>
+                                            <p:strVal val="#ppt_y"/>
+                                          </p:val>
+                                        </p:tav>
+                                        <p:tav tm="100000">
+                                          <p:val>
+                                            <p:strVal val="#ppt_y"/>
+                                          </p:val>
+                                        </p:tav>
+                                      </p:tavLst>
+                                    </p:anim>
+                                  </p:childTnLst>
+                                </p:cTn>
+                              </p:par>
+                            </p:childTnLst>
+                          </p:cTn>
+                        </p:par>
+                      </p:childTnLst>
+                    </p:cTn>
+                  </p:par>
+                  <p:par>
+                    <p:cTn id="15" fill="hold">
+                      <p:stCondLst>
+                        <p:cond delay="indefinite"/>
+                      </p:stCondLst>
+                      <p:childTnLst>
+                        <p:par>
+                          <p:cTn id="16" fill="hold">
+                            <p:stCondLst>
+                              <p:cond delay="0"/>
+                            </p:stCondLst>
+                            <p:childTnLst>
+                              <p:par>
+                                <p:cTn id="17" presetID="2" presetClass="entr" presetSubtype="8" fill="hold" nodeType="clickEffect">
+                                  <p:stCondLst>
+                                    <p:cond delay="0"/>
+                                  </p:stCondLst>
+                                  <p:childTnLst>
+                                    <p:set>
+                                      <p:cBhvr>
+                                        <p:cTn id="18" dur="1" fill="hold">
+                                          <p:stCondLst>
+                                            <p:cond delay="0"/>
+                                          </p:stCondLst>
+                                        </p:cTn>
+                                        <p:tgtEl>
+                                          <p:spTgt spid="1027"/>
+                                        </p:tgtEl>
+                                        <p:attrNameLst>
+                                          <p:attrName>style.visibility</p:attrName>
+                                        </p:attrNameLst>
+                                      </p:cBhvr>
+                                      <p:to>
+                                        <p:strVal val="visible"/>
+                                      </p:to>
+                                    </p:set>
+                                    <p:anim calcmode="lin" valueType="num">
+                                      <p:cBhvr additive="base">
+                                        <p:cTn id="19" dur="500" fill="hold"/>
+                                        <p:tgtEl>
+                                          <p:spTgt spid="1027"/>
+                                        </p:tgtEl>
+                                        <p:attrNameLst>
+                                          <p:attrName>ppt_x</p:attrName>
+                                        </p:attrNameLst>
+                                      </p:cBhvr>
+                                      <p:tavLst>
+                                        <p:tav tm="0">
+                                          <p:val>
+                                            <p:strVal val="0-#ppt_w/2"/>
+                                          </p:val>
+                                        </p:tav>
+                                        <p:tav tm="100000">
+                                          <p:val>
+                                            <p:strVal val="#ppt_x"/>
+                                          </p:val>
+                                        </p:tav>
+                                      </p:tavLst>
+                                    </p:anim>
+                                    <p:anim calcmode="lin" valueType="num">
+                                      <p:cBhvr additive="base">
+                                        <p:cTn id="20" dur="500" fill="hold"/>
+                                        <p:tgtEl>
+                                          <p:spTgt spid="1027"/>
+                                        </p:tgtEl>
+                                        <p:attrNameLst>
+                                          <p:attrName>ppt_y</p:attrName>
+                                        </p:attrNameLst>
+                                      </p:cBhvr>
+                                      <p:tavLst>
+                                        <p:tav tm="0">
+                                          <p:val>
+                                            <p:strVal val="#ppt_y"/>
+                                          </p:val>
+                                        </p:tav>
+                                        <p:tav tm="100000">
+                                          <p:val>
+                                            <p:strVal val="#ppt_y"/>
+                                          </p:val>
+                                        </p:tav>
+                                      </p:tavLst>
+                                    </p:anim>
+                                  </p:childTnLst>
+                                </p:cTn>
+                              </p:par>
+                            </p:childTnLst>
+                          </p:cTn>
+                        </p:par>
+                      </p:childTnLst>
+                    </p:cTn>
+                  </p:par>
+                  <p:par>
+                    <p:cTn id="21" fill="hold">
+                      <p:stCondLst>
+                        <p:cond delay="indefinite"/>
+                      </p:stCondLst>
+                      <p:childTnLst>
+                        <p:par>
+                          <p:cTn id="22" fill="hold">
+                            <p:stCondLst>
+                              <p:cond delay="0"/>
+                            </p:stCondLst>
+                            <p:childTnLst>
+                              <p:par>
+                                <p:cTn id="23" presetID="10" presetClass="entr" presetSubtype="0" fill="hold" grpId="0" nodeType="clickEffect">
+                                  <p:stCondLst>
+                                    <p:cond delay="0"/>
+                                  </p:stCondLst>
+                                  <p:childTnLst>
+                                    <p:set>
+                                      <p:cBhvr>
+                                        <p:cTn id="24" dur="1" fill="hold">
+                                          <p:stCondLst>
+                                            <p:cond delay="0"/>
+                                          </p:stCondLst>
+                                        </p:cTn>
+                                        <p:tgtEl>
+                                          <p:spTgt spid="11"/>
+                                        </p:tgtEl>
+                                        <p:attrNameLst>
+                                          <p:attrName>style.visibility</p:attrName>
+                                        </p:attrNameLst>
+                                      </p:cBhvr>
+                                      <p:to>
+                                        <p:strVal val="visible"/>
+                                      </p:to>
+                                    </p:set>
+                                    <p:animEffect transition="in" filter="fade">
+                                      <p:cBhvr>
+                                        <p:cTn id="25" dur="500"/>
+                                        <p:tgtEl>
+                                          <p:spTgt spid="11"/>
+                                        </p:tgtEl>
+                                      </p:cBhvr>
+                                    </p:animEffect>
+                                  </p:childTnLst>
+                                </p:cTn>
+                              </p:par>
+                            </p:childTnLst>
+                          </p:cTn>
+                        </p:par>
+                      </p:childTnLst>
+                    </p:cTn>
+                  </p:par>
+                  <p:par>
+                    <p:cTn id="26" fill="hold">
+                      <p:stCondLst>
+                        <p:cond delay="indefinite"/>
+                      </p:stCondLst>
+                      <p:childTnLst>
+                        <p:par>
+                          <p:cTn id="27" fill="hold">
+                            <p:stCondLst>
+                              <p:cond delay="0"/>
+                            </p:stCondLst>
+                            <p:childTnLst>
+                              <p:par>
+                                <p:cTn id="28" presetID="16" presetClass="entr" presetSubtype="37" fill="hold" nodeType="clickEffect">
+                                  <p:stCondLst>
+                                    <p:cond delay="0"/>
+                                  </p:stCondLst>
+                                  <p:childTnLst>
+                                    <p:set>
+                                      <p:cBhvr>
+                                        <p:cTn id="29" dur="1" fill="hold">
+                                          <p:stCondLst>
+                                            <p:cond delay="0"/>
+                                          </p:stCondLst>
+                                        </p:cTn>
+                                        <p:tgtEl>
+                                          <p:spTgt spid="1030"/>
+                                        </p:tgtEl>
+                                        <p:attrNameLst>
+                                          <p:attrName>style.visibility</p:attrName>
+                                        </p:attrNameLst>
+                                      </p:cBhvr>
+                                      <p:to>
+                                        <p:strVal val="visible"/>
+                                      </p:to>
+                                    </p:set>
+                                    <p:animEffect transition="in" filter="barn(outVertical)">
+                                      <p:cBhvr>
+                                        <p:cTn id="30" dur="500"/>
+                                        <p:tgtEl>
+                                          <p:spTgt spid="1030"/>
+                                        </p:tgtEl>
+                                      </p:cBhvr>
+                                    </p:animEffect>
+                                  </p:childTnLst>
+                                </p:cTn>
+                              </p:par>
+                            </p:childTnLst>
+                          </p:cTn>
+                        </p:par>
+                      </p:childTnLst>
+                    </p:cTn>
+                  </p:par>
+                  <p:par>
+                    <p:cTn id="31" fill="hold">
+                      <p:stCondLst>
+                        <p:cond delay="indefinite"/>
+                      </p:stCondLst>
+                      <p:childTnLst>
+                        <p:par>
+                          <p:cTn id="32" fill="hold">
+                            <p:stCondLst>
+                              <p:cond delay="0"/>
+                            </p:stCondLst>
+                            <p:childTnLst>
+                              <p:par>
+                                <p:cTn id="33" presetID="10" presetClass="entr" presetSubtype="0" fill="hold" grpId="0" nodeType="clickEffect">
+                                  <p:stCondLst>
+                                    <p:cond delay="0"/>
+                                  </p:stCondLst>
+                                  <p:childTnLst>
+                                    <p:set>
+                                      <p:cBhvr>
+                                        <p:cTn id="34" dur="1" fill="hold">
+                                          <p:stCondLst>
+                                            <p:cond delay="0"/>
+                                          </p:stCondLst>
+                                        </p:cTn>
+                                        <p:tgtEl>
+                                          <p:spTgt spid="12"/>
+                                        </p:tgtEl>
+                                        <p:attrNameLst>
+                                          <p:attrName>style.visibility</p:attrName>
+                                        </p:attrNameLst>
+                                      </p:cBhvr>
+                                      <p:to>
+                                        <p:strVal val="visible"/>
+                                      </p:to>
+                                    </p:set>
+                                    <p:animEffect transition="in" filter="fade">
+                                      <p:cBhvr>
+                                        <p:cTn id="35" dur="500"/>
+                                        <p:tgtEl>
+                                          <p:spTgt spid="12"/>
+                                        </p:tgtEl>
+                                      </p:cBhvr>
+                                    </p:animEffect>
+                                  </p:childTnLst>
+                                </p:cTn>
+                              </p:par>
+                            </p:childTnLst>
+                          </p:cTn>
+                        </p:par>
+                      </p:childTnLst>
+                    </p:cTn>
+                  </p:par>
+                  <p:par>
+                    <p:cTn id="36" fill="hold">
+                      <p:stCondLst>
+                        <p:cond delay="indefinite"/>
+                      </p:stCondLst>
+                      <p:childTnLst>
+                        <p:par>
+                          <p:cTn id="37" fill="hold">
+                            <p:stCondLst>
+                              <p:cond delay="0"/>
+                            </p:stCondLst>
+                            <p:childTnLst>
+                              <p:par>
+                                <p:cTn id="38" presetID="10" presetClass="entr" presetSubtype="0" fill="hold" grpId="0" nodeType="clickEffect">
+                                  <p:stCondLst>
+                                    <p:cond delay="0"/>
+                                  </p:stCondLst>
+                                  <p:childTnLst>
+                                    <p:set>
+                                      <p:cBhvr>
+                                        <p:cTn id="39" dur="1" fill="hold">
+                                          <p:stCondLst>
+                                            <p:cond delay="0"/>
+                                          </p:stCondLst>
+                                        </p:cTn>
+                                        <p:tgtEl>
+                                          <p:spTgt spid="13"/>
+                                        </p:tgtEl>
+                                        <p:attrNameLst>
+                                          <p:attrName>style.visibility</p:attrName>
+                                        </p:attrNameLst>
+                                      </p:cBhvr>
+                                      <p:to>
+                                        <p:strVal val="visible"/>
+                                      </p:to>
+                                    </p:set>
+                                    <p:animEffect transition="in" filter="fade">
+                                      <p:cBhvr>
+                                        <p:cTn id="40" dur="500"/>
+                                        <p:tgtEl>
+                                          <p:spTgt spid="13"/>
+                                        </p:tgtEl>
+                                      </p:cBhvr>
+                                    </p:animEffect>
+                                  </p:childTnLst>
+                                </p:cTn>
+                              </p:par>
+                            </p:childTnLst>
+                          </p:cTn>
+                        </p:par>
+                      </p:childTnLst>
+                    </p:cTn>
+                  </p:par>
+                  <p:par>
+                    <p:cTn id="41" fill="hold">
+                      <p:stCondLst>
+                        <p:cond delay="indefinite"/>
+                      </p:stCondLst>
+                      <p:childTnLst>
+                        <p:par>
+                          <p:cTn id="42" fill="hold">
+                            <p:stCondLst>
+                              <p:cond delay="0"/>
+                            </p:stCondLst>
+                            <p:childTnLst>
+                              <p:par>
+                                <p:cTn id="43" presetID="10" presetClass="entr" presetSubtype="0" fill="hold" grpId="0" nodeType="clickEffect">
+                                  <p:stCondLst>
+                                    <p:cond delay="0"/>
+                                  </p:stCondLst>
+                                  <p:childTnLst>
+                                    <p:set>
+                                      <p:cBhvr>
+                                        <p:cTn id="44" dur="1" fill="hold">
+                                          <p:stCondLst>
+                                            <p:cond delay="0"/>
+                                          </p:stCondLst>
+                                        </p:cTn>
+                                        <p:tgtEl>
+                                          <p:spTgt spid="19"/>
+                                        </p:tgtEl>
+                                        <p:attrNameLst>
+                                          <p:attrName>style.visibility</p:attrName>
+                                        </p:attrNameLst>
+                                      </p:cBhvr>
+                                      <p:to>
+                                        <p:strVal val="visible"/>
+                                      </p:to>
+                                    </p:set>
+                                    <p:animEffect transition="in" filter="fade">
+                                      <p:cBhvr>
+                                        <p:cTn id="45" dur="500"/>
+                                        <p:tgtEl>
+                                          <p:spTgt spid="19"/>
+                                        </p:tgtEl>
+                                      </p:cBhvr>
+                                    </p:animEffect>
+                                  </p:childTnLst>
+                                </p:cTn>
+                              </p:par>
+                            </p:childTnLst>
+                          </p:cTn>
+                        </p:par>
+                      </p:childTnLst>
+                    </p:cTn>
+                  </p:par>
+                  <p:par>
+                    <p:cTn id="46" fill="hold">
+                      <p:stCondLst>
+                        <p:cond delay="indefinite"/>
+                      </p:stCondLst>
+                      <p:childTnLst>
+                        <p:par>
+                          <p:cTn id="47" fill="hold">
+                            <p:stCondLst>
+                              <p:cond delay="0"/>
+                            </p:stCondLst>
+                            <p:childTnLst>
+                              <p:par>
+                                <p:cTn id="48" presetID="10" presetClass="entr" presetSubtype="0" fill="hold" grpId="0" nodeType="clickEffect">
+                                  <p:stCondLst>
+                                    <p:cond delay="0"/>
+                                  </p:stCondLst>
+                                  <p:childTnLst>
+                                    <p:set>
+                                      <p:cBhvr>
+                                        <p:cTn id="49" dur="1" fill="hold">
+                                          <p:stCondLst>
+                                            <p:cond delay="0"/>
+                                          </p:stCondLst>
+                                        </p:cTn>
+                                        <p:tgtEl>
+                                          <p:spTgt spid="14"/>
+                                        </p:tgtEl>
+                                        <p:attrNameLst>
+                                          <p:attrName>style.visibility</p:attrName>
+                                        </p:attrNameLst>
+                                      </p:cBhvr>
+                                      <p:to>
+                                        <p:strVal val="visible"/>
+                                      </p:to>
+                                    </p:set>
+                                    <p:animEffect transition="in" filter="fade">
+                                      <p:cBhvr>
+                                        <p:cTn id="50" dur="500"/>
+                                        <p:tgtEl>
+                                          <p:spTgt spid="14"/>
+                                        </p:tgtEl>
+                                      </p:cBhvr>
+                                    </p:animEffect>
+                                  </p:childTnLst>
+                                </p:cTn>
+                              </p:par>
+                            </p:childTnLst>
+                          </p:cTn>
+                        </p:par>
+                      </p:childTnLst>
+                    </p:cTn>
+                  </p:par>
+                  <p:par>
+                    <p:cTn id="51" fill="hold">
+                      <p:stCondLst>
+                        <p:cond delay="indefinite"/>
+                      </p:stCondLst>
+                      <p:childTnLst>
+                        <p:par>
+                          <p:cTn id="52" fill="hold">
+                            <p:stCondLst>
+                              <p:cond delay="0"/>
+                            </p:stCondLst>
+                            <p:childTnLst>
+                              <p:par>
+                                <p:cTn id="53" presetID="10" presetClass="entr" presetSubtype="0" fill="hold" grpId="0" nodeType="clickEffect">
+                                  <p:stCondLst>
+                                    <p:cond delay="0"/>
+                                  </p:stCondLst>
+                                  <p:childTnLst>
+                                    <p:set>
+                                      <p:cBhvr>
+                                        <p:cTn id="54" dur="1" fill="hold">
+                                          <p:stCondLst>
+                                            <p:cond delay="0"/>
+                                          </p:stCondLst>
+                                        </p:cTn>
+                                        <p:tgtEl>
+                                          <p:spTgt spid="21"/>
+                                        </p:tgtEl>
+                                        <p:attrNameLst>
+                                          <p:attrName>style.visibility</p:attrName>
+                                        </p:attrNameLst>
+                                      </p:cBhvr>
+                                      <p:to>
+                                        <p:strVal val="visible"/>
+                                      </p:to>
+                                    </p:set>
+                                    <p:animEffect transition="in" filter="fade">
+                                      <p:cBhvr>
+                                        <p:cTn id="55" dur="500"/>
+                                        <p:tgtEl>
+                                          <p:spTgt spid="21"/>
+                                        </p:tgtEl>
+                                      </p:cBhvr>
+                                    </p:animEffect>
+                                  </p:childTnLst>
+                                </p:cTn>
+                              </p:par>
+                            </p:childTnLst>
+                          </p:cTn>
+                        </p:par>
+                      </p:childTnLst>
+                    </p:cTn>
+                  </p:par>
+                  <p:par>
+                    <p:cTn id="56" fill="hold">
+                      <p:stCondLst>
+                        <p:cond delay="indefinite"/>
+                      </p:stCondLst>
+                      <p:childTnLst>
+                        <p:par>
+                          <p:cTn id="57" fill="hold">
+                            <p:stCondLst>
+                              <p:cond delay="0"/>
+                            </p:stCondLst>
+                            <p:childTnLst>
+                              <p:par>
+                                <p:cTn id="58" presetID="10" presetClass="entr" presetSubtype="0" fill="hold" grpId="0" nodeType="clickEffect">
+                                  <p:stCondLst>
+                                    <p:cond delay="0"/>
+                                  </p:stCondLst>
+                                  <p:childTnLst>
+                                    <p:set>
+                                      <p:cBhvr>
+                                        <p:cTn id="59" dur="1" fill="hold">
+                                          <p:stCondLst>
+                                            <p:cond delay="0"/>
+                                          </p:stCondLst>
+                                        </p:cTn>
+                                        <p:tgtEl>
+                                          <p:spTgt spid="15"/>
+                                        </p:tgtEl>
+                                        <p:attrNameLst>
+                                          <p:attrName>style.visibility</p:attrName>
+                                        </p:attrNameLst>
+                                      </p:cBhvr>
+                                      <p:to>
+                                        <p:strVal val="visible"/>
+                                      </p:to>
+                                    </p:set>
+                                    <p:animEffect transition="in" filter="fade">
+                                      <p:cBhvr>
+                                        <p:cTn id="60" dur="500"/>
+                                        <p:tgtEl>
+                                          <p:spTgt spid="15"/>
+                                        </p:tgtEl>
+                                      </p:cBhvr>
+                                    </p:animEffect>
+                                  </p:childTnLst>
+                                </p:cTn>
+                              </p:par>
+                            </p:childTnLst>
+                          </p:cTn>
+                        </p:par>
+                      </p:childTnLst>
+                    </p:cTn>
+                  </p:par>
+                  <p:par>
+                    <p:cTn id="61" fill="hold">
+                      <p:stCondLst>
+                        <p:cond delay="indefinite"/>
+                      </p:stCondLst>
+                      <p:childTnLst>
+                        <p:par>
+                          <p:cTn id="62" fill="hold">
+                            <p:stCondLst>
+                              <p:cond delay="0"/>
+                            </p:stCondLst>
+                            <p:childTnLst>
+                              <p:par>
+                                <p:cTn id="63" presetID="10" presetClass="exit" presetSubtype="0" fill="hold" grpId="1" nodeType="clickEffect">
+                                  <p:stCondLst>
+                                    <p:cond delay="0"/>
+                                  </p:stCondLst>
+                                  <p:childTnLst>
+                                    <p:animEffect transition="out" filter="fade">
+                                      <p:cBhvr>
+                                        <p:cTn id="64" dur="500"/>
+                                        <p:tgtEl>
+                                          <p:spTgt spid="11"/>
+                                        </p:tgtEl>
+                                      </p:cBhvr>
+                                    </p:animEffect>
+                                    <p:set>
+                                      <p:cBhvr>
+                                        <p:cTn id="65" dur="1" fill="hold">
+                                          <p:stCondLst>
+                                            <p:cond delay="499"/>
+                                          </p:stCondLst>
+                                        </p:cTn>
+                                        <p:tgtEl>
+                                          <p:spTgt spid="11"/>
+                                        </p:tgtEl>
+                                        <p:attrNameLst>
+                                          <p:attrName>style.visibility</p:attrName>
+                                        </p:attrNameLst>
+                                      </p:cBhvr>
+                                      <p:to>
+                                        <p:strVal val="hidden"/>
+                                      </p:to>
+                                    </p:set>
+                                  </p:childTnLst>
+                                </p:cTn>
+                              </p:par>
+                              <p:par>
+                                <p:cTn id="66" presetID="10" presetClass="exit" presetSubtype="0" fill="hold" nodeType="withEffect">
+                                  <p:stCondLst>
+                                    <p:cond delay="0"/>
+                                  </p:stCondLst>
+                                  <p:childTnLst>
+                                    <p:animEffect transition="out" filter="fade">
+                                      <p:cBhvr>
+                                        <p:cTn id="67" dur="500"/>
+                                        <p:tgtEl>
+                                          <p:spTgt spid="1030"/>
+                                        </p:tgtEl>
+                                      </p:cBhvr>
+                                    </p:animEffect>
+                                    <p:set>
+                                      <p:cBhvr>
+                                        <p:cTn id="68" dur="1" fill="hold">
+                                          <p:stCondLst>
+                                            <p:cond delay="499"/>
+                                          </p:stCondLst>
+                                        </p:cTn>
+                                        <p:tgtEl>
+                                          <p:spTgt spid="1030"/>
+                                        </p:tgtEl>
+                                        <p:attrNameLst>
+                                          <p:attrName>style.visibility</p:attrName>
+                                        </p:attrNameLst>
+                                      </p:cBhvr>
+                                      <p:to>
+                                        <p:strVal val="hidden"/>
+                                      </p:to>
+                                    </p:set>
+                                  </p:childTnLst>
+                                </p:cTn>
+                              </p:par>
+                              <p:par>
+                                <p:cTn id="69" presetID="10" presetClass="exit" presetSubtype="0" fill="hold" grpId="1" nodeType="withEffect">
+                                  <p:stCondLst>
+                                    <p:cond delay="0"/>
+                                  </p:stCondLst>
+                                  <p:childTnLst>
+                                    <p:animEffect transition="out" filter="fade">
+                                      <p:cBhvr>
+                                        <p:cTn id="70" dur="500"/>
+                                        <p:tgtEl>
+                                          <p:spTgt spid="12"/>
+                                        </p:tgtEl>
+                                      </p:cBhvr>
+                                    </p:animEffect>
+                                    <p:set>
+                                      <p:cBhvr>
+                                        <p:cTn id="71" dur="1" fill="hold">
+                                          <p:stCondLst>
+                                            <p:cond delay="499"/>
+                                          </p:stCondLst>
+                                        </p:cTn>
+                                        <p:tgtEl>
+                                          <p:spTgt spid="12"/>
+                                        </p:tgtEl>
+                                        <p:attrNameLst>
+                                          <p:attrName>style.visibility</p:attrName>
+                                        </p:attrNameLst>
+                                      </p:cBhvr>
+                                      <p:to>
+                                        <p:strVal val="hidden"/>
+                                      </p:to>
+                                    </p:set>
+                                  </p:childTnLst>
+                                </p:cTn>
+                              </p:par>
+                              <p:par>
+                                <p:cTn id="72" presetID="10" presetClass="exit" presetSubtype="0" fill="hold" grpId="1" nodeType="withEffect">
+                                  <p:stCondLst>
+                                    <p:cond delay="0"/>
+                                  </p:stCondLst>
+                                  <p:childTnLst>
+                                    <p:animEffect transition="out" filter="fade">
+                                      <p:cBhvr>
+                                        <p:cTn id="73" dur="500"/>
+                                        <p:tgtEl>
+                                          <p:spTgt spid="13"/>
+                                        </p:tgtEl>
+                                      </p:cBhvr>
+                                    </p:animEffect>
+                                    <p:set>
+                                      <p:cBhvr>
+                                        <p:cTn id="74" dur="1" fill="hold">
+                                          <p:stCondLst>
+                                            <p:cond delay="499"/>
+                                          </p:stCondLst>
+                                        </p:cTn>
+                                        <p:tgtEl>
+                                          <p:spTgt spid="13"/>
+                                        </p:tgtEl>
+                                        <p:attrNameLst>
+                                          <p:attrName>style.visibility</p:attrName>
+                                        </p:attrNameLst>
+                                      </p:cBhvr>
+                                      <p:to>
+                                        <p:strVal val="hidden"/>
+                                      </p:to>
+                                    </p:set>
+                                  </p:childTnLst>
+                                </p:cTn>
+                              </p:par>
+                              <p:par>
+                                <p:cTn id="75" presetID="10" presetClass="exit" presetSubtype="0" fill="hold" grpId="1" nodeType="withEffect">
+                                  <p:stCondLst>
+                                    <p:cond delay="0"/>
+                                  </p:stCondLst>
+                                  <p:childTnLst>
+                                    <p:animEffect transition="out" filter="fade">
+                                      <p:cBhvr>
+                                        <p:cTn id="76" dur="500"/>
+                                        <p:tgtEl>
+                                          <p:spTgt spid="19"/>
+                                        </p:tgtEl>
+                                      </p:cBhvr>
+                                    </p:animEffect>
+                                    <p:set>
+                                      <p:cBhvr>
+                                        <p:cTn id="77" dur="1" fill="hold">
+                                          <p:stCondLst>
+                                            <p:cond delay="499"/>
+                                          </p:stCondLst>
+                                        </p:cTn>
+                                        <p:tgtEl>
+                                          <p:spTgt spid="19"/>
+                                        </p:tgtEl>
+                                        <p:attrNameLst>
+                                          <p:attrName>style.visibility</p:attrName>
+                                        </p:attrNameLst>
+                                      </p:cBhvr>
+                                      <p:to>
+                                        <p:strVal val="hidden"/>
+                                      </p:to>
+                                    </p:set>
+                                  </p:childTnLst>
+                                </p:cTn>
+                              </p:par>
+                              <p:par>
+                                <p:cTn id="78" presetID="10" presetClass="exit" presetSubtype="0" fill="hold" grpId="1" nodeType="withEffect">
+                                  <p:stCondLst>
+                                    <p:cond delay="0"/>
+                                  </p:stCondLst>
+                                  <p:childTnLst>
+                                    <p:animEffect transition="out" filter="fade">
+                                      <p:cBhvr>
+                                        <p:cTn id="79" dur="500"/>
+                                        <p:tgtEl>
+                                          <p:spTgt spid="14"/>
+                                        </p:tgtEl>
+                                      </p:cBhvr>
+                                    </p:animEffect>
+                                    <p:set>
+                                      <p:cBhvr>
+                                        <p:cTn id="80" dur="1" fill="hold">
+                                          <p:stCondLst>
+                                            <p:cond delay="499"/>
+                                          </p:stCondLst>
+                                        </p:cTn>
+                                        <p:tgtEl>
+                                          <p:spTgt spid="14"/>
+                                        </p:tgtEl>
+                                        <p:attrNameLst>
+                                          <p:attrName>style.visibility</p:attrName>
+                                        </p:attrNameLst>
+                                      </p:cBhvr>
+                                      <p:to>
+                                        <p:strVal val="hidden"/>
+                                      </p:to>
+                                    </p:set>
+                                  </p:childTnLst>
+                                </p:cTn>
+                              </p:par>
+                              <p:par>
+                                <p:cTn id="81" presetID="10" presetClass="exit" presetSubtype="0" fill="hold" grpId="1" nodeType="withEffect">
+                                  <p:stCondLst>
+                                    <p:cond delay="0"/>
+                                  </p:stCondLst>
+                                  <p:childTnLst>
+                                    <p:animEffect transition="out" filter="fade">
+                                      <p:cBhvr>
+                                        <p:cTn id="82" dur="500"/>
+                                        <p:tgtEl>
+                                          <p:spTgt spid="21"/>
+                                        </p:tgtEl>
+                                      </p:cBhvr>
+                                    </p:animEffect>
+                                    <p:set>
+                                      <p:cBhvr>
+                                        <p:cTn id="83" dur="1" fill="hold">
+                                          <p:stCondLst>
+                                            <p:cond delay="499"/>
+                                          </p:stCondLst>
+                                        </p:cTn>
+                                        <p:tgtEl>
+                                          <p:spTgt spid="21"/>
+                                        </p:tgtEl>
+                                        <p:attrNameLst>
+                                          <p:attrName>style.visibility</p:attrName>
+                                        </p:attrNameLst>
+                                      </p:cBhvr>
+                                      <p:to>
+                                        <p:strVal val="hidden"/>
+                                      </p:to>
+                                    </p:set>
+                                  </p:childTnLst>
+                                </p:cTn>
+                              </p:par>
+                              <p:par>
+                                <p:cTn id="84" presetID="10" presetClass="exit" presetSubtype="0" fill="hold" grpId="1" nodeType="withEffect">
+                                  <p:stCondLst>
+                                    <p:cond delay="0"/>
+                                  </p:stCondLst>
+                                  <p:childTnLst>
+                                    <p:animEffect transition="out" filter="fade">
+                                      <p:cBhvr>
+                                        <p:cTn id="85" dur="500"/>
+                                        <p:tgtEl>
+                                          <p:spTgt spid="15"/>
+                                        </p:tgtEl>
+                                      </p:cBhvr>
+                                    </p:animEffect>
+                                    <p:set>
+                                      <p:cBhvr>
+                                        <p:cTn id="86" dur="1" fill="hold">
+                                          <p:stCondLst>
+                                            <p:cond delay="499"/>
+                                          </p:stCondLst>
+                                        </p:cTn>
+                                        <p:tgtEl>
+                                          <p:spTgt spid="15"/>
+                                        </p:tgtEl>
+                                        <p:attrNameLst>
+                                          <p:attrName>style.visibility</p:attrName>
+                                        </p:attrNameLst>
+                                      </p:cBhvr>
+                                      <p:to>
+                                        <p:strVal val="hidden"/>
+                                      </p:to>
+                                    </p:set>
+                                  </p:childTnLst>
+                                </p:cTn>
+                              </p:par>
+                            </p:childTnLst>
+                          </p:cTn>
+                        </p:par>
+                      </p:childTnLst>
+                    </p:cTn>
+                  </p:par>
+                </p:childTnLst>
+              </p:cTn>
+              <p:prevCondLst>
+                <p:cond evt="onPrev" delay="0">
+                  <p:tgtEl>
+                    <p:sldTgt/>
+                  </p:tgtEl>
+                </p:cond>
+              </p:prevCondLst>
+              <p:nextCondLst>
+                <p:cond evt="onNext" delay="0">
+                  <p:tgtEl>
+                    <p:sldTgt/>
+                  </p:tgtEl>
+                </p:cond>
+              </p:nextCondLst>
+            </p:seq>
+          </p:childTnLst>
+        </p:cTn>
+      </p:par>
+    </p:tnLst>
+    <p:bldLst>
+      <p:bldP spid="11" grpId="0" animBg="1"/>
+      <p:bldP spid="11" grpId="1" animBg="1"/>
+      <p:bldP spid="12" grpId="0" animBg="1"/>
+      <p:bldP spid="12" grpId="1" animBg="1"/>
+      <p:bldP spid="13" grpId="0" animBg="1"/>
+      <p:bldP spid="13" grpId="1" animBg="1"/>
+      <p:bldP spid="19" grpId="0" animBg="1"/>
+      <p:bldP spid="19" grpId="1" animBg="1"/>
+      <p:bldP spid="14" grpId="0" animBg="1"/>
+      <p:bldP spid="14" grpId="1" animBg="1"/>
+      <p:bldP spid="21" grpId="0" animBg="1"/>
+      <p:bldP spid="21" grpId="1" animBg="1"/>
+      <p:bldP spid="15" grpId="0" animBg="1"/>
+      <p:bldP spid="15" grpId="1" animBg="1"/>
+    </p:bldLst>
+  </p:timing>
+</p:sld>
+</file>
+
+<file path=ppt/slides/slide5.xml><?xml version="1.0" encoding="utf-8"?>
+<p:sld xmlns:a="http://schemas.openxmlformats.org/drawingml/2006/main" xmlns:r="http://schemas.openxmlformats.org/officeDocument/2006/relationships" xmlns:p="http://schemas.openxmlformats.org/presentationml/2006/main">
+  <p:cSld>
+    <p:spTree>
+      <p:nvGrpSpPr>
+        <p:cNvPr id="1" name=""/>
+        <p:cNvGrpSpPr/>
+        <p:nvPr/>
+      </p:nvGrpSpPr>
+      <p:grpSpPr>
+        <a:xfrm>
+          <a:off x="0" y="0"/>
+          <a:ext cx="0" cy="0"/>
+          <a:chOff x="0" y="0"/>
+          <a:chExt cx="0" cy="0"/>
+        </a:xfrm>
+      </p:grpSpPr>
+      <p:pic>
+        <p:nvPicPr>
+          <p:cNvPr id="2050" name="Picture 2"/>
+          <p:cNvPicPr>
+            <a:picLocks noChangeAspect="1" noChangeArrowheads="1"/>
+          </p:cNvPicPr>
+          <p:nvPr/>
+        </p:nvPicPr>
+        <p:blipFill>
+          <a:blip r:embed="rId2">
+            <a:extLst>
+              <a:ext uri="{28A0092B-C50C-407E-A947-70E740481C1C}">
+                <a14:useLocalDpi xmlns:a14="http://schemas.microsoft.com/office/drawing/2010/main" val="0"/>
+              </a:ext>
+            </a:extLst>
+          </a:blip>
+          <a:srcRect/>
+          <a:stretch>
+            <a:fillRect/>
+          </a:stretch>
+        </p:blipFill>
+        <p:spPr bwMode="auto">
+          <a:xfrm>
+            <a:off x="4965511" y="1667873"/>
+            <a:ext cx="3429000" cy="1290498"/>
+          </a:xfrm>
+          <a:prstGeom prst="rect">
+            <a:avLst/>
+          </a:prstGeom>
+          <a:noFill/>
+          <a:ln>
+            <a:noFill/>
+          </a:ln>
+          <a:extLst>
+            <a:ext uri="{909E8E84-426E-40DD-AFC4-6F175D3DCCD1}">
+              <a14:hiddenFill xmlns:a14="http://schemas.microsoft.com/office/drawing/2010/main">
+                <a:solidFill>
+                  <a:schemeClr val="accent1"/>
+                </a:solidFill>
+              </a14:hiddenFill>
+            </a:ext>
+            <a:ext uri="{91240B29-F687-4F45-9708-019B960494DF}">
+              <a14:hiddenLine xmlns:a14="http://schemas.microsoft.com/office/drawing/2010/main" w="9525">
+                <a:solidFill>
+                  <a:schemeClr val="tx1"/>
+                </a:solidFill>
+                <a:miter lim="800000"/>
+                <a:headEnd/>
+                <a:tailEnd/>
+              </a14:hiddenLine>
+            </a:ext>
+          </a:extLst>
+        </p:spPr>
+      </p:pic>
+      <p:sp>
+        <p:nvSpPr>
+          <p:cNvPr id="6" name="TextBox 5"/>
+          <p:cNvSpPr txBox="1"/>
+          <p:nvPr/>
+        </p:nvSpPr>
+        <p:spPr>
+          <a:xfrm>
+            <a:off x="5224819" y="1882964"/>
+            <a:ext cx="609600" cy="369332"/>
+          </a:xfrm>
+          <a:prstGeom prst="rect">
+            <a:avLst/>
+          </a:prstGeom>
+          <a:ln>
+            <a:solidFill>
+              <a:schemeClr val="tx1"/>
+            </a:solidFill>
+          </a:ln>
+        </p:spPr>
+        <p:style>
+          <a:lnRef idx="2">
+            <a:schemeClr val="accent5"/>
+          </a:lnRef>
+          <a:fillRef idx="1">
+            <a:schemeClr val="lt1"/>
+          </a:fillRef>
+          <a:effectRef idx="0">
+            <a:schemeClr val="accent5"/>
+          </a:effectRef>
+          <a:fontRef idx="minor">
+            <a:schemeClr val="dk1"/>
+          </a:fontRef>
+        </p:style>
+        <p:txBody>
+          <a:bodyPr wrap="square" rtlCol="0">
+            <a:spAutoFit/>
+          </a:bodyPr>
+          <a:lstStyle/>
+          <a:p>
+            <a:r>
+              <a:rPr lang="en-US" dirty="0" smtClean="0"/>
+              <a:t>Why</a:t>
+            </a:r>
+            <a:endParaRPr lang="en-US" dirty="0"/>
+          </a:p>
+        </p:txBody>
+      </p:sp>
+      <p:sp>
+        <p:nvSpPr>
+          <p:cNvPr id="7" name="TextBox 6"/>
+          <p:cNvSpPr txBox="1"/>
+          <p:nvPr/>
+        </p:nvSpPr>
+        <p:spPr>
+          <a:xfrm>
+            <a:off x="5962935" y="1882369"/>
+            <a:ext cx="717076" cy="369332"/>
+          </a:xfrm>
+          <a:prstGeom prst="rect">
+            <a:avLst/>
+          </a:prstGeom>
+        </p:spPr>
+        <p:style>
+          <a:lnRef idx="2">
+            <a:schemeClr val="dk1"/>
+          </a:lnRef>
+          <a:fillRef idx="1">
+            <a:schemeClr val="lt1"/>
+          </a:fillRef>
+          <a:effectRef idx="0">
+            <a:schemeClr val="dk1"/>
+          </a:effectRef>
+          <a:fontRef idx="minor">
+            <a:schemeClr val="dk1"/>
+          </a:fontRef>
+        </p:style>
+        <p:txBody>
+          <a:bodyPr wrap="square" rtlCol="0">
+            <a:spAutoFit/>
+          </a:bodyPr>
+          <a:lstStyle/>
+          <a:p>
+            <a:r>
+              <a:rPr lang="en-US" dirty="0" smtClean="0"/>
+              <a:t>Don’t</a:t>
+            </a:r>
+            <a:endParaRPr lang="en-US" dirty="0"/>
+          </a:p>
+        </p:txBody>
+      </p:sp>
+      <p:pic>
+        <p:nvPicPr>
+          <p:cNvPr id="2" name="Picture 3" descr="D:\Zeyad\trash\SRS Material\3.PNG"/>
+          <p:cNvPicPr>
+            <a:picLocks noChangeAspect="1" noChangeArrowheads="1"/>
+          </p:cNvPicPr>
+          <p:nvPr/>
+        </p:nvPicPr>
+        <p:blipFill>
+          <a:blip r:embed="rId3">
+            <a:extLst>
+              <a:ext uri="{28A0092B-C50C-407E-A947-70E740481C1C}">
+                <a14:useLocalDpi xmlns:a14="http://schemas.microsoft.com/office/drawing/2010/main" val="0"/>
+              </a:ext>
+            </a:extLst>
+          </a:blip>
+          <a:srcRect/>
+          <a:stretch>
+            <a:fillRect/>
+          </a:stretch>
+        </p:blipFill>
+        <p:spPr bwMode="auto">
+          <a:xfrm>
+            <a:off x="289870" y="2821727"/>
+            <a:ext cx="3243903" cy="975897"/>
+          </a:xfrm>
+          <a:prstGeom prst="rect">
+            <a:avLst/>
+          </a:prstGeom>
+          <a:noFill/>
+          <a:extLst>
+            <a:ext uri="{909E8E84-426E-40DD-AFC4-6F175D3DCCD1}">
+              <a14:hiddenFill xmlns:a14="http://schemas.microsoft.com/office/drawing/2010/main">
+                <a:solidFill>
+                  <a:srgbClr val="FFFFFF"/>
+                </a:solidFill>
+              </a14:hiddenFill>
+            </a:ext>
+          </a:extLst>
+        </p:spPr>
+      </p:pic>
+      <p:pic>
+        <p:nvPicPr>
+          <p:cNvPr id="3" name="Picture 4" descr="D:\Zeyad\trash\SRS Material\1.PNG"/>
+          <p:cNvPicPr>
+            <a:picLocks noChangeAspect="1" noChangeArrowheads="1"/>
+          </p:cNvPicPr>
+          <p:nvPr/>
+        </p:nvPicPr>
+        <p:blipFill>
+          <a:blip r:embed="rId4">
+            <a:extLst>
+              <a:ext uri="{28A0092B-C50C-407E-A947-70E740481C1C}">
+                <a14:useLocalDpi xmlns:a14="http://schemas.microsoft.com/office/drawing/2010/main" val="0"/>
+              </a:ext>
+            </a:extLst>
+          </a:blip>
+          <a:srcRect/>
+          <a:stretch>
+            <a:fillRect/>
+          </a:stretch>
+        </p:blipFill>
+        <p:spPr bwMode="auto">
+          <a:xfrm>
+            <a:off x="152400" y="990600"/>
+            <a:ext cx="3243903" cy="892364"/>
+          </a:xfrm>
+          <a:prstGeom prst="rect">
+            <a:avLst/>
+          </a:prstGeom>
+          <a:noFill/>
+          <a:extLst>
+            <a:ext uri="{909E8E84-426E-40DD-AFC4-6F175D3DCCD1}">
+              <a14:hiddenFill xmlns:a14="http://schemas.microsoft.com/office/drawing/2010/main">
+                <a:solidFill>
+                  <a:srgbClr val="FFFFFF"/>
+                </a:solidFill>
+              </a14:hiddenFill>
+            </a:ext>
+          </a:extLst>
+        </p:spPr>
+      </p:pic>
+      <p:pic>
+        <p:nvPicPr>
+          <p:cNvPr id="4" name="Picture 5" descr="D:\Zeyad\trash\SRS Material\2.PNG"/>
+          <p:cNvPicPr>
+            <a:picLocks noChangeAspect="1" noChangeArrowheads="1"/>
+          </p:cNvPicPr>
+          <p:nvPr/>
+        </p:nvPicPr>
+        <p:blipFill>
+          <a:blip r:embed="rId5">
+            <a:extLst>
+              <a:ext uri="{28A0092B-C50C-407E-A947-70E740481C1C}">
+                <a14:useLocalDpi xmlns:a14="http://schemas.microsoft.com/office/drawing/2010/main" val="0"/>
+              </a:ext>
+            </a:extLst>
+          </a:blip>
+          <a:srcRect/>
+          <a:stretch>
+            <a:fillRect/>
+          </a:stretch>
+        </p:blipFill>
+        <p:spPr bwMode="auto">
+          <a:xfrm>
+            <a:off x="0" y="1882964"/>
+            <a:ext cx="3886200" cy="919376"/>
+          </a:xfrm>
+          <a:prstGeom prst="rect">
+            <a:avLst/>
+          </a:prstGeom>
+          <a:noFill/>
+          <a:extLst>
+            <a:ext uri="{909E8E84-426E-40DD-AFC4-6F175D3DCCD1}">
+              <a14:hiddenFill xmlns:a14="http://schemas.microsoft.com/office/drawing/2010/main">
+                <a:solidFill>
+                  <a:srgbClr val="FFFFFF"/>
+                </a:solidFill>
+              </a14:hiddenFill>
+            </a:ext>
+          </a:extLst>
+        </p:spPr>
+      </p:pic>
+      <p:sp>
+        <p:nvSpPr>
+          <p:cNvPr id="5" name="Right Arrow 4"/>
+          <p:cNvSpPr/>
+          <p:nvPr/>
+        </p:nvSpPr>
+        <p:spPr>
+          <a:xfrm>
+            <a:off x="3962400" y="2114052"/>
+            <a:ext cx="1066800" cy="457200"/>
+          </a:xfrm>
+          <a:prstGeom prst="rightArrow">
+            <a:avLst/>
+          </a:prstGeom>
+        </p:spPr>
+        <p:style>
+          <a:lnRef idx="2">
+            <a:schemeClr val="dk1">
+              <a:shade val="50000"/>
+            </a:schemeClr>
+          </a:lnRef>
+          <a:fillRef idx="1">
+            <a:schemeClr val="dk1"/>
+          </a:fillRef>
+          <a:effectRef idx="0">
+            <a:schemeClr val="dk1"/>
+          </a:effectRef>
+          <a:fontRef idx="minor">
+            <a:schemeClr val="lt1"/>
+          </a:fontRef>
+        </p:style>
+        <p:txBody>
+          <a:bodyPr rtlCol="0" anchor="ctr"/>
+          <a:lstStyle/>
+          <a:p>
+            <a:pPr algn="ctr"/>
+            <a:endParaRPr lang="en-US"/>
+          </a:p>
+        </p:txBody>
+      </p:sp>
+      <p:sp>
+        <p:nvSpPr>
+          <p:cNvPr id="9" name="TextBox 8"/>
+          <p:cNvSpPr txBox="1"/>
+          <p:nvPr/>
+        </p:nvSpPr>
+        <p:spPr>
+          <a:xfrm>
+            <a:off x="6858000" y="1889187"/>
+            <a:ext cx="762000" cy="369332"/>
+          </a:xfrm>
+          <a:prstGeom prst="rect">
+            <a:avLst/>
+          </a:prstGeom>
+        </p:spPr>
+        <p:style>
+          <a:lnRef idx="2">
+            <a:schemeClr val="accent6"/>
+          </a:lnRef>
+          <a:fillRef idx="1">
+            <a:schemeClr val="lt1"/>
+          </a:fillRef>
+          <a:effectRef idx="0">
+            <a:schemeClr val="accent6"/>
+          </a:effectRef>
+          <a:fontRef idx="minor">
+            <a:schemeClr val="dk1"/>
+          </a:fontRef>
+        </p:style>
+        <p:txBody>
+          <a:bodyPr wrap="square" rtlCol="0">
+            <a:spAutoFit/>
+          </a:bodyPr>
+          <a:lstStyle/>
+          <a:p>
+            <a:r>
+              <a:rPr lang="en-US" dirty="0" smtClean="0"/>
+              <a:t>you</a:t>
+            </a:r>
+            <a:endParaRPr lang="en-US" dirty="0"/>
+          </a:p>
+        </p:txBody>
+      </p:sp>
+      <p:sp>
+        <p:nvSpPr>
+          <p:cNvPr id="10" name="TextBox 9"/>
+          <p:cNvSpPr txBox="1"/>
+          <p:nvPr/>
+        </p:nvSpPr>
+        <p:spPr>
+          <a:xfrm>
+            <a:off x="5509148" y="2346359"/>
+            <a:ext cx="433316" cy="369332"/>
+          </a:xfrm>
+          <a:prstGeom prst="rect">
+            <a:avLst/>
+          </a:prstGeom>
+        </p:spPr>
+        <p:style>
+          <a:lnRef idx="2">
+            <a:schemeClr val="dk1"/>
+          </a:lnRef>
+          <a:fillRef idx="1">
+            <a:schemeClr val="lt1"/>
+          </a:fillRef>
+          <a:effectRef idx="0">
+            <a:schemeClr val="dk1"/>
+          </a:effectRef>
+          <a:fontRef idx="minor">
+            <a:schemeClr val="dk1"/>
+          </a:fontRef>
+        </p:style>
+        <p:txBody>
+          <a:bodyPr wrap="square" rtlCol="0">
+            <a:spAutoFit/>
+          </a:bodyPr>
+          <a:lstStyle/>
+          <a:p>
+            <a:r>
+              <a:rPr lang="en-US" dirty="0" smtClean="0"/>
+              <a:t>go</a:t>
+            </a:r>
+            <a:endParaRPr lang="en-US" dirty="0"/>
+          </a:p>
+        </p:txBody>
+      </p:sp>
+      <p:sp>
+        <p:nvSpPr>
+          <p:cNvPr id="11" name="TextBox 10"/>
+          <p:cNvSpPr txBox="1"/>
+          <p:nvPr/>
+        </p:nvSpPr>
+        <p:spPr>
+          <a:xfrm>
+            <a:off x="6172200" y="2346359"/>
+            <a:ext cx="914400" cy="369332"/>
+          </a:xfrm>
+          <a:prstGeom prst="rect">
+            <a:avLst/>
+          </a:prstGeom>
+          <a:ln>
+            <a:solidFill>
+              <a:srgbClr val="FF0000"/>
+            </a:solidFill>
+          </a:ln>
+        </p:spPr>
+        <p:style>
+          <a:lnRef idx="2">
+            <a:schemeClr val="accent6"/>
+          </a:lnRef>
+          <a:fillRef idx="1">
+            <a:schemeClr val="lt1"/>
+          </a:fillRef>
+          <a:effectRef idx="0">
+            <a:schemeClr val="accent6"/>
+          </a:effectRef>
+          <a:fontRef idx="minor">
+            <a:schemeClr val="dk1"/>
+          </a:fontRef>
+        </p:style>
+        <p:txBody>
+          <a:bodyPr wrap="square" rtlCol="0">
+            <a:spAutoFit/>
+          </a:bodyPr>
+          <a:lstStyle/>
+          <a:p>
+            <a:r>
+              <a:rPr lang="en-US" dirty="0" smtClean="0"/>
+              <a:t>kys</a:t>
+            </a:r>
+            <a:endParaRPr lang="en-US" dirty="0"/>
+          </a:p>
+        </p:txBody>
+      </p:sp>
+      <p:sp>
+        <p:nvSpPr>
+          <p:cNvPr id="13" name="Right Arrow 12"/>
+          <p:cNvSpPr/>
+          <p:nvPr/>
+        </p:nvSpPr>
+        <p:spPr>
+          <a:xfrm rot="5400000">
+            <a:off x="5537011" y="3401491"/>
+            <a:ext cx="1828800" cy="457200"/>
+          </a:xfrm>
+          <a:prstGeom prst="rightArrow">
+            <a:avLst/>
+          </a:prstGeom>
+        </p:spPr>
+        <p:style>
+          <a:lnRef idx="2">
+            <a:schemeClr val="dk1">
+              <a:shade val="50000"/>
+            </a:schemeClr>
+          </a:lnRef>
+          <a:fillRef idx="1">
+            <a:schemeClr val="dk1"/>
+          </a:fillRef>
+          <a:effectRef idx="0">
+            <a:schemeClr val="dk1"/>
+          </a:effectRef>
+          <a:fontRef idx="minor">
+            <a:schemeClr val="lt1"/>
+          </a:fontRef>
+        </p:style>
+        <p:txBody>
+          <a:bodyPr rtlCol="0" anchor="ctr"/>
+          <a:lstStyle/>
+          <a:p>
+            <a:pPr algn="ctr"/>
+            <a:endParaRPr lang="en-US"/>
+          </a:p>
+        </p:txBody>
+      </p:sp>
+      <p:sp>
+        <p:nvSpPr>
+          <p:cNvPr id="12" name="TextBox 11"/>
+          <p:cNvSpPr txBox="1"/>
+          <p:nvPr/>
+        </p:nvSpPr>
+        <p:spPr>
+          <a:xfrm>
+            <a:off x="4267200" y="4544491"/>
+            <a:ext cx="4343400" cy="923330"/>
+          </a:xfrm>
+          <a:prstGeom prst="rect">
+            <a:avLst/>
+          </a:prstGeom>
+          <a:ln>
+            <a:solidFill>
+              <a:srgbClr val="FF0000"/>
+            </a:solidFill>
+          </a:ln>
+        </p:spPr>
+        <p:style>
+          <a:lnRef idx="2">
+            <a:schemeClr val="accent6"/>
+          </a:lnRef>
+          <a:fillRef idx="1">
+            <a:schemeClr val="lt1"/>
+          </a:fillRef>
+          <a:effectRef idx="0">
+            <a:schemeClr val="accent6"/>
+          </a:effectRef>
+          <a:fontRef idx="minor">
+            <a:schemeClr val="dk1"/>
+          </a:fontRef>
+        </p:style>
+        <p:txBody>
+          <a:bodyPr wrap="square" rtlCol="0">
+            <a:spAutoFit/>
+          </a:bodyPr>
+          <a:lstStyle/>
+          <a:p>
+            <a:r>
+              <a:rPr lang="en-US" dirty="0" smtClean="0"/>
+              <a:t>Kys is a slang word which stand for kill yourself also considered as a cyberbullying sample</a:t>
+            </a:r>
+            <a:endParaRPr lang="en-US" dirty="0"/>
+          </a:p>
+        </p:txBody>
+      </p:sp>
+    </p:spTree>
+    <p:extLst>
+      <p:ext uri="{BB962C8B-B14F-4D97-AF65-F5344CB8AC3E}">
+        <p14:creationId xmlns:p14="http://schemas.microsoft.com/office/powerpoint/2010/main" val="3470821080"/>
+      </p:ext>
+    </p:extLst>
+  </p:cSld>
+  <p:clrMapOvr>
+    <a:masterClrMapping/>
+  </p:clrMapOvr>
+  <p:timing>
+    <p:tnLst>
+      <p:par>
+        <p:cTn id="1" dur="indefinite" restart="never" nodeType="tmRoot">
+          <p:childTnLst>
+            <p:seq concurrent="1" nextAc="seek">
+              <p:cTn id="2" dur="indefinite" nodeType="mainSeq">
+                <p:childTnLst>
+                  <p:par>
+                    <p:cTn id="3" fill="hold">
+                      <p:stCondLst>
+                        <p:cond delay="indefinite"/>
+                      </p:stCondLst>
+                      <p:childTnLst>
+                        <p:par>
+                          <p:cTn id="4" fill="hold">
+                            <p:stCondLst>
+                              <p:cond delay="0"/>
+                            </p:stCondLst>
+                            <p:childTnLst>
+                              <p:par>
+                                <p:cTn id="5" presetID="10" presetClass="entr" presetSubtype="0" fill="hold" grpId="0" nodeType="clickEffect">
+                                  <p:stCondLst>
+                                    <p:cond delay="0"/>
+                                  </p:stCondLst>
+                                  <p:childTnLst>
+                                    <p:set>
+                                      <p:cBhvr>
+                                        <p:cTn id="6" dur="1" fill="hold">
+                                          <p:stCondLst>
+                                            <p:cond delay="0"/>
+                                          </p:stCondLst>
+                                        </p:cTn>
+                                        <p:tgtEl>
+                                          <p:spTgt spid="5"/>
+                                        </p:tgtEl>
+                                        <p:attrNameLst>
+                                          <p:attrName>style.visibility</p:attrName>
+                                        </p:attrNameLst>
+                                      </p:cBhvr>
+                                      <p:to>
+                                        <p:strVal val="visible"/>
+                                      </p:to>
+                                    </p:set>
+                                    <p:animEffect transition="in" filter="fade">
+                                      <p:cBhvr>
+                                        <p:cTn id="7" dur="500"/>
+                                        <p:tgtEl>
+                                          <p:spTgt spid="5"/>
+                                        </p:tgtEl>
+                                      </p:cBhvr>
+                                    </p:animEffect>
+                                  </p:childTnLst>
+                                </p:cTn>
+                              </p:par>
+                            </p:childTnLst>
+                          </p:cTn>
+                        </p:par>
+                      </p:childTnLst>
+                    </p:cTn>
+                  </p:par>
+                  <p:par>
+                    <p:cTn id="8" fill="hold">
+                      <p:stCondLst>
+                        <p:cond delay="indefinite"/>
+                      </p:stCondLst>
+                      <p:childTnLst>
+                        <p:par>
+                          <p:cTn id="9" fill="hold">
+                            <p:stCondLst>
+                              <p:cond delay="0"/>
+                            </p:stCondLst>
+                            <p:childTnLst>
+                              <p:par>
+                                <p:cTn id="10" presetID="16" presetClass="entr" presetSubtype="37" fill="hold" nodeType="clickEffect">
+                                  <p:stCondLst>
+                                    <p:cond delay="0"/>
+                                  </p:stCondLst>
+                                  <p:childTnLst>
+                                    <p:set>
+                                      <p:cBhvr>
+                                        <p:cTn id="11" dur="1" fill="hold">
+                                          <p:stCondLst>
+                                            <p:cond delay="0"/>
+                                          </p:stCondLst>
+                                        </p:cTn>
+                                        <p:tgtEl>
+                                          <p:spTgt spid="2050"/>
+                                        </p:tgtEl>
+                                        <p:attrNameLst>
+                                          <p:attrName>style.visibility</p:attrName>
+                                        </p:attrNameLst>
+                                      </p:cBhvr>
+                                      <p:to>
+                                        <p:strVal val="visible"/>
+                                      </p:to>
+                                    </p:set>
+                                    <p:animEffect transition="in" filter="barn(outVertical)">
+                                      <p:cBhvr>
+                                        <p:cTn id="12" dur="500"/>
+                                        <p:tgtEl>
+                                          <p:spTgt spid="2050"/>
+                                        </p:tgtEl>
+                                      </p:cBhvr>
+                                    </p:animEffect>
+                                  </p:childTnLst>
+                                </p:cTn>
+                              </p:par>
+                            </p:childTnLst>
+                          </p:cTn>
+                        </p:par>
+                      </p:childTnLst>
+                    </p:cTn>
+                  </p:par>
+                  <p:par>
+                    <p:cTn id="13" fill="hold">
+                      <p:stCondLst>
+                        <p:cond delay="indefinite"/>
+                      </p:stCondLst>
+                      <p:childTnLst>
+                        <p:par>
+                          <p:cTn id="14" fill="hold">
+                            <p:stCondLst>
+                              <p:cond delay="0"/>
+                            </p:stCondLst>
+                            <p:childTnLst>
+                              <p:par>
+                                <p:cTn id="15" presetID="10" presetClass="entr" presetSubtype="0" fill="hold" grpId="0" nodeType="clickEffect">
+                                  <p:stCondLst>
+                                    <p:cond delay="0"/>
+                                  </p:stCondLst>
+                                  <p:childTnLst>
+                                    <p:set>
+                                      <p:cBhvr>
+                                        <p:cTn id="16" dur="1" fill="hold">
+                                          <p:stCondLst>
+                                            <p:cond delay="0"/>
+                                          </p:stCondLst>
+                                        </p:cTn>
+                                        <p:tgtEl>
+                                          <p:spTgt spid="6"/>
+                                        </p:tgtEl>
+                                        <p:attrNameLst>
+                                          <p:attrName>style.visibility</p:attrName>
+                                        </p:attrNameLst>
+                                      </p:cBhvr>
+                                      <p:to>
+                                        <p:strVal val="visible"/>
+                                      </p:to>
+                                    </p:set>
+                                    <p:animEffect transition="in" filter="fade">
+                                      <p:cBhvr>
+                                        <p:cTn id="17" dur="500"/>
+                                        <p:tgtEl>
+                                          <p:spTgt spid="6"/>
+                                        </p:tgtEl>
+                                      </p:cBhvr>
+                                    </p:animEffect>
+                                  </p:childTnLst>
+                                </p:cTn>
+                              </p:par>
+                            </p:childTnLst>
+                          </p:cTn>
+                        </p:par>
+                      </p:childTnLst>
+                    </p:cTn>
+                  </p:par>
+                  <p:par>
+                    <p:cTn id="18" fill="hold">
+                      <p:stCondLst>
+                        <p:cond delay="indefinite"/>
+                      </p:stCondLst>
+                      <p:childTnLst>
+                        <p:par>
+                          <p:cTn id="19" fill="hold">
+                            <p:stCondLst>
+                              <p:cond delay="0"/>
+                            </p:stCondLst>
+                            <p:childTnLst>
+                              <p:par>
+                                <p:cTn id="20" presetID="10" presetClass="entr" presetSubtype="0" fill="hold" grpId="0" nodeType="clickEffect">
+                                  <p:stCondLst>
+                                    <p:cond delay="0"/>
+                                  </p:stCondLst>
+                                  <p:childTnLst>
+                                    <p:set>
+                                      <p:cBhvr>
+                                        <p:cTn id="21" dur="1" fill="hold">
+                                          <p:stCondLst>
+                                            <p:cond delay="0"/>
+                                          </p:stCondLst>
+                                        </p:cTn>
+                                        <p:tgtEl>
+                                          <p:spTgt spid="7"/>
+                                        </p:tgtEl>
+                                        <p:attrNameLst>
+                                          <p:attrName>style.visibility</p:attrName>
+                                        </p:attrNameLst>
+                                      </p:cBhvr>
+                                      <p:to>
+                                        <p:strVal val="visible"/>
+                                      </p:to>
+                                    </p:set>
+                                    <p:animEffect transition="in" filter="fade">
+                                      <p:cBhvr>
+                                        <p:cTn id="22" dur="500"/>
+                                        <p:tgtEl>
+                                          <p:spTgt spid="7"/>
+                                        </p:tgtEl>
+                                      </p:cBhvr>
+                                    </p:animEffect>
+                                  </p:childTnLst>
+                                </p:cTn>
+                              </p:par>
+                            </p:childTnLst>
+                          </p:cTn>
+                        </p:par>
+                      </p:childTnLst>
+                    </p:cTn>
+                  </p:par>
+                  <p:par>
+                    <p:cTn id="23" fill="hold">
+                      <p:stCondLst>
+                        <p:cond delay="indefinite"/>
+                      </p:stCondLst>
+                      <p:childTnLst>
+                        <p:par>
+                          <p:cTn id="24" fill="hold">
+                            <p:stCondLst>
+                              <p:cond delay="0"/>
+                            </p:stCondLst>
+                            <p:childTnLst>
+                              <p:par>
+                                <p:cTn id="25" presetID="10" presetClass="entr" presetSubtype="0" fill="hold" grpId="0" nodeType="clickEffect">
+                                  <p:stCondLst>
+                                    <p:cond delay="0"/>
+                                  </p:stCondLst>
+                                  <p:childTnLst>
+                                    <p:set>
+                                      <p:cBhvr>
+                                        <p:cTn id="26" dur="1" fill="hold">
+                                          <p:stCondLst>
+                                            <p:cond delay="0"/>
+                                          </p:stCondLst>
+                                        </p:cTn>
+                                        <p:tgtEl>
+                                          <p:spTgt spid="9"/>
+                                        </p:tgtEl>
+                                        <p:attrNameLst>
+                                          <p:attrName>style.visibility</p:attrName>
+                                        </p:attrNameLst>
+                                      </p:cBhvr>
+                                      <p:to>
+                                        <p:strVal val="visible"/>
+                                      </p:to>
+                                    </p:set>
+                                    <p:animEffect transition="in" filter="fade">
+                                      <p:cBhvr>
+                                        <p:cTn id="27" dur="500"/>
+                                        <p:tgtEl>
+                                          <p:spTgt spid="9"/>
+                                        </p:tgtEl>
+                                      </p:cBhvr>
+                                    </p:animEffect>
+                                  </p:childTnLst>
+                                </p:cTn>
+                              </p:par>
+                            </p:childTnLst>
+                          </p:cTn>
+                        </p:par>
+                      </p:childTnLst>
+                    </p:cTn>
+                  </p:par>
+                  <p:par>
+                    <p:cTn id="28" fill="hold">
+                      <p:stCondLst>
+                        <p:cond delay="indefinite"/>
+                      </p:stCondLst>
+                      <p:childTnLst>
+                        <p:par>
+                          <p:cTn id="29" fill="hold">
+                            <p:stCondLst>
+                              <p:cond delay="0"/>
+                            </p:stCondLst>
+                            <p:childTnLst>
+                              <p:par>
+                                <p:cTn id="30" presetID="10" presetClass="entr" presetSubtype="0" fill="hold" grpId="0" nodeType="clickEffect">
+                                  <p:stCondLst>
+                                    <p:cond delay="0"/>
+                                  </p:stCondLst>
+                                  <p:childTnLst>
+                                    <p:set>
+                                      <p:cBhvr>
+                                        <p:cTn id="31" dur="1" fill="hold">
+                                          <p:stCondLst>
+                                            <p:cond delay="0"/>
+                                          </p:stCondLst>
+                                        </p:cTn>
+                                        <p:tgtEl>
+                                          <p:spTgt spid="10"/>
+                                        </p:tgtEl>
+                                        <p:attrNameLst>
+                                          <p:attrName>style.visibility</p:attrName>
+                                        </p:attrNameLst>
+                                      </p:cBhvr>
+                                      <p:to>
+                                        <p:strVal val="visible"/>
+                                      </p:to>
+                                    </p:set>
+                                    <p:animEffect transition="in" filter="fade">
+                                      <p:cBhvr>
+                                        <p:cTn id="32" dur="500"/>
+                                        <p:tgtEl>
+                                          <p:spTgt spid="10"/>
+                                        </p:tgtEl>
+                                      </p:cBhvr>
+                                    </p:animEffect>
+                                  </p:childTnLst>
+                                </p:cTn>
+                              </p:par>
+                            </p:childTnLst>
+                          </p:cTn>
+                        </p:par>
+                      </p:childTnLst>
+                    </p:cTn>
+                  </p:par>
+                  <p:par>
+                    <p:cTn id="33" fill="hold">
+                      <p:stCondLst>
+                        <p:cond delay="indefinite"/>
+                      </p:stCondLst>
+                      <p:childTnLst>
+                        <p:par>
+                          <p:cTn id="34" fill="hold">
+                            <p:stCondLst>
+                              <p:cond delay="0"/>
+                            </p:stCondLst>
+                            <p:childTnLst>
+                              <p:par>
+                                <p:cTn id="35" presetID="10" presetClass="entr" presetSubtype="0" fill="hold" grpId="0" nodeType="clickEffect">
+                                  <p:stCondLst>
+                                    <p:cond delay="0"/>
+                                  </p:stCondLst>
+                                  <p:childTnLst>
+                                    <p:set>
+                                      <p:cBhvr>
+                                        <p:cTn id="36" dur="1" fill="hold">
+                                          <p:stCondLst>
+                                            <p:cond delay="0"/>
+                                          </p:stCondLst>
+                                        </p:cTn>
+                                        <p:tgtEl>
+                                          <p:spTgt spid="11"/>
+                                        </p:tgtEl>
+                                        <p:attrNameLst>
+                                          <p:attrName>style.visibility</p:attrName>
+                                        </p:attrNameLst>
+                                      </p:cBhvr>
+                                      <p:to>
+                                        <p:strVal val="visible"/>
+                                      </p:to>
+                                    </p:set>
+                                    <p:animEffect transition="in" filter="fade">
+                                      <p:cBhvr>
+                                        <p:cTn id="37" dur="500"/>
+                                        <p:tgtEl>
+                                          <p:spTgt spid="11"/>
+                                        </p:tgtEl>
+                                      </p:cBhvr>
+                                    </p:animEffect>
+                                  </p:childTnLst>
+                                </p:cTn>
+                              </p:par>
+                            </p:childTnLst>
+                          </p:cTn>
+                        </p:par>
+                      </p:childTnLst>
+                    </p:cTn>
+                  </p:par>
+                  <p:par>
+                    <p:cTn id="38" fill="hold">
+                      <p:stCondLst>
+                        <p:cond delay="indefinite"/>
+                      </p:stCondLst>
+                      <p:childTnLst>
+                        <p:par>
+                          <p:cTn id="39" fill="hold">
+                            <p:stCondLst>
+                              <p:cond delay="0"/>
+                            </p:stCondLst>
+                            <p:childTnLst>
+                              <p:par>
+                                <p:cTn id="40" presetID="10" presetClass="entr" presetSubtype="0" fill="hold" grpId="1" nodeType="clickEffect">
+                                  <p:stCondLst>
+                                    <p:cond delay="0"/>
+                                  </p:stCondLst>
+                                  <p:childTnLst>
+                                    <p:set>
+                                      <p:cBhvr>
+                                        <p:cTn id="41" dur="1" fill="hold">
+                                          <p:stCondLst>
+                                            <p:cond delay="0"/>
+                                          </p:stCondLst>
+                                        </p:cTn>
+                                        <p:tgtEl>
+                                          <p:spTgt spid="13"/>
+                                        </p:tgtEl>
+                                        <p:attrNameLst>
+                                          <p:attrName>style.visibility</p:attrName>
+                                        </p:attrNameLst>
+                                      </p:cBhvr>
+                                      <p:to>
+                                        <p:strVal val="visible"/>
+                                      </p:to>
+                                    </p:set>
+                                    <p:animEffect transition="in" filter="fade">
+                                      <p:cBhvr>
+                                        <p:cTn id="42" dur="500"/>
+                                        <p:tgtEl>
+                                          <p:spTgt spid="13"/>
+                                        </p:tgtEl>
+                                      </p:cBhvr>
+                                    </p:animEffect>
+                                  </p:childTnLst>
+                                </p:cTn>
+                              </p:par>
+                            </p:childTnLst>
+                          </p:cTn>
+                        </p:par>
+                      </p:childTnLst>
+                    </p:cTn>
+                  </p:par>
+                  <p:par>
+                    <p:cTn id="43" fill="hold">
+                      <p:stCondLst>
+                        <p:cond delay="indefinite"/>
+                      </p:stCondLst>
+                      <p:childTnLst>
+                        <p:par>
+                          <p:cTn id="44" fill="hold">
+                            <p:stCondLst>
+                              <p:cond delay="0"/>
+                            </p:stCondLst>
+                            <p:childTnLst>
+                              <p:par>
+                                <p:cTn id="45" presetID="10" presetClass="entr" presetSubtype="0" fill="hold" grpId="1" nodeType="clickEffect">
+                                  <p:stCondLst>
+                                    <p:cond delay="0"/>
+                                  </p:stCondLst>
+                                  <p:childTnLst>
+                                    <p:set>
+                                      <p:cBhvr>
+                                        <p:cTn id="46" dur="1" fill="hold">
+                                          <p:stCondLst>
+                                            <p:cond delay="0"/>
+                                          </p:stCondLst>
+                                        </p:cTn>
+                                        <p:tgtEl>
+                                          <p:spTgt spid="12"/>
+                                        </p:tgtEl>
+                                        <p:attrNameLst>
+                                          <p:attrName>style.visibility</p:attrName>
+                                        </p:attrNameLst>
+                                      </p:cBhvr>
+                                      <p:to>
+                                        <p:strVal val="visible"/>
+                                      </p:to>
+                                    </p:set>
+                                    <p:animEffect transition="in" filter="fade">
+                                      <p:cBhvr>
+                                        <p:cTn id="47" dur="500"/>
+                                        <p:tgtEl>
+                                          <p:spTgt spid="12"/>
+                                        </p:tgtEl>
+                                      </p:cBhvr>
+                                    </p:animEffect>
+                                  </p:childTnLst>
+                                </p:cTn>
+                              </p:par>
+                            </p:childTnLst>
+                          </p:cTn>
+                        </p:par>
+                      </p:childTnLst>
+                    </p:cTn>
+                  </p:par>
+                  <p:par>
+                    <p:cTn id="48" fill="hold">
+                      <p:stCondLst>
+                        <p:cond delay="indefinite"/>
+                      </p:stCondLst>
+                      <p:childTnLst>
+                        <p:par>
+                          <p:cTn id="49" fill="hold">
+                            <p:stCondLst>
+                              <p:cond delay="0"/>
+                            </p:stCondLst>
+                            <p:childTnLst>
+                              <p:par>
+                                <p:cTn id="50" presetID="10" presetClass="exit" presetSubtype="0" fill="hold" grpId="1" nodeType="clickEffect">
+                                  <p:stCondLst>
+                                    <p:cond delay="0"/>
+                                  </p:stCondLst>
+                                  <p:childTnLst>
+                                    <p:animEffect transition="out" filter="fade">
+                                      <p:cBhvr>
+                                        <p:cTn id="51" dur="500"/>
+                                        <p:tgtEl>
+                                          <p:spTgt spid="5"/>
+                                        </p:tgtEl>
+                                      </p:cBhvr>
+                                    </p:animEffect>
+                                    <p:set>
+                                      <p:cBhvr>
+                                        <p:cTn id="52" dur="1" fill="hold">
+                                          <p:stCondLst>
+                                            <p:cond delay="499"/>
+                                          </p:stCondLst>
+                                        </p:cTn>
+                                        <p:tgtEl>
+                                          <p:spTgt spid="5"/>
+                                        </p:tgtEl>
+                                        <p:attrNameLst>
+                                          <p:attrName>style.visibility</p:attrName>
+                                        </p:attrNameLst>
+                                      </p:cBhvr>
+                                      <p:to>
+                                        <p:strVal val="hidden"/>
+                                      </p:to>
+                                    </p:set>
+                                  </p:childTnLst>
+                                </p:cTn>
+                              </p:par>
+                              <p:par>
+                                <p:cTn id="53" presetID="10" presetClass="exit" presetSubtype="0" fill="hold" grpId="2" nodeType="withEffect">
+                                  <p:stCondLst>
+                                    <p:cond delay="0"/>
+                                  </p:stCondLst>
+                                  <p:childTnLst>
+                                    <p:animEffect transition="out" filter="fade">
+                                      <p:cBhvr>
+                                        <p:cTn id="54" dur="500"/>
+                                        <p:tgtEl>
+                                          <p:spTgt spid="13"/>
+                                        </p:tgtEl>
+                                      </p:cBhvr>
+                                    </p:animEffect>
+                                    <p:set>
+                                      <p:cBhvr>
+                                        <p:cTn id="55" dur="1" fill="hold">
+                                          <p:stCondLst>
+                                            <p:cond delay="499"/>
+                                          </p:stCondLst>
+                                        </p:cTn>
+                                        <p:tgtEl>
+                                          <p:spTgt spid="13"/>
+                                        </p:tgtEl>
+                                        <p:attrNameLst>
+                                          <p:attrName>style.visibility</p:attrName>
+                                        </p:attrNameLst>
+                                      </p:cBhvr>
+                                      <p:to>
+                                        <p:strVal val="hidden"/>
+                                      </p:to>
+                                    </p:set>
+                                  </p:childTnLst>
+                                </p:cTn>
+                              </p:par>
+                              <p:par>
+                                <p:cTn id="56" presetID="10" presetClass="exit" presetSubtype="0" fill="hold" nodeType="withEffect">
+                                  <p:stCondLst>
+                                    <p:cond delay="0"/>
+                                  </p:stCondLst>
+                                  <p:childTnLst>
+                                    <p:animEffect transition="out" filter="fade">
+                                      <p:cBhvr>
+                                        <p:cTn id="57" dur="500"/>
+                                        <p:tgtEl>
+                                          <p:spTgt spid="2050"/>
+                                        </p:tgtEl>
+                                      </p:cBhvr>
+                                    </p:animEffect>
+                                    <p:set>
+                                      <p:cBhvr>
+                                        <p:cTn id="58" dur="1" fill="hold">
+                                          <p:stCondLst>
+                                            <p:cond delay="499"/>
+                                          </p:stCondLst>
+                                        </p:cTn>
+                                        <p:tgtEl>
+                                          <p:spTgt spid="2050"/>
+                                        </p:tgtEl>
+                                        <p:attrNameLst>
+                                          <p:attrName>style.visibility</p:attrName>
+                                        </p:attrNameLst>
+                                      </p:cBhvr>
+                                      <p:to>
+                                        <p:strVal val="hidden"/>
+                                      </p:to>
+                                    </p:set>
+                                  </p:childTnLst>
+                                </p:cTn>
+                              </p:par>
+                              <p:par>
+                                <p:cTn id="59" presetID="10" presetClass="exit" presetSubtype="0" fill="hold" grpId="1" nodeType="withEffect">
+                                  <p:stCondLst>
+                                    <p:cond delay="0"/>
+                                  </p:stCondLst>
+                                  <p:childTnLst>
+                                    <p:animEffect transition="out" filter="fade">
+                                      <p:cBhvr>
+                                        <p:cTn id="60" dur="500"/>
+                                        <p:tgtEl>
+                                          <p:spTgt spid="6"/>
+                                        </p:tgtEl>
+                                      </p:cBhvr>
+                                    </p:animEffect>
+                                    <p:set>
+                                      <p:cBhvr>
+                                        <p:cTn id="61" dur="1" fill="hold">
+                                          <p:stCondLst>
+                                            <p:cond delay="499"/>
+                                          </p:stCondLst>
+                                        </p:cTn>
+                                        <p:tgtEl>
+                                          <p:spTgt spid="6"/>
+                                        </p:tgtEl>
+                                        <p:attrNameLst>
+                                          <p:attrName>style.visibility</p:attrName>
+                                        </p:attrNameLst>
+                                      </p:cBhvr>
+                                      <p:to>
+                                        <p:strVal val="hidden"/>
+                                      </p:to>
+                                    </p:set>
+                                  </p:childTnLst>
+                                </p:cTn>
+                              </p:par>
+                              <p:par>
+                                <p:cTn id="62" presetID="10" presetClass="exit" presetSubtype="0" fill="hold" grpId="1" nodeType="withEffect">
+                                  <p:stCondLst>
+                                    <p:cond delay="0"/>
+                                  </p:stCondLst>
+                                  <p:childTnLst>
+                                    <p:animEffect transition="out" filter="fade">
+                                      <p:cBhvr>
+                                        <p:cTn id="63" dur="500"/>
+                                        <p:tgtEl>
+                                          <p:spTgt spid="7"/>
+                                        </p:tgtEl>
+                                      </p:cBhvr>
+                                    </p:animEffect>
+                                    <p:set>
+                                      <p:cBhvr>
+                                        <p:cTn id="64" dur="1" fill="hold">
+                                          <p:stCondLst>
+                                            <p:cond delay="499"/>
+                                          </p:stCondLst>
+                                        </p:cTn>
+                                        <p:tgtEl>
+                                          <p:spTgt spid="7"/>
+                                        </p:tgtEl>
+                                        <p:attrNameLst>
+                                          <p:attrName>style.visibility</p:attrName>
+                                        </p:attrNameLst>
+                                      </p:cBhvr>
+                                      <p:to>
+                                        <p:strVal val="hidden"/>
+                                      </p:to>
+                                    </p:set>
+                                  </p:childTnLst>
+                                </p:cTn>
+                              </p:par>
+                              <p:par>
+                                <p:cTn id="65" presetID="10" presetClass="exit" presetSubtype="0" fill="hold" grpId="1" nodeType="withEffect">
+                                  <p:stCondLst>
+                                    <p:cond delay="0"/>
+                                  </p:stCondLst>
+                                  <p:childTnLst>
+                                    <p:animEffect transition="out" filter="fade">
+                                      <p:cBhvr>
+                                        <p:cTn id="66" dur="500"/>
+                                        <p:tgtEl>
+                                          <p:spTgt spid="9"/>
+                                        </p:tgtEl>
+                                      </p:cBhvr>
+                                    </p:animEffect>
+                                    <p:set>
+                                      <p:cBhvr>
+                                        <p:cTn id="67" dur="1" fill="hold">
+                                          <p:stCondLst>
+                                            <p:cond delay="499"/>
+                                          </p:stCondLst>
+                                        </p:cTn>
+                                        <p:tgtEl>
+                                          <p:spTgt spid="9"/>
+                                        </p:tgtEl>
+                                        <p:attrNameLst>
+                                          <p:attrName>style.visibility</p:attrName>
+                                        </p:attrNameLst>
+                                      </p:cBhvr>
+                                      <p:to>
+                                        <p:strVal val="hidden"/>
+                                      </p:to>
+                                    </p:set>
+                                  </p:childTnLst>
+                                </p:cTn>
+                              </p:par>
+                              <p:par>
+                                <p:cTn id="68" presetID="10" presetClass="exit" presetSubtype="0" fill="hold" grpId="1" nodeType="withEffect">
+                                  <p:stCondLst>
+                                    <p:cond delay="0"/>
+                                  </p:stCondLst>
+                                  <p:childTnLst>
+                                    <p:animEffect transition="out" filter="fade">
+                                      <p:cBhvr>
+                                        <p:cTn id="69" dur="500"/>
+                                        <p:tgtEl>
+                                          <p:spTgt spid="10"/>
+                                        </p:tgtEl>
+                                      </p:cBhvr>
+                                    </p:animEffect>
+                                    <p:set>
+                                      <p:cBhvr>
+                                        <p:cTn id="70" dur="1" fill="hold">
+                                          <p:stCondLst>
+                                            <p:cond delay="499"/>
+                                          </p:stCondLst>
+                                        </p:cTn>
+                                        <p:tgtEl>
+                                          <p:spTgt spid="10"/>
+                                        </p:tgtEl>
+                                        <p:attrNameLst>
+                                          <p:attrName>style.visibility</p:attrName>
+                                        </p:attrNameLst>
+                                      </p:cBhvr>
+                                      <p:to>
+                                        <p:strVal val="hidden"/>
+                                      </p:to>
+                                    </p:set>
+                                  </p:childTnLst>
+                                </p:cTn>
+                              </p:par>
+                              <p:par>
+                                <p:cTn id="71" presetID="10" presetClass="exit" presetSubtype="0" fill="hold" grpId="1" nodeType="withEffect">
+                                  <p:stCondLst>
+                                    <p:cond delay="0"/>
+                                  </p:stCondLst>
+                                  <p:childTnLst>
+                                    <p:animEffect transition="out" filter="fade">
+                                      <p:cBhvr>
+                                        <p:cTn id="72" dur="500"/>
+                                        <p:tgtEl>
+                                          <p:spTgt spid="11"/>
+                                        </p:tgtEl>
+                                      </p:cBhvr>
+                                    </p:animEffect>
+                                    <p:set>
+                                      <p:cBhvr>
+                                        <p:cTn id="73" dur="1" fill="hold">
+                                          <p:stCondLst>
+                                            <p:cond delay="499"/>
+                                          </p:stCondLst>
+                                        </p:cTn>
+                                        <p:tgtEl>
+                                          <p:spTgt spid="11"/>
+                                        </p:tgtEl>
+                                        <p:attrNameLst>
+                                          <p:attrName>style.visibility</p:attrName>
+                                        </p:attrNameLst>
+                                      </p:cBhvr>
+                                      <p:to>
+                                        <p:strVal val="hidden"/>
+                                      </p:to>
+                                    </p:set>
+                                  </p:childTnLst>
+                                </p:cTn>
+                              </p:par>
+                              <p:par>
+                                <p:cTn id="74" presetID="10" presetClass="exit" presetSubtype="0" fill="hold" grpId="0" nodeType="withEffect">
+                                  <p:stCondLst>
+                                    <p:cond delay="0"/>
+                                  </p:stCondLst>
+                                  <p:childTnLst>
+                                    <p:animEffect transition="out" filter="fade">
+                                      <p:cBhvr>
+                                        <p:cTn id="75" dur="500"/>
+                                        <p:tgtEl>
+                                          <p:spTgt spid="12"/>
+                                        </p:tgtEl>
+                                      </p:cBhvr>
+                                    </p:animEffect>
+                                    <p:set>
+                                      <p:cBhvr>
+                                        <p:cTn id="76" dur="1" fill="hold">
+                                          <p:stCondLst>
+                                            <p:cond delay="499"/>
+                                          </p:stCondLst>
+                                        </p:cTn>
+                                        <p:tgtEl>
+                                          <p:spTgt spid="12"/>
+                                        </p:tgtEl>
+                                        <p:attrNameLst>
+                                          <p:attrName>style.visibility</p:attrName>
+                                        </p:attrNameLst>
+                                      </p:cBhvr>
+                                      <p:to>
+                                        <p:strVal val="hidden"/>
+                                      </p:to>
+                                    </p:set>
+                                  </p:childTnLst>
+                                </p:cTn>
+                              </p:par>
+                            </p:childTnLst>
+                          </p:cTn>
+                        </p:par>
+                      </p:childTnLst>
+                    </p:cTn>
+                  </p:par>
+                </p:childTnLst>
+              </p:cTn>
+              <p:prevCondLst>
+                <p:cond evt="onPrev" delay="0">
+                  <p:tgtEl>
+                    <p:sldTgt/>
+                  </p:tgtEl>
+                </p:cond>
+              </p:prevCondLst>
+              <p:nextCondLst>
+                <p:cond evt="onNext" delay="0">
+                  <p:tgtEl>
+                    <p:sldTgt/>
+                  </p:tgtEl>
+                </p:cond>
+              </p:nextCondLst>
+            </p:seq>
+          </p:childTnLst>
+        </p:cTn>
+      </p:par>
+    </p:tnLst>
+    <p:bldLst>
+      <p:bldP spid="6" grpId="0" animBg="1"/>
+      <p:bldP spid="6" grpId="1" animBg="1"/>
+      <p:bldP spid="7" grpId="0" animBg="1"/>
+      <p:bldP spid="7" grpId="1" animBg="1"/>
+      <p:bldP spid="5" grpId="0" animBg="1"/>
+      <p:bldP spid="5" grpId="1" animBg="1"/>
+      <p:bldP spid="9" grpId="0" animBg="1"/>
+      <p:bldP spid="9" grpId="1" animBg="1"/>
+      <p:bldP spid="10" grpId="0" animBg="1"/>
+      <p:bldP spid="10" grpId="1" animBg="1"/>
+      <p:bldP spid="11" grpId="0" animBg="1"/>
+      <p:bldP spid="11" grpId="1" animBg="1"/>
+      <p:bldP spid="13" grpId="1" animBg="1"/>
+      <p:bldP spid="13" grpId="2" animBg="1"/>
+      <p:bldP spid="12" grpId="0" animBg="1"/>
+      <p:bldP spid="12" grpId="1" animBg="1"/>
+    </p:bldLst>
+  </p:timing>
+</p:sld>
+</file>
+
+<file path=ppt/slides/slide6.xml><?xml version="1.0" encoding="utf-8"?>
+<p:sld xmlns:a="http://schemas.openxmlformats.org/drawingml/2006/main" xmlns:r="http://schemas.openxmlformats.org/officeDocument/2006/relationships" xmlns:p="http://schemas.openxmlformats.org/presentationml/2006/main">
+  <p:cSld>
+    <p:spTree>
+      <p:nvGrpSpPr>
+        <p:cNvPr id="1" name=""/>
+        <p:cNvGrpSpPr/>
+        <p:nvPr/>
+      </p:nvGrpSpPr>
+      <p:grpSpPr>
+        <a:xfrm>
+          <a:off x="0" y="0"/>
+          <a:ext cx="0" cy="0"/>
+          <a:chOff x="0" y="0"/>
+          <a:chExt cx="0" cy="0"/>
+        </a:xfrm>
+      </p:grpSpPr>
+      <p:pic>
+        <p:nvPicPr>
+          <p:cNvPr id="2" name="Picture 3" descr="D:\Zeyad\trash\SRS Material\3.PNG"/>
+          <p:cNvPicPr>
+            <a:picLocks noChangeAspect="1" noChangeArrowheads="1"/>
+          </p:cNvPicPr>
+          <p:nvPr/>
+        </p:nvPicPr>
+        <p:blipFill>
+          <a:blip r:embed="rId2">
+            <a:extLst>
+              <a:ext uri="{28A0092B-C50C-407E-A947-70E740481C1C}">
+                <a14:useLocalDpi xmlns:a14="http://schemas.microsoft.com/office/drawing/2010/main" val="0"/>
+              </a:ext>
+            </a:extLst>
+          </a:blip>
+          <a:srcRect/>
+          <a:stretch>
+            <a:fillRect/>
+          </a:stretch>
+        </p:blipFill>
+        <p:spPr bwMode="auto">
+          <a:xfrm>
+            <a:off x="289870" y="2821727"/>
+            <a:ext cx="3243903" cy="975897"/>
+          </a:xfrm>
+          <a:prstGeom prst="rect">
+            <a:avLst/>
+          </a:prstGeom>
+          <a:noFill/>
+          <a:extLst>
+            <a:ext uri="{909E8E84-426E-40DD-AFC4-6F175D3DCCD1}">
+              <a14:hiddenFill xmlns:a14="http://schemas.microsoft.com/office/drawing/2010/main">
+                <a:solidFill>
+                  <a:srgbClr val="FFFFFF"/>
+                </a:solidFill>
+              </a14:hiddenFill>
+            </a:ext>
+          </a:extLst>
+        </p:spPr>
+      </p:pic>
+      <p:pic>
+        <p:nvPicPr>
+          <p:cNvPr id="3" name="Picture 4" descr="D:\Zeyad\trash\SRS Material\1.PNG"/>
+          <p:cNvPicPr>
+            <a:picLocks noChangeAspect="1" noChangeArrowheads="1"/>
+          </p:cNvPicPr>
+          <p:nvPr/>
+        </p:nvPicPr>
+        <p:blipFill>
+          <a:blip r:embed="rId3">
+            <a:extLst>
+              <a:ext uri="{28A0092B-C50C-407E-A947-70E740481C1C}">
+                <a14:useLocalDpi xmlns:a14="http://schemas.microsoft.com/office/drawing/2010/main" val="0"/>
+              </a:ext>
+            </a:extLst>
+          </a:blip>
+          <a:srcRect/>
+          <a:stretch>
+            <a:fillRect/>
+          </a:stretch>
+        </p:blipFill>
+        <p:spPr bwMode="auto">
+          <a:xfrm>
+            <a:off x="152400" y="990600"/>
+            <a:ext cx="3243903" cy="892364"/>
+          </a:xfrm>
+          <a:prstGeom prst="rect">
+            <a:avLst/>
+          </a:prstGeom>
+          <a:noFill/>
+          <a:extLst>
+            <a:ext uri="{909E8E84-426E-40DD-AFC4-6F175D3DCCD1}">
+              <a14:hiddenFill xmlns:a14="http://schemas.microsoft.com/office/drawing/2010/main">
+                <a:solidFill>
+                  <a:srgbClr val="FFFFFF"/>
+                </a:solidFill>
+              </a14:hiddenFill>
+            </a:ext>
+          </a:extLst>
+        </p:spPr>
+      </p:pic>
+      <p:pic>
+        <p:nvPicPr>
+          <p:cNvPr id="4" name="Picture 5" descr="D:\Zeyad\trash\SRS Material\2.PNG"/>
+          <p:cNvPicPr>
+            <a:picLocks noChangeAspect="1" noChangeArrowheads="1"/>
+          </p:cNvPicPr>
+          <p:nvPr/>
+        </p:nvPicPr>
+        <p:blipFill>
+          <a:blip r:embed="rId4">
+            <a:extLst>
+              <a:ext uri="{28A0092B-C50C-407E-A947-70E740481C1C}">
+                <a14:useLocalDpi xmlns:a14="http://schemas.microsoft.com/office/drawing/2010/main" val="0"/>
+              </a:ext>
+            </a:extLst>
+          </a:blip>
+          <a:srcRect/>
+          <a:stretch>
+            <a:fillRect/>
+          </a:stretch>
+        </p:blipFill>
+        <p:spPr bwMode="auto">
+          <a:xfrm>
+            <a:off x="0" y="1882964"/>
+            <a:ext cx="3886200" cy="919376"/>
+          </a:xfrm>
+          <a:prstGeom prst="rect">
+            <a:avLst/>
+          </a:prstGeom>
+          <a:noFill/>
+          <a:extLst>
+            <a:ext uri="{909E8E84-426E-40DD-AFC4-6F175D3DCCD1}">
+              <a14:hiddenFill xmlns:a14="http://schemas.microsoft.com/office/drawing/2010/main">
+                <a:solidFill>
+                  <a:srgbClr val="FFFFFF"/>
+                </a:solidFill>
+              </a14:hiddenFill>
+            </a:ext>
+          </a:extLst>
+        </p:spPr>
+      </p:pic>
+      <p:sp>
+        <p:nvSpPr>
+          <p:cNvPr id="5" name="Right Arrow 4"/>
+          <p:cNvSpPr/>
+          <p:nvPr/>
+        </p:nvSpPr>
+        <p:spPr>
+          <a:xfrm>
+            <a:off x="3352800" y="3081075"/>
+            <a:ext cx="1066800" cy="457200"/>
+          </a:xfrm>
+          <a:prstGeom prst="rightArrow">
+            <a:avLst/>
+          </a:prstGeom>
+        </p:spPr>
+        <p:style>
+          <a:lnRef idx="2">
+            <a:schemeClr val="dk1">
+              <a:shade val="50000"/>
+            </a:schemeClr>
+          </a:lnRef>
+          <a:fillRef idx="1">
+            <a:schemeClr val="dk1"/>
+          </a:fillRef>
+          <a:effectRef idx="0">
+            <a:schemeClr val="dk1"/>
+          </a:effectRef>
+          <a:fontRef idx="minor">
+            <a:schemeClr val="lt1"/>
+          </a:fontRef>
+        </p:style>
+        <p:txBody>
+          <a:bodyPr rtlCol="0" anchor="ctr"/>
+          <a:lstStyle/>
+          <a:p>
+            <a:pPr algn="ctr"/>
+            <a:endParaRPr lang="en-US"/>
+          </a:p>
+        </p:txBody>
+      </p:sp>
+      <p:pic>
+        <p:nvPicPr>
+          <p:cNvPr id="6" name="Picture 6"/>
+          <p:cNvPicPr>
+            <a:picLocks noChangeAspect="1" noChangeArrowheads="1"/>
+          </p:cNvPicPr>
+          <p:nvPr/>
+        </p:nvPicPr>
+        <p:blipFill>
+          <a:blip r:embed="rId5">
+            <a:extLst>
+              <a:ext uri="{28A0092B-C50C-407E-A947-70E740481C1C}">
+                <a14:useLocalDpi xmlns:a14="http://schemas.microsoft.com/office/drawing/2010/main" val="0"/>
+              </a:ext>
+            </a:extLst>
+          </a:blip>
+          <a:srcRect/>
+          <a:stretch>
+            <a:fillRect/>
+          </a:stretch>
+        </p:blipFill>
+        <p:spPr bwMode="auto">
+          <a:xfrm>
+            <a:off x="4724400" y="2912573"/>
+            <a:ext cx="3581400" cy="794201"/>
+          </a:xfrm>
+          <a:prstGeom prst="rect">
+            <a:avLst/>
+          </a:prstGeom>
+          <a:noFill/>
+          <a:ln>
+            <a:noFill/>
+          </a:ln>
+          <a:extLst>
+            <a:ext uri="{909E8E84-426E-40DD-AFC4-6F175D3DCCD1}">
+              <a14:hiddenFill xmlns:a14="http://schemas.microsoft.com/office/drawing/2010/main">
+                <a:solidFill>
+                  <a:schemeClr val="accent1"/>
+                </a:solidFill>
+              </a14:hiddenFill>
+            </a:ext>
+            <a:ext uri="{91240B29-F687-4F45-9708-019B960494DF}">
+              <a14:hiddenLine xmlns:a14="http://schemas.microsoft.com/office/drawing/2010/main" w="9525">
+                <a:solidFill>
+                  <a:schemeClr val="tx1"/>
+                </a:solidFill>
+                <a:miter lim="800000"/>
+                <a:headEnd/>
+                <a:tailEnd/>
+              </a14:hiddenLine>
+            </a:ext>
+          </a:extLst>
+        </p:spPr>
+      </p:pic>
+      <p:sp>
+        <p:nvSpPr>
+          <p:cNvPr id="7" name="TextBox 6"/>
+          <p:cNvSpPr txBox="1"/>
+          <p:nvPr/>
+        </p:nvSpPr>
+        <p:spPr>
+          <a:xfrm>
+            <a:off x="4953000" y="3081075"/>
+            <a:ext cx="838200" cy="369332"/>
+          </a:xfrm>
+          <a:prstGeom prst="rect">
+            <a:avLst/>
+          </a:prstGeom>
+        </p:spPr>
+        <p:style>
+          <a:lnRef idx="2">
+            <a:schemeClr val="dk1"/>
+          </a:lnRef>
+          <a:fillRef idx="1">
+            <a:schemeClr val="lt1"/>
+          </a:fillRef>
+          <a:effectRef idx="0">
+            <a:schemeClr val="dk1"/>
+          </a:effectRef>
+          <a:fontRef idx="minor">
+            <a:schemeClr val="dk1"/>
+          </a:fontRef>
+        </p:style>
+        <p:txBody>
+          <a:bodyPr wrap="square" rtlCol="0">
+            <a:spAutoFit/>
+          </a:bodyPr>
+          <a:lstStyle/>
+          <a:p>
+            <a:r>
+              <a:rPr lang="en-US" dirty="0" smtClean="0"/>
+              <a:t>What</a:t>
+            </a:r>
+            <a:endParaRPr lang="en-US" dirty="0"/>
+          </a:p>
+        </p:txBody>
+      </p:sp>
+      <p:sp>
+        <p:nvSpPr>
+          <p:cNvPr id="8" name="TextBox 7"/>
+          <p:cNvSpPr txBox="1"/>
+          <p:nvPr/>
+        </p:nvSpPr>
+        <p:spPr>
+          <a:xfrm>
+            <a:off x="5943600" y="3085001"/>
+            <a:ext cx="304800" cy="369332"/>
+          </a:xfrm>
+          <a:prstGeom prst="rect">
+            <a:avLst/>
+          </a:prstGeom>
+        </p:spPr>
+        <p:style>
+          <a:lnRef idx="2">
+            <a:schemeClr val="dk1"/>
+          </a:lnRef>
+          <a:fillRef idx="1">
+            <a:schemeClr val="lt1"/>
+          </a:fillRef>
+          <a:effectRef idx="0">
+            <a:schemeClr val="dk1"/>
+          </a:effectRef>
+          <a:fontRef idx="minor">
+            <a:schemeClr val="dk1"/>
+          </a:fontRef>
+        </p:style>
+        <p:txBody>
+          <a:bodyPr wrap="square" rtlCol="0">
+            <a:spAutoFit/>
+          </a:bodyPr>
+          <a:lstStyle/>
+          <a:p>
+            <a:r>
+              <a:rPr lang="en-US" dirty="0"/>
+              <a:t>a</a:t>
+            </a:r>
+          </a:p>
+        </p:txBody>
+      </p:sp>
+      <p:sp>
+        <p:nvSpPr>
+          <p:cNvPr id="9" name="TextBox 8"/>
+          <p:cNvSpPr txBox="1"/>
+          <p:nvPr/>
+        </p:nvSpPr>
+        <p:spPr>
+          <a:xfrm>
+            <a:off x="6400800" y="3081075"/>
+            <a:ext cx="609600" cy="369332"/>
+          </a:xfrm>
+          <a:prstGeom prst="rect">
+            <a:avLst/>
+          </a:prstGeom>
+          <a:ln>
+            <a:solidFill>
+              <a:srgbClr val="FF0000"/>
+            </a:solidFill>
+          </a:ln>
+        </p:spPr>
+        <p:style>
+          <a:lnRef idx="2">
+            <a:schemeClr val="accent6"/>
+          </a:lnRef>
+          <a:fillRef idx="1">
+            <a:schemeClr val="lt1"/>
+          </a:fillRef>
+          <a:effectRef idx="0">
+            <a:schemeClr val="accent6"/>
+          </a:effectRef>
+          <a:fontRef idx="minor">
+            <a:schemeClr val="dk1"/>
+          </a:fontRef>
+        </p:style>
+        <p:txBody>
+          <a:bodyPr wrap="square" rtlCol="0">
+            <a:spAutoFit/>
+          </a:bodyPr>
+          <a:lstStyle/>
+          <a:p>
+            <a:r>
+              <a:rPr lang="en-US" dirty="0" smtClean="0"/>
+              <a:t>shit</a:t>
+            </a:r>
+            <a:endParaRPr lang="en-US" dirty="0"/>
+          </a:p>
+        </p:txBody>
+      </p:sp>
+      <p:sp>
+        <p:nvSpPr>
+          <p:cNvPr id="10" name="TextBox 9"/>
+          <p:cNvSpPr txBox="1"/>
+          <p:nvPr/>
+        </p:nvSpPr>
+        <p:spPr>
+          <a:xfrm>
+            <a:off x="7162800" y="3085001"/>
+            <a:ext cx="609600" cy="369332"/>
+          </a:xfrm>
+          <a:prstGeom prst="rect">
+            <a:avLst/>
+          </a:prstGeom>
+        </p:spPr>
+        <p:style>
+          <a:lnRef idx="2">
+            <a:schemeClr val="dk1"/>
+          </a:lnRef>
+          <a:fillRef idx="1">
+            <a:schemeClr val="lt1"/>
+          </a:fillRef>
+          <a:effectRef idx="0">
+            <a:schemeClr val="dk1"/>
+          </a:effectRef>
+          <a:fontRef idx="minor">
+            <a:schemeClr val="dk1"/>
+          </a:fontRef>
+        </p:style>
+        <p:txBody>
+          <a:bodyPr wrap="square" rtlCol="0">
+            <a:spAutoFit/>
+          </a:bodyPr>
+          <a:lstStyle/>
+          <a:p>
+            <a:r>
+              <a:rPr lang="en-US" dirty="0" smtClean="0"/>
+              <a:t>deal</a:t>
+            </a:r>
+            <a:endParaRPr lang="en-US" dirty="0"/>
+          </a:p>
+        </p:txBody>
+      </p:sp>
+      <p:sp>
+        <p:nvSpPr>
+          <p:cNvPr id="11" name="Right Arrow 10"/>
+          <p:cNvSpPr/>
+          <p:nvPr/>
+        </p:nvSpPr>
+        <p:spPr>
+          <a:xfrm rot="5400000">
+            <a:off x="5791200" y="4140133"/>
+            <a:ext cx="1828800" cy="457200"/>
+          </a:xfrm>
+          <a:prstGeom prst="rightArrow">
+            <a:avLst/>
+          </a:prstGeom>
+        </p:spPr>
+        <p:style>
+          <a:lnRef idx="2">
+            <a:schemeClr val="dk1">
+              <a:shade val="50000"/>
+            </a:schemeClr>
+          </a:lnRef>
+          <a:fillRef idx="1">
+            <a:schemeClr val="dk1"/>
+          </a:fillRef>
+          <a:effectRef idx="0">
+            <a:schemeClr val="dk1"/>
+          </a:effectRef>
+          <a:fontRef idx="minor">
+            <a:schemeClr val="lt1"/>
+          </a:fontRef>
+        </p:style>
+        <p:txBody>
+          <a:bodyPr rtlCol="0" anchor="ctr"/>
+          <a:lstStyle/>
+          <a:p>
+            <a:pPr algn="ctr"/>
+            <a:endParaRPr lang="en-US"/>
+          </a:p>
+        </p:txBody>
+      </p:sp>
+      <p:sp>
+        <p:nvSpPr>
+          <p:cNvPr id="12" name="TextBox 11"/>
+          <p:cNvSpPr txBox="1"/>
+          <p:nvPr/>
+        </p:nvSpPr>
+        <p:spPr>
+          <a:xfrm>
+            <a:off x="4724400" y="5290066"/>
+            <a:ext cx="4114800" cy="923330"/>
+          </a:xfrm>
+          <a:prstGeom prst="rect">
+            <a:avLst/>
+          </a:prstGeom>
+          <a:ln>
+            <a:solidFill>
+              <a:srgbClr val="FF0000"/>
+            </a:solidFill>
+          </a:ln>
+        </p:spPr>
+        <p:style>
+          <a:lnRef idx="2">
+            <a:schemeClr val="accent2"/>
+          </a:lnRef>
+          <a:fillRef idx="1">
+            <a:schemeClr val="lt1"/>
+          </a:fillRef>
+          <a:effectRef idx="0">
+            <a:schemeClr val="accent2"/>
+          </a:effectRef>
+          <a:fontRef idx="minor">
+            <a:schemeClr val="dk1"/>
+          </a:fontRef>
+        </p:style>
+        <p:txBody>
+          <a:bodyPr wrap="square" rtlCol="0">
+            <a:spAutoFit/>
+          </a:bodyPr>
+          <a:lstStyle/>
+          <a:p>
+            <a:r>
+              <a:rPr lang="en-US" dirty="0" smtClean="0"/>
+              <a:t>A rather offensive word but no pronouns were found in that sentence implying the sentiment of discomfort or irritation </a:t>
+            </a:r>
+            <a:endParaRPr lang="en-US" dirty="0"/>
+          </a:p>
+        </p:txBody>
+      </p:sp>
+    </p:spTree>
+    <p:extLst>
+      <p:ext uri="{BB962C8B-B14F-4D97-AF65-F5344CB8AC3E}">
+        <p14:creationId xmlns:p14="http://schemas.microsoft.com/office/powerpoint/2010/main" val="2929421469"/>
+      </p:ext>
+    </p:extLst>
+  </p:cSld>
+  <p:clrMapOvr>
+    <a:masterClrMapping/>
+  </p:clrMapOvr>
+  <p:timing>
+    <p:tnLst>
+      <p:par>
+        <p:cTn id="1" dur="indefinite" restart="never" nodeType="tmRoot">
+          <p:childTnLst>
+            <p:seq concurrent="1" nextAc="seek">
+              <p:cTn id="2" dur="indefinite" nodeType="mainSeq">
+                <p:childTnLst>
+                  <p:par>
+                    <p:cTn id="3" fill="hold">
+                      <p:stCondLst>
+                        <p:cond delay="indefinite"/>
+                      </p:stCondLst>
+                      <p:childTnLst>
+                        <p:par>
+                          <p:cTn id="4" fill="hold">
+                            <p:stCondLst>
+                              <p:cond delay="0"/>
+                            </p:stCondLst>
+                            <p:childTnLst>
+                              <p:par>
+                                <p:cTn id="5" presetID="10" presetClass="entr" presetSubtype="0" fill="hold" grpId="0" nodeType="clickEffect">
+                                  <p:stCondLst>
+                                    <p:cond delay="0"/>
+                                  </p:stCondLst>
+                                  <p:childTnLst>
+                                    <p:set>
+                                      <p:cBhvr>
+                                        <p:cTn id="6" dur="1" fill="hold">
+                                          <p:stCondLst>
+                                            <p:cond delay="0"/>
+                                          </p:stCondLst>
+                                        </p:cTn>
+                                        <p:tgtEl>
+                                          <p:spTgt spid="5"/>
+                                        </p:tgtEl>
+                                        <p:attrNameLst>
+                                          <p:attrName>style.visibility</p:attrName>
+                                        </p:attrNameLst>
+                                      </p:cBhvr>
+                                      <p:to>
+                                        <p:strVal val="visible"/>
+                                      </p:to>
+                                    </p:set>
+                                    <p:animEffect transition="in" filter="fade">
+                                      <p:cBhvr>
+                                        <p:cTn id="7" dur="500"/>
+                                        <p:tgtEl>
+                                          <p:spTgt spid="5"/>
+                                        </p:tgtEl>
+                                      </p:cBhvr>
+                                    </p:animEffect>
+                                  </p:childTnLst>
+                                </p:cTn>
+                              </p:par>
+                            </p:childTnLst>
+                          </p:cTn>
+                        </p:par>
+                      </p:childTnLst>
+                    </p:cTn>
+                  </p:par>
+                  <p:par>
+                    <p:cTn id="8" fill="hold">
+                      <p:stCondLst>
+                        <p:cond delay="indefinite"/>
+                      </p:stCondLst>
+                      <p:childTnLst>
+                        <p:par>
+                          <p:cTn id="9" fill="hold">
+                            <p:stCondLst>
+                              <p:cond delay="0"/>
+                            </p:stCondLst>
+                            <p:childTnLst>
+                              <p:par>
+                                <p:cTn id="10" presetID="16" presetClass="entr" presetSubtype="37" fill="hold" nodeType="clickEffect">
+                                  <p:stCondLst>
+                                    <p:cond delay="0"/>
+                                  </p:stCondLst>
+                                  <p:childTnLst>
+                                    <p:set>
+                                      <p:cBhvr>
+                                        <p:cTn id="11" dur="1" fill="hold">
+                                          <p:stCondLst>
+                                            <p:cond delay="0"/>
+                                          </p:stCondLst>
+                                        </p:cTn>
+                                        <p:tgtEl>
+                                          <p:spTgt spid="6"/>
+                                        </p:tgtEl>
+                                        <p:attrNameLst>
+                                          <p:attrName>style.visibility</p:attrName>
+                                        </p:attrNameLst>
+                                      </p:cBhvr>
+                                      <p:to>
+                                        <p:strVal val="visible"/>
+                                      </p:to>
+                                    </p:set>
+                                    <p:animEffect transition="in" filter="barn(outVertical)">
+                                      <p:cBhvr>
+                                        <p:cTn id="12" dur="500"/>
+                                        <p:tgtEl>
+                                          <p:spTgt spid="6"/>
+                                        </p:tgtEl>
+                                      </p:cBhvr>
+                                    </p:animEffect>
+                                  </p:childTnLst>
+                                </p:cTn>
+                              </p:par>
+                            </p:childTnLst>
+                          </p:cTn>
+                        </p:par>
+                      </p:childTnLst>
+                    </p:cTn>
+                  </p:par>
+                  <p:par>
+                    <p:cTn id="13" fill="hold">
+                      <p:stCondLst>
+                        <p:cond delay="indefinite"/>
+                      </p:stCondLst>
+                      <p:childTnLst>
+                        <p:par>
+                          <p:cTn id="14" fill="hold">
+                            <p:stCondLst>
+                              <p:cond delay="0"/>
+                            </p:stCondLst>
+                            <p:childTnLst>
+                              <p:par>
+                                <p:cTn id="15" presetID="10" presetClass="entr" presetSubtype="0" fill="hold" grpId="0" nodeType="clickEffect">
+                                  <p:stCondLst>
+                                    <p:cond delay="0"/>
+                                  </p:stCondLst>
+                                  <p:childTnLst>
+                                    <p:set>
+                                      <p:cBhvr>
+                                        <p:cTn id="16" dur="1" fill="hold">
+                                          <p:stCondLst>
+                                            <p:cond delay="0"/>
+                                          </p:stCondLst>
+                                        </p:cTn>
+                                        <p:tgtEl>
+                                          <p:spTgt spid="7"/>
+                                        </p:tgtEl>
+                                        <p:attrNameLst>
+                                          <p:attrName>style.visibility</p:attrName>
+                                        </p:attrNameLst>
+                                      </p:cBhvr>
+                                      <p:to>
+                                        <p:strVal val="visible"/>
+                                      </p:to>
+                                    </p:set>
+                                    <p:animEffect transition="in" filter="fade">
+                                      <p:cBhvr>
+                                        <p:cTn id="17" dur="500"/>
+                                        <p:tgtEl>
+                                          <p:spTgt spid="7"/>
+                                        </p:tgtEl>
+                                      </p:cBhvr>
+                                    </p:animEffect>
+                                  </p:childTnLst>
+                                </p:cTn>
+                              </p:par>
+                            </p:childTnLst>
+                          </p:cTn>
+                        </p:par>
+                      </p:childTnLst>
+                    </p:cTn>
+                  </p:par>
+                  <p:par>
+                    <p:cTn id="18" fill="hold">
+                      <p:stCondLst>
+                        <p:cond delay="indefinite"/>
+                      </p:stCondLst>
+                      <p:childTnLst>
+                        <p:par>
+                          <p:cTn id="19" fill="hold">
+                            <p:stCondLst>
+                              <p:cond delay="0"/>
+                            </p:stCondLst>
+                            <p:childTnLst>
+                              <p:par>
+                                <p:cTn id="20" presetID="10" presetClass="entr" presetSubtype="0" fill="hold" grpId="0" nodeType="clickEffect">
+                                  <p:stCondLst>
+                                    <p:cond delay="0"/>
+                                  </p:stCondLst>
+                                  <p:childTnLst>
+                                    <p:set>
+                                      <p:cBhvr>
+                                        <p:cTn id="21" dur="1" fill="hold">
+                                          <p:stCondLst>
+                                            <p:cond delay="0"/>
+                                          </p:stCondLst>
+                                        </p:cTn>
+                                        <p:tgtEl>
+                                          <p:spTgt spid="8"/>
+                                        </p:tgtEl>
+                                        <p:attrNameLst>
+                                          <p:attrName>style.visibility</p:attrName>
+                                        </p:attrNameLst>
+                                      </p:cBhvr>
+                                      <p:to>
+                                        <p:strVal val="visible"/>
+                                      </p:to>
+                                    </p:set>
+                                    <p:animEffect transition="in" filter="fade">
+                                      <p:cBhvr>
+                                        <p:cTn id="22" dur="500"/>
+                                        <p:tgtEl>
+                                          <p:spTgt spid="8"/>
+                                        </p:tgtEl>
+                                      </p:cBhvr>
+                                    </p:animEffect>
+                                  </p:childTnLst>
+                                </p:cTn>
+                              </p:par>
+                            </p:childTnLst>
+                          </p:cTn>
+                        </p:par>
+                      </p:childTnLst>
+                    </p:cTn>
+                  </p:par>
+                  <p:par>
+                    <p:cTn id="23" fill="hold">
+                      <p:stCondLst>
+                        <p:cond delay="indefinite"/>
+                      </p:stCondLst>
+                      <p:childTnLst>
+                        <p:par>
+                          <p:cTn id="24" fill="hold">
+                            <p:stCondLst>
+                              <p:cond delay="0"/>
+                            </p:stCondLst>
+                            <p:childTnLst>
+                              <p:par>
+                                <p:cTn id="25" presetID="10" presetClass="entr" presetSubtype="0" fill="hold" grpId="0" nodeType="clickEffect">
+                                  <p:stCondLst>
+                                    <p:cond delay="0"/>
+                                  </p:stCondLst>
+                                  <p:childTnLst>
+                                    <p:set>
+                                      <p:cBhvr>
+                                        <p:cTn id="26" dur="1" fill="hold">
+                                          <p:stCondLst>
+                                            <p:cond delay="0"/>
+                                          </p:stCondLst>
+                                        </p:cTn>
+                                        <p:tgtEl>
+                                          <p:spTgt spid="9"/>
+                                        </p:tgtEl>
+                                        <p:attrNameLst>
+                                          <p:attrName>style.visibility</p:attrName>
+                                        </p:attrNameLst>
+                                      </p:cBhvr>
+                                      <p:to>
+                                        <p:strVal val="visible"/>
+                                      </p:to>
+                                    </p:set>
+                                    <p:animEffect transition="in" filter="fade">
+                                      <p:cBhvr>
+                                        <p:cTn id="27" dur="500"/>
+                                        <p:tgtEl>
+                                          <p:spTgt spid="9"/>
+                                        </p:tgtEl>
+                                      </p:cBhvr>
+                                    </p:animEffect>
+                                  </p:childTnLst>
+                                </p:cTn>
+                              </p:par>
+                            </p:childTnLst>
+                          </p:cTn>
+                        </p:par>
+                      </p:childTnLst>
+                    </p:cTn>
+                  </p:par>
+                  <p:par>
+                    <p:cTn id="28" fill="hold">
+                      <p:stCondLst>
+                        <p:cond delay="indefinite"/>
+                      </p:stCondLst>
+                      <p:childTnLst>
+                        <p:par>
+                          <p:cTn id="29" fill="hold">
+                            <p:stCondLst>
+                              <p:cond delay="0"/>
+                            </p:stCondLst>
+                            <p:childTnLst>
+                              <p:par>
+                                <p:cTn id="30" presetID="10" presetClass="entr" presetSubtype="0" fill="hold" grpId="0" nodeType="clickEffect">
+                                  <p:stCondLst>
+                                    <p:cond delay="0"/>
+                                  </p:stCondLst>
+                                  <p:childTnLst>
+                                    <p:set>
+                                      <p:cBhvr>
+                                        <p:cTn id="31" dur="1" fill="hold">
+                                          <p:stCondLst>
+                                            <p:cond delay="0"/>
+                                          </p:stCondLst>
+                                        </p:cTn>
+                                        <p:tgtEl>
+                                          <p:spTgt spid="10"/>
+                                        </p:tgtEl>
+                                        <p:attrNameLst>
+                                          <p:attrName>style.visibility</p:attrName>
+                                        </p:attrNameLst>
+                                      </p:cBhvr>
+                                      <p:to>
+                                        <p:strVal val="visible"/>
+                                      </p:to>
+                                    </p:set>
+                                    <p:animEffect transition="in" filter="fade">
+                                      <p:cBhvr>
+                                        <p:cTn id="32" dur="500"/>
+                                        <p:tgtEl>
+                                          <p:spTgt spid="10"/>
+                                        </p:tgtEl>
+                                      </p:cBhvr>
+                                    </p:animEffect>
+                                  </p:childTnLst>
+                                </p:cTn>
+                              </p:par>
+                            </p:childTnLst>
+                          </p:cTn>
+                        </p:par>
+                      </p:childTnLst>
+                    </p:cTn>
+                  </p:par>
+                  <p:par>
+                    <p:cTn id="33" fill="hold">
+                      <p:stCondLst>
+                        <p:cond delay="indefinite"/>
+                      </p:stCondLst>
+                      <p:childTnLst>
+                        <p:par>
+                          <p:cTn id="34" fill="hold">
+                            <p:stCondLst>
+                              <p:cond delay="0"/>
+                            </p:stCondLst>
+                            <p:childTnLst>
+                              <p:par>
+                                <p:cTn id="35" presetID="10" presetClass="entr" presetSubtype="0" fill="hold" grpId="0" nodeType="clickEffect">
+                                  <p:stCondLst>
+                                    <p:cond delay="0"/>
+                                  </p:stCondLst>
+                                  <p:childTnLst>
+                                    <p:set>
+                                      <p:cBhvr>
+                                        <p:cTn id="36" dur="1" fill="hold">
+                                          <p:stCondLst>
+                                            <p:cond delay="0"/>
+                                          </p:stCondLst>
+                                        </p:cTn>
+                                        <p:tgtEl>
+                                          <p:spTgt spid="11"/>
+                                        </p:tgtEl>
+                                        <p:attrNameLst>
+                                          <p:attrName>style.visibility</p:attrName>
+                                        </p:attrNameLst>
+                                      </p:cBhvr>
+                                      <p:to>
+                                        <p:strVal val="visible"/>
+                                      </p:to>
+                                    </p:set>
+                                    <p:animEffect transition="in" filter="fade">
+                                      <p:cBhvr>
+                                        <p:cTn id="37" dur="500"/>
+                                        <p:tgtEl>
+                                          <p:spTgt spid="11"/>
+                                        </p:tgtEl>
+                                      </p:cBhvr>
+                                    </p:animEffect>
+                                  </p:childTnLst>
+                                </p:cTn>
+                              </p:par>
+                            </p:childTnLst>
+                          </p:cTn>
+                        </p:par>
+                      </p:childTnLst>
+                    </p:cTn>
+                  </p:par>
+                  <p:par>
+                    <p:cTn id="38" fill="hold">
+                      <p:stCondLst>
+                        <p:cond delay="indefinite"/>
+                      </p:stCondLst>
+                      <p:childTnLst>
+                        <p:par>
+                          <p:cTn id="39" fill="hold">
+                            <p:stCondLst>
+                              <p:cond delay="0"/>
+                            </p:stCondLst>
+                            <p:childTnLst>
+                              <p:par>
+                                <p:cTn id="40" presetID="10" presetClass="entr" presetSubtype="0" fill="hold" grpId="0" nodeType="clickEffect">
+                                  <p:stCondLst>
+                                    <p:cond delay="0"/>
+                                  </p:stCondLst>
+                                  <p:childTnLst>
+                                    <p:set>
+                                      <p:cBhvr>
+                                        <p:cTn id="41" dur="1" fill="hold">
+                                          <p:stCondLst>
+                                            <p:cond delay="0"/>
+                                          </p:stCondLst>
+                                        </p:cTn>
+                                        <p:tgtEl>
+                                          <p:spTgt spid="12"/>
+                                        </p:tgtEl>
+                                        <p:attrNameLst>
+                                          <p:attrName>style.visibility</p:attrName>
+                                        </p:attrNameLst>
+                                      </p:cBhvr>
+                                      <p:to>
+                                        <p:strVal val="visible"/>
+                                      </p:to>
+                                    </p:set>
+                                    <p:animEffect transition="in" filter="fade">
+                                      <p:cBhvr>
+                                        <p:cTn id="42" dur="500"/>
+                                        <p:tgtEl>
+                                          <p:spTgt spid="12"/>
+                                        </p:tgtEl>
+                                      </p:cBhvr>
+                                    </p:animEffect>
+                                  </p:childTnLst>
+                                </p:cTn>
+                              </p:par>
+                            </p:childTnLst>
+                          </p:cTn>
+                        </p:par>
+                      </p:childTnLst>
+                    </p:cTn>
+                  </p:par>
+                </p:childTnLst>
+              </p:cTn>
+              <p:prevCondLst>
+                <p:cond evt="onPrev" delay="0">
+                  <p:tgtEl>
+                    <p:sldTgt/>
+                  </p:tgtEl>
+                </p:cond>
+              </p:prevCondLst>
+              <p:nextCondLst>
+                <p:cond evt="onNext" delay="0">
+                  <p:tgtEl>
+                    <p:sldTgt/>
+                  </p:tgtEl>
+                </p:cond>
+              </p:nextCondLst>
+            </p:seq>
+          </p:childTnLst>
+        </p:cTn>
+      </p:par>
+    </p:tnLst>
+    <p:bldLst>
+      <p:bldP spid="5" grpId="0" animBg="1"/>
+      <p:bldP spid="7" grpId="0" animBg="1"/>
+      <p:bldP spid="8" grpId="0" animBg="1"/>
+      <p:bldP spid="9" grpId="0" animBg="1"/>
+      <p:bldP spid="10" grpId="0" animBg="1"/>
+      <p:bldP spid="11" grpId="0" animBg="1"/>
+      <p:bldP spid="12" grpId="0" animBg="1"/>
+    </p:bldLst>
+  </p:timing>
+</p:sld>
+</file>
+
+<file path=ppt/slides/slide7.xml><?xml version="1.0" encoding="utf-8"?>
 <p:sld xmlns:a="http://schemas.openxmlformats.org/drawingml/2006/main" xmlns:r="http://schemas.openxmlformats.org/officeDocument/2006/relationships" xmlns:p="http://schemas.openxmlformats.org/presentationml/2006/main">
   <p:cSld>
     <p:spTree>
@@ -4117,7 +9461,7 @@
 </p:sld>
 </file>
 
-<file path=ppt/slides/slide4.xml><?xml version="1.0" encoding="utf-8"?>
+<file path=ppt/slides/slide8.xml><?xml version="1.0" encoding="utf-8"?>
 <p:sld xmlns:a="http://schemas.openxmlformats.org/drawingml/2006/main" xmlns:r="http://schemas.openxmlformats.org/officeDocument/2006/relationships" xmlns:p="http://schemas.openxmlformats.org/presentationml/2006/main">
   <p:cSld>
     <p:spTree>
@@ -4307,13 +9651,8 @@
                       </a:pPr>
                       <a:r>
                         <a:rPr lang="en-US" dirty="0" smtClean="0"/>
-                        <a:t>Receive </a:t>
+                        <a:t>Receive messages</a:t>
                       </a:r>
-                      <a:r>
-                        <a:rPr lang="en-US" dirty="0" smtClean="0"/>
-                        <a:t>messages</a:t>
-                      </a:r>
-                      <a:endParaRPr lang="en-US" dirty="0" smtClean="0"/>
                     </a:p>
                   </a:txBody>
                   <a:tcPr marL="68580" marR="68580"/>
@@ -4488,7 +9827,7 @@
 </p:sld>
 </file>
 
-<file path=ppt/slides/slide5.xml><?xml version="1.0" encoding="utf-8"?>
+<file path=ppt/slides/slide9.xml><?xml version="1.0" encoding="utf-8"?>
 <p:sld xmlns:a="http://schemas.openxmlformats.org/drawingml/2006/main" xmlns:r="http://schemas.openxmlformats.org/officeDocument/2006/relationships" xmlns:p="http://schemas.openxmlformats.org/presentationml/2006/main">
   <p:cSld>
     <p:spTree>
@@ -5269,870 +10608,6 @@
 </p:sld>
 </file>
 
-<file path=ppt/slides/slide6.xml><?xml version="1.0" encoding="utf-8"?>
-<p:sld xmlns:a="http://schemas.openxmlformats.org/drawingml/2006/main" xmlns:r="http://schemas.openxmlformats.org/officeDocument/2006/relationships" xmlns:p="http://schemas.openxmlformats.org/presentationml/2006/main">
-  <p:cSld>
-    <p:spTree>
-      <p:nvGrpSpPr>
-        <p:cNvPr id="1" name=""/>
-        <p:cNvGrpSpPr/>
-        <p:nvPr/>
-      </p:nvGrpSpPr>
-      <p:grpSpPr>
-        <a:xfrm>
-          <a:off x="0" y="0"/>
-          <a:ext cx="0" cy="0"/>
-          <a:chOff x="0" y="0"/>
-          <a:chExt cx="0" cy="0"/>
-        </a:xfrm>
-      </p:grpSpPr>
-      <p:pic>
-        <p:nvPicPr>
-          <p:cNvPr id="1026" name="Picture 2" descr="C:\wamp64\www\Graduation-Project\SRS\use cas.png"/>
-          <p:cNvPicPr>
-            <a:picLocks noChangeAspect="1" noChangeArrowheads="1"/>
-          </p:cNvPicPr>
-          <p:nvPr/>
-        </p:nvPicPr>
-        <p:blipFill>
-          <a:blip r:embed="rId2">
-            <a:extLst>
-              <a:ext uri="{28A0092B-C50C-407E-A947-70E740481C1C}">
-                <a14:useLocalDpi xmlns:a14="http://schemas.microsoft.com/office/drawing/2010/main" val="0"/>
-              </a:ext>
-            </a:extLst>
-          </a:blip>
-          <a:srcRect/>
-          <a:stretch>
-            <a:fillRect/>
-          </a:stretch>
-        </p:blipFill>
-        <p:spPr bwMode="auto">
-          <a:xfrm>
-            <a:off x="990599" y="2514600"/>
-            <a:ext cx="6334125" cy="2867025"/>
-          </a:xfrm>
-          <a:prstGeom prst="rect">
-            <a:avLst/>
-          </a:prstGeom>
-          <a:noFill/>
-          <a:extLst>
-            <a:ext uri="{909E8E84-426E-40DD-AFC4-6F175D3DCCD1}">
-              <a14:hiddenFill xmlns:a14="http://schemas.microsoft.com/office/drawing/2010/main">
-                <a:solidFill>
-                  <a:srgbClr val="FFFFFF"/>
-                </a:solidFill>
-              </a14:hiddenFill>
-            </a:ext>
-          </a:extLst>
-        </p:spPr>
-      </p:pic>
-      <p:sp>
-        <p:nvSpPr>
-          <p:cNvPr id="2" name="Title 1"/>
-          <p:cNvSpPr>
-            <a:spLocks noGrp="1"/>
-          </p:cNvSpPr>
-          <p:nvPr>
-            <p:ph type="title"/>
-          </p:nvPr>
-        </p:nvSpPr>
-        <p:spPr/>
-        <p:txBody>
-          <a:bodyPr/>
-          <a:lstStyle/>
-          <a:p>
-            <a:r>
-              <a:rPr lang="en-US" dirty="0" smtClean="0"/>
-              <a:t>Use Case</a:t>
-            </a:r>
-            <a:endParaRPr lang="en-US" dirty="0"/>
-          </a:p>
-        </p:txBody>
-      </p:sp>
-    </p:spTree>
-    <p:extLst>
-      <p:ext uri="{BB962C8B-B14F-4D97-AF65-F5344CB8AC3E}">
-        <p14:creationId xmlns:p14="http://schemas.microsoft.com/office/powerpoint/2010/main" val="291504819"/>
-      </p:ext>
-    </p:extLst>
-  </p:cSld>
-  <p:clrMapOvr>
-    <a:masterClrMapping/>
-  </p:clrMapOvr>
-  <p:timing>
-    <p:tnLst>
-      <p:par>
-        <p:cTn id="1" dur="indefinite" restart="never" nodeType="tmRoot"/>
-      </p:par>
-    </p:tnLst>
-  </p:timing>
-</p:sld>
-</file>
-
-<file path=ppt/slides/slide7.xml><?xml version="1.0" encoding="utf-8"?>
-<p:sld xmlns:a="http://schemas.openxmlformats.org/drawingml/2006/main" xmlns:r="http://schemas.openxmlformats.org/officeDocument/2006/relationships" xmlns:p="http://schemas.openxmlformats.org/presentationml/2006/main">
-  <p:cSld>
-    <p:spTree>
-      <p:nvGrpSpPr>
-        <p:cNvPr id="1" name=""/>
-        <p:cNvGrpSpPr/>
-        <p:nvPr/>
-      </p:nvGrpSpPr>
-      <p:grpSpPr>
-        <a:xfrm>
-          <a:off x="0" y="0"/>
-          <a:ext cx="0" cy="0"/>
-          <a:chOff x="0" y="0"/>
-          <a:chExt cx="0" cy="0"/>
-        </a:xfrm>
-      </p:grpSpPr>
-      <p:pic>
-        <p:nvPicPr>
-          <p:cNvPr id="3" name="Picture 3" descr="C:\wamp64\www\Graduation-Project\SRS\use cas (1).png"/>
-          <p:cNvPicPr>
-            <a:picLocks noChangeAspect="1" noChangeArrowheads="1"/>
-          </p:cNvPicPr>
-          <p:nvPr/>
-        </p:nvPicPr>
-        <p:blipFill>
-          <a:blip r:embed="rId2">
-            <a:extLst>
-              <a:ext uri="{28A0092B-C50C-407E-A947-70E740481C1C}">
-                <a14:useLocalDpi xmlns:a14="http://schemas.microsoft.com/office/drawing/2010/main" val="0"/>
-              </a:ext>
-            </a:extLst>
-          </a:blip>
-          <a:srcRect/>
-          <a:stretch>
-            <a:fillRect/>
-          </a:stretch>
-        </p:blipFill>
-        <p:spPr bwMode="auto">
-          <a:xfrm>
-            <a:off x="1143000" y="228600"/>
-            <a:ext cx="6629400" cy="3152775"/>
-          </a:xfrm>
-          <a:prstGeom prst="rect">
-            <a:avLst/>
-          </a:prstGeom>
-          <a:noFill/>
-          <a:extLst>
-            <a:ext uri="{909E8E84-426E-40DD-AFC4-6F175D3DCCD1}">
-              <a14:hiddenFill xmlns:a14="http://schemas.microsoft.com/office/drawing/2010/main">
-                <a:solidFill>
-                  <a:srgbClr val="FFFFFF"/>
-                </a:solidFill>
-              </a14:hiddenFill>
-            </a:ext>
-          </a:extLst>
-        </p:spPr>
-      </p:pic>
-      <p:pic>
-        <p:nvPicPr>
-          <p:cNvPr id="2050" name="Picture 2" descr="C:\wamp64\www\Graduation-Project\SRS\use cas (2).png"/>
-          <p:cNvPicPr>
-            <a:picLocks noChangeAspect="1" noChangeArrowheads="1"/>
-          </p:cNvPicPr>
-          <p:nvPr/>
-        </p:nvPicPr>
-        <p:blipFill>
-          <a:blip r:embed="rId3">
-            <a:extLst>
-              <a:ext uri="{28A0092B-C50C-407E-A947-70E740481C1C}">
-                <a14:useLocalDpi xmlns:a14="http://schemas.microsoft.com/office/drawing/2010/main" val="0"/>
-              </a:ext>
-            </a:extLst>
-          </a:blip>
-          <a:srcRect/>
-          <a:stretch>
-            <a:fillRect/>
-          </a:stretch>
-        </p:blipFill>
-        <p:spPr bwMode="auto">
-          <a:xfrm>
-            <a:off x="914400" y="3733800"/>
-            <a:ext cx="6858000" cy="2525713"/>
-          </a:xfrm>
-          <a:prstGeom prst="rect">
-            <a:avLst/>
-          </a:prstGeom>
-          <a:noFill/>
-          <a:extLst>
-            <a:ext uri="{909E8E84-426E-40DD-AFC4-6F175D3DCCD1}">
-              <a14:hiddenFill xmlns:a14="http://schemas.microsoft.com/office/drawing/2010/main">
-                <a:solidFill>
-                  <a:srgbClr val="FFFFFF"/>
-                </a:solidFill>
-              </a14:hiddenFill>
-            </a:ext>
-          </a:extLst>
-        </p:spPr>
-      </p:pic>
-      <p:sp>
-        <p:nvSpPr>
-          <p:cNvPr id="4" name="Rectangle 3"/>
-          <p:cNvSpPr/>
-          <p:nvPr/>
-        </p:nvSpPr>
-        <p:spPr>
-          <a:xfrm>
-            <a:off x="914400" y="6019800"/>
-            <a:ext cx="838200" cy="239713"/>
-          </a:xfrm>
-          <a:prstGeom prst="rect">
-            <a:avLst/>
-          </a:prstGeom>
-          <a:solidFill>
-            <a:schemeClr val="bg1"/>
-          </a:solidFill>
-          <a:ln>
-            <a:noFill/>
-          </a:ln>
-        </p:spPr>
-        <p:style>
-          <a:lnRef idx="2">
-            <a:schemeClr val="accent1">
-              <a:shade val="50000"/>
-            </a:schemeClr>
-          </a:lnRef>
-          <a:fillRef idx="1">
-            <a:schemeClr val="accent1"/>
-          </a:fillRef>
-          <a:effectRef idx="0">
-            <a:schemeClr val="accent1"/>
-          </a:effectRef>
-          <a:fontRef idx="minor">
-            <a:schemeClr val="lt1"/>
-          </a:fontRef>
-        </p:style>
-        <p:txBody>
-          <a:bodyPr rtlCol="0" anchor="ctr"/>
-          <a:lstStyle/>
-          <a:p>
-            <a:pPr algn="ctr"/>
-            <a:r>
-              <a:rPr lang="en-US" dirty="0" smtClean="0">
-                <a:solidFill>
-                  <a:schemeClr val="tx1"/>
-                </a:solidFill>
-              </a:rPr>
-              <a:t>Admin</a:t>
-            </a:r>
-            <a:endParaRPr lang="en-US" dirty="0">
-              <a:solidFill>
-                <a:schemeClr val="tx1"/>
-              </a:solidFill>
-            </a:endParaRPr>
-          </a:p>
-        </p:txBody>
-      </p:sp>
-    </p:spTree>
-    <p:extLst>
-      <p:ext uri="{BB962C8B-B14F-4D97-AF65-F5344CB8AC3E}">
-        <p14:creationId xmlns:p14="http://schemas.microsoft.com/office/powerpoint/2010/main" val="296860246"/>
-      </p:ext>
-    </p:extLst>
-  </p:cSld>
-  <p:clrMapOvr>
-    <a:masterClrMapping/>
-  </p:clrMapOvr>
-  <p:timing>
-    <p:tnLst>
-      <p:par>
-        <p:cTn id="1" dur="indefinite" restart="never" nodeType="tmRoot"/>
-      </p:par>
-    </p:tnLst>
-  </p:timing>
-</p:sld>
-</file>
-
-<file path=ppt/slides/slide8.xml><?xml version="1.0" encoding="utf-8"?>
-<p:sld xmlns:a="http://schemas.openxmlformats.org/drawingml/2006/main" xmlns:r="http://schemas.openxmlformats.org/officeDocument/2006/relationships" xmlns:p="http://schemas.openxmlformats.org/presentationml/2006/main">
-  <p:cSld>
-    <p:spTree>
-      <p:nvGrpSpPr>
-        <p:cNvPr id="1" name=""/>
-        <p:cNvGrpSpPr/>
-        <p:nvPr/>
-      </p:nvGrpSpPr>
-      <p:grpSpPr>
-        <a:xfrm>
-          <a:off x="0" y="0"/>
-          <a:ext cx="0" cy="0"/>
-          <a:chOff x="0" y="0"/>
-          <a:chExt cx="0" cy="0"/>
-        </a:xfrm>
-      </p:grpSpPr>
-      <p:sp>
-        <p:nvSpPr>
-          <p:cNvPr id="5" name="TextBox 4"/>
-          <p:cNvSpPr txBox="1"/>
-          <p:nvPr/>
-        </p:nvSpPr>
-        <p:spPr>
-          <a:xfrm>
-            <a:off x="2781300" y="0"/>
-            <a:ext cx="3581400" cy="769441"/>
-          </a:xfrm>
-          <a:prstGeom prst="rect">
-            <a:avLst/>
-          </a:prstGeom>
-          <a:noFill/>
-        </p:spPr>
-        <p:txBody>
-          <a:bodyPr wrap="square" rtlCol="0">
-            <a:spAutoFit/>
-          </a:bodyPr>
-          <a:lstStyle/>
-          <a:p>
-            <a:r>
-              <a:rPr lang="en-US" sz="4400" dirty="0">
-                <a:latin typeface="+mj-lt"/>
-                <a:ea typeface="+mj-ea"/>
-                <a:cs typeface="+mj-cs"/>
-              </a:rPr>
-              <a:t>Class Diagram</a:t>
-            </a:r>
-          </a:p>
-        </p:txBody>
-      </p:sp>
-      <p:pic>
-        <p:nvPicPr>
-          <p:cNvPr id="3075" name="Picture 3" descr="C:\wamp64\www\Graduation-Project\SRS\Downloaded the image to Messenger_Lite"/>
-          <p:cNvPicPr>
-            <a:picLocks noChangeAspect="1" noChangeArrowheads="1"/>
-          </p:cNvPicPr>
-          <p:nvPr/>
-        </p:nvPicPr>
-        <p:blipFill>
-          <a:blip r:embed="rId2">
-            <a:extLst>
-              <a:ext uri="{28A0092B-C50C-407E-A947-70E740481C1C}">
-                <a14:useLocalDpi xmlns:a14="http://schemas.microsoft.com/office/drawing/2010/main" val="0"/>
-              </a:ext>
-            </a:extLst>
-          </a:blip>
-          <a:srcRect/>
-          <a:stretch>
-            <a:fillRect/>
-          </a:stretch>
-        </p:blipFill>
-        <p:spPr bwMode="auto">
-          <a:xfrm>
-            <a:off x="1" y="769441"/>
-            <a:ext cx="9144000" cy="6118799"/>
-          </a:xfrm>
-          <a:prstGeom prst="rect">
-            <a:avLst/>
-          </a:prstGeom>
-          <a:noFill/>
-          <a:extLst>
-            <a:ext uri="{909E8E84-426E-40DD-AFC4-6F175D3DCCD1}">
-              <a14:hiddenFill xmlns:a14="http://schemas.microsoft.com/office/drawing/2010/main">
-                <a:solidFill>
-                  <a:srgbClr val="FFFFFF"/>
-                </a:solidFill>
-              </a14:hiddenFill>
-            </a:ext>
-          </a:extLst>
-        </p:spPr>
-      </p:pic>
-    </p:spTree>
-    <p:extLst>
-      <p:ext uri="{BB962C8B-B14F-4D97-AF65-F5344CB8AC3E}">
-        <p14:creationId xmlns:p14="http://schemas.microsoft.com/office/powerpoint/2010/main" val="3292223309"/>
-      </p:ext>
-    </p:extLst>
-  </p:cSld>
-  <p:clrMapOvr>
-    <a:masterClrMapping/>
-  </p:clrMapOvr>
-  <p:timing>
-    <p:tnLst>
-      <p:par>
-        <p:cTn id="1" dur="indefinite" restart="never" nodeType="tmRoot"/>
-      </p:par>
-    </p:tnLst>
-  </p:timing>
-</p:sld>
-</file>
-
-<file path=ppt/slides/slide9.xml><?xml version="1.0" encoding="utf-8"?>
-<p:sld xmlns:a="http://schemas.openxmlformats.org/drawingml/2006/main" xmlns:r="http://schemas.openxmlformats.org/officeDocument/2006/relationships" xmlns:p="http://schemas.openxmlformats.org/presentationml/2006/main">
-  <p:cSld>
-    <p:spTree>
-      <p:nvGrpSpPr>
-        <p:cNvPr id="1" name=""/>
-        <p:cNvGrpSpPr/>
-        <p:nvPr/>
-      </p:nvGrpSpPr>
-      <p:grpSpPr>
-        <a:xfrm>
-          <a:off x="0" y="0"/>
-          <a:ext cx="0" cy="0"/>
-          <a:chOff x="0" y="0"/>
-          <a:chExt cx="0" cy="0"/>
-        </a:xfrm>
-      </p:grpSpPr>
-      <p:pic>
-        <p:nvPicPr>
-          <p:cNvPr id="4" name="Picture 4" descr="A screenshot of a cell phone&#10;&#10;Description generated with very high confidence">
-            <a:extLst>
-              <a:ext uri="{FF2B5EF4-FFF2-40B4-BE49-F238E27FC236}">
-                <a16:creationId xmlns="" xmlns:a16="http://schemas.microsoft.com/office/drawing/2014/main" id="{01829291-46A7-4E32-B821-D2B6AFB4F2D0}"/>
-              </a:ext>
-            </a:extLst>
-          </p:cNvPr>
-          <p:cNvPicPr>
-            <a:picLocks noChangeAspect="1"/>
-          </p:cNvPicPr>
-          <p:nvPr/>
-        </p:nvPicPr>
-        <p:blipFill>
-          <a:blip r:embed="rId2"/>
-          <a:stretch>
-            <a:fillRect/>
-          </a:stretch>
-        </p:blipFill>
-        <p:spPr>
-          <a:xfrm>
-            <a:off x="323142" y="1416350"/>
-            <a:ext cx="1638638" cy="4114800"/>
-          </a:xfrm>
-          <a:prstGeom prst="rect">
-            <a:avLst/>
-          </a:prstGeom>
-        </p:spPr>
-      </p:pic>
-      <p:pic>
-        <p:nvPicPr>
-          <p:cNvPr id="6" name="Picture 6" descr="A screenshot of a cell phone&#10;&#10;Description generated with very high confidence">
-            <a:extLst>
-              <a:ext uri="{FF2B5EF4-FFF2-40B4-BE49-F238E27FC236}">
-                <a16:creationId xmlns="" xmlns:a16="http://schemas.microsoft.com/office/drawing/2014/main" id="{393D79AC-B013-4CD4-884A-F4FDF158F474}"/>
-              </a:ext>
-            </a:extLst>
-          </p:cNvPr>
-          <p:cNvPicPr>
-            <a:picLocks noChangeAspect="1"/>
-          </p:cNvPicPr>
-          <p:nvPr/>
-        </p:nvPicPr>
-        <p:blipFill>
-          <a:blip r:embed="rId3"/>
-          <a:stretch>
-            <a:fillRect/>
-          </a:stretch>
-        </p:blipFill>
-        <p:spPr>
-          <a:xfrm>
-            <a:off x="2426370" y="2521429"/>
-            <a:ext cx="1638638" cy="4114800"/>
-          </a:xfrm>
-          <a:prstGeom prst="rect">
-            <a:avLst/>
-          </a:prstGeom>
-        </p:spPr>
-      </p:pic>
-      <p:pic>
-        <p:nvPicPr>
-          <p:cNvPr id="8" name="Picture 8" descr="A screenshot of a cell phone&#10;&#10;Description generated with very high confidence">
-            <a:extLst>
-              <a:ext uri="{FF2B5EF4-FFF2-40B4-BE49-F238E27FC236}">
-                <a16:creationId xmlns="" xmlns:a16="http://schemas.microsoft.com/office/drawing/2014/main" id="{A08133BD-8C0E-48BA-9B5B-B71FE108DAFA}"/>
-              </a:ext>
-            </a:extLst>
-          </p:cNvPr>
-          <p:cNvPicPr>
-            <a:picLocks noChangeAspect="1"/>
-          </p:cNvPicPr>
-          <p:nvPr/>
-        </p:nvPicPr>
-        <p:blipFill>
-          <a:blip r:embed="rId4"/>
-          <a:stretch>
-            <a:fillRect/>
-          </a:stretch>
-        </p:blipFill>
-        <p:spPr>
-          <a:xfrm>
-            <a:off x="4809552" y="1416350"/>
-            <a:ext cx="1638638" cy="4114800"/>
-          </a:xfrm>
-          <a:prstGeom prst="rect">
-            <a:avLst/>
-          </a:prstGeom>
-        </p:spPr>
-      </p:pic>
-      <p:pic>
-        <p:nvPicPr>
-          <p:cNvPr id="10" name="Picture 10" descr="A screenshot of a cell phone&#10;&#10;Description generated with very high confidence">
-            <a:extLst>
-              <a:ext uri="{FF2B5EF4-FFF2-40B4-BE49-F238E27FC236}">
-                <a16:creationId xmlns="" xmlns:a16="http://schemas.microsoft.com/office/drawing/2014/main" id="{EA4A28A0-2A1B-403C-A424-9C8381F27608}"/>
-              </a:ext>
-            </a:extLst>
-          </p:cNvPr>
-          <p:cNvPicPr>
-            <a:picLocks noChangeAspect="1"/>
-          </p:cNvPicPr>
-          <p:nvPr/>
-        </p:nvPicPr>
-        <p:blipFill>
-          <a:blip r:embed="rId5"/>
-          <a:stretch>
-            <a:fillRect/>
-          </a:stretch>
-        </p:blipFill>
-        <p:spPr>
-          <a:xfrm>
-            <a:off x="6955103" y="2521429"/>
-            <a:ext cx="1638638" cy="4114800"/>
-          </a:xfrm>
-          <a:prstGeom prst="rect">
-            <a:avLst/>
-          </a:prstGeom>
-        </p:spPr>
-      </p:pic>
-      <p:sp>
-        <p:nvSpPr>
-          <p:cNvPr id="22" name="TextBox 21">
-            <a:extLst>
-              <a:ext uri="{FF2B5EF4-FFF2-40B4-BE49-F238E27FC236}">
-                <a16:creationId xmlns="" xmlns:a16="http://schemas.microsoft.com/office/drawing/2014/main" id="{FA8F727F-98D9-4ECB-A4BA-30A4E933E1CA}"/>
-              </a:ext>
-            </a:extLst>
-          </p:cNvPr>
-          <p:cNvSpPr txBox="1"/>
-          <p:nvPr/>
-        </p:nvSpPr>
-        <p:spPr>
-          <a:xfrm>
-            <a:off x="3457036" y="159589"/>
-            <a:ext cx="2057400" cy="646331"/>
-          </a:xfrm>
-          <a:prstGeom prst="rect">
-            <a:avLst/>
-          </a:prstGeom>
-        </p:spPr>
-        <p:txBody>
-          <a:bodyPr rot="0" spcFirstLastPara="0" vertOverflow="overflow" horzOverflow="overflow" vert="horz" wrap="square" lIns="91440" tIns="45720" rIns="91440" bIns="45720" numCol="1" spcCol="0" rtlCol="0" fromWordArt="0" anchor="t" anchorCtr="0" forceAA="0" compatLnSpc="1">
-            <a:prstTxWarp prst="textNoShape">
-              <a:avLst/>
-            </a:prstTxWarp>
-            <a:spAutoFit/>
-          </a:bodyPr>
-          <a:lstStyle/>
-          <a:p>
-            <a:pPr algn="ctr"/>
-            <a:r>
-              <a:rPr lang="en-US" sz="3600">
-                <a:latin typeface="Times New Roman"/>
-                <a:cs typeface="Times New Roman"/>
-              </a:rPr>
-              <a:t>GUI</a:t>
-            </a:r>
-            <a:endParaRPr lang="en-US" dirty="0">
-              <a:latin typeface="Times New Roman"/>
-              <a:cs typeface="Times New Roman"/>
-            </a:endParaRPr>
-          </a:p>
-        </p:txBody>
-      </p:sp>
-    </p:spTree>
-    <p:extLst>
-      <p:ext uri="{BB962C8B-B14F-4D97-AF65-F5344CB8AC3E}">
-        <p14:creationId xmlns:p14="http://schemas.microsoft.com/office/powerpoint/2010/main" val="3561132393"/>
-      </p:ext>
-    </p:extLst>
-  </p:cSld>
-  <p:clrMapOvr>
-    <a:masterClrMapping/>
-  </p:clrMapOvr>
-  <p:timing>
-    <p:tnLst>
-      <p:par>
-        <p:cTn id="1" dur="indefinite" restart="never" nodeType="tmRoot">
-          <p:childTnLst>
-            <p:seq concurrent="1" nextAc="seek">
-              <p:cTn id="2" dur="indefinite" nodeType="mainSeq">
-                <p:childTnLst>
-                  <p:par>
-                    <p:cTn id="3" fill="hold">
-                      <p:stCondLst>
-                        <p:cond delay="indefinite"/>
-                      </p:stCondLst>
-                      <p:childTnLst>
-                        <p:par>
-                          <p:cTn id="4" fill="hold">
-                            <p:stCondLst>
-                              <p:cond delay="0"/>
-                            </p:stCondLst>
-                            <p:childTnLst>
-                              <p:par>
-                                <p:cTn id="5" presetID="2" presetClass="entr" presetSubtype="4" fill="hold" nodeType="clickEffect">
-                                  <p:stCondLst>
-                                    <p:cond delay="0"/>
-                                  </p:stCondLst>
-                                  <p:childTnLst>
-                                    <p:set>
-                                      <p:cBhvr>
-                                        <p:cTn id="6" dur="1" fill="hold">
-                                          <p:stCondLst>
-                                            <p:cond delay="0"/>
-                                          </p:stCondLst>
-                                        </p:cTn>
-                                        <p:tgtEl>
-                                          <p:spTgt spid="4"/>
-                                        </p:tgtEl>
-                                        <p:attrNameLst>
-                                          <p:attrName>style.visibility</p:attrName>
-                                        </p:attrNameLst>
-                                      </p:cBhvr>
-                                      <p:to>
-                                        <p:strVal val="visible"/>
-                                      </p:to>
-                                    </p:set>
-                                    <p:anim calcmode="lin" valueType="num">
-                                      <p:cBhvr additive="base">
-                                        <p:cTn id="7" dur="500" fill="hold"/>
-                                        <p:tgtEl>
-                                          <p:spTgt spid="4"/>
-                                        </p:tgtEl>
-                                        <p:attrNameLst>
-                                          <p:attrName>ppt_x</p:attrName>
-                                        </p:attrNameLst>
-                                      </p:cBhvr>
-                                      <p:tavLst>
-                                        <p:tav tm="0">
-                                          <p:val>
-                                            <p:strVal val="#ppt_x"/>
-                                          </p:val>
-                                        </p:tav>
-                                        <p:tav tm="100000">
-                                          <p:val>
-                                            <p:strVal val="#ppt_x"/>
-                                          </p:val>
-                                        </p:tav>
-                                      </p:tavLst>
-                                    </p:anim>
-                                    <p:anim calcmode="lin" valueType="num">
-                                      <p:cBhvr additive="base">
-                                        <p:cTn id="8" dur="500" fill="hold"/>
-                                        <p:tgtEl>
-                                          <p:spTgt spid="4"/>
-                                        </p:tgtEl>
-                                        <p:attrNameLst>
-                                          <p:attrName>ppt_y</p:attrName>
-                                        </p:attrNameLst>
-                                      </p:cBhvr>
-                                      <p:tavLst>
-                                        <p:tav tm="0">
-                                          <p:val>
-                                            <p:strVal val="1+#ppt_h/2"/>
-                                          </p:val>
-                                        </p:tav>
-                                        <p:tav tm="100000">
-                                          <p:val>
-                                            <p:strVal val="#ppt_y"/>
-                                          </p:val>
-                                        </p:tav>
-                                      </p:tavLst>
-                                    </p:anim>
-                                  </p:childTnLst>
-                                </p:cTn>
-                              </p:par>
-                            </p:childTnLst>
-                          </p:cTn>
-                        </p:par>
-                      </p:childTnLst>
-                    </p:cTn>
-                  </p:par>
-                  <p:par>
-                    <p:cTn id="9" fill="hold">
-                      <p:stCondLst>
-                        <p:cond delay="indefinite"/>
-                      </p:stCondLst>
-                      <p:childTnLst>
-                        <p:par>
-                          <p:cTn id="10" fill="hold">
-                            <p:stCondLst>
-                              <p:cond delay="0"/>
-                            </p:stCondLst>
-                            <p:childTnLst>
-                              <p:par>
-                                <p:cTn id="11" presetID="10" presetClass="entr" presetSubtype="0" fill="hold" nodeType="clickEffect">
-                                  <p:stCondLst>
-                                    <p:cond delay="0"/>
-                                  </p:stCondLst>
-                                  <p:childTnLst>
-                                    <p:set>
-                                      <p:cBhvr>
-                                        <p:cTn id="12" dur="1" fill="hold">
-                                          <p:stCondLst>
-                                            <p:cond delay="0"/>
-                                          </p:stCondLst>
-                                        </p:cTn>
-                                        <p:tgtEl>
-                                          <p:spTgt spid="6"/>
-                                        </p:tgtEl>
-                                        <p:attrNameLst>
-                                          <p:attrName>style.visibility</p:attrName>
-                                        </p:attrNameLst>
-                                      </p:cBhvr>
-                                      <p:to>
-                                        <p:strVal val="visible"/>
-                                      </p:to>
-                                    </p:set>
-                                    <p:animEffect transition="in" filter="fade">
-                                      <p:cBhvr>
-                                        <p:cTn id="13" dur="500"/>
-                                        <p:tgtEl>
-                                          <p:spTgt spid="6"/>
-                                        </p:tgtEl>
-                                      </p:cBhvr>
-                                    </p:animEffect>
-                                  </p:childTnLst>
-                                </p:cTn>
-                              </p:par>
-                            </p:childTnLst>
-                          </p:cTn>
-                        </p:par>
-                      </p:childTnLst>
-                    </p:cTn>
-                  </p:par>
-                  <p:par>
-                    <p:cTn id="14" fill="hold">
-                      <p:stCondLst>
-                        <p:cond delay="indefinite"/>
-                      </p:stCondLst>
-                      <p:childTnLst>
-                        <p:par>
-                          <p:cTn id="15" fill="hold">
-                            <p:stCondLst>
-                              <p:cond delay="0"/>
-                            </p:stCondLst>
-                            <p:childTnLst>
-                              <p:par>
-                                <p:cTn id="16" presetID="10" presetClass="entr" presetSubtype="0" fill="hold" nodeType="clickEffect">
-                                  <p:stCondLst>
-                                    <p:cond delay="0"/>
-                                  </p:stCondLst>
-                                  <p:childTnLst>
-                                    <p:set>
-                                      <p:cBhvr>
-                                        <p:cTn id="17" dur="1" fill="hold">
-                                          <p:stCondLst>
-                                            <p:cond delay="0"/>
-                                          </p:stCondLst>
-                                        </p:cTn>
-                                        <p:tgtEl>
-                                          <p:spTgt spid="8"/>
-                                        </p:tgtEl>
-                                        <p:attrNameLst>
-                                          <p:attrName>style.visibility</p:attrName>
-                                        </p:attrNameLst>
-                                      </p:cBhvr>
-                                      <p:to>
-                                        <p:strVal val="visible"/>
-                                      </p:to>
-                                    </p:set>
-                                    <p:animEffect transition="in" filter="fade">
-                                      <p:cBhvr>
-                                        <p:cTn id="18" dur="500"/>
-                                        <p:tgtEl>
-                                          <p:spTgt spid="8"/>
-                                        </p:tgtEl>
-                                      </p:cBhvr>
-                                    </p:animEffect>
-                                  </p:childTnLst>
-                                </p:cTn>
-                              </p:par>
-                            </p:childTnLst>
-                          </p:cTn>
-                        </p:par>
-                      </p:childTnLst>
-                    </p:cTn>
-                  </p:par>
-                  <p:par>
-                    <p:cTn id="19" fill="hold">
-                      <p:stCondLst>
-                        <p:cond delay="indefinite"/>
-                      </p:stCondLst>
-                      <p:childTnLst>
-                        <p:par>
-                          <p:cTn id="20" fill="hold">
-                            <p:stCondLst>
-                              <p:cond delay="0"/>
-                            </p:stCondLst>
-                            <p:childTnLst>
-                              <p:par>
-                                <p:cTn id="21" presetID="10" presetClass="entr" presetSubtype="0" fill="hold" nodeType="clickEffect">
-                                  <p:stCondLst>
-                                    <p:cond delay="0"/>
-                                  </p:stCondLst>
-                                  <p:childTnLst>
-                                    <p:set>
-                                      <p:cBhvr>
-                                        <p:cTn id="22" dur="1" fill="hold">
-                                          <p:stCondLst>
-                                            <p:cond delay="0"/>
-                                          </p:stCondLst>
-                                        </p:cTn>
-                                        <p:tgtEl>
-                                          <p:spTgt spid="10"/>
-                                        </p:tgtEl>
-                                        <p:attrNameLst>
-                                          <p:attrName>style.visibility</p:attrName>
-                                        </p:attrNameLst>
-                                      </p:cBhvr>
-                                      <p:to>
-                                        <p:strVal val="visible"/>
-                                      </p:to>
-                                    </p:set>
-                                    <p:animEffect transition="in" filter="fade">
-                                      <p:cBhvr>
-                                        <p:cTn id="23" dur="500"/>
-                                        <p:tgtEl>
-                                          <p:spTgt spid="10"/>
-                                        </p:tgtEl>
-                                      </p:cBhvr>
-                                    </p:animEffect>
-                                  </p:childTnLst>
-                                </p:cTn>
-                              </p:par>
-                            </p:childTnLst>
-                          </p:cTn>
-                        </p:par>
-                      </p:childTnLst>
-                    </p:cTn>
-                  </p:par>
-                </p:childTnLst>
-              </p:cTn>
-              <p:prevCondLst>
-                <p:cond evt="onPrev" delay="0">
-                  <p:tgtEl>
-                    <p:sldTgt/>
-                  </p:tgtEl>
-                </p:cond>
-              </p:prevCondLst>
-              <p:nextCondLst>
-                <p:cond evt="onNext" delay="0">
-                  <p:tgtEl>
-                    <p:sldTgt/>
-                  </p:tgtEl>
-                </p:cond>
-              </p:nextCondLst>
-            </p:seq>
-          </p:childTnLst>
-        </p:cTn>
-      </p:par>
-    </p:tnLst>
-  </p:timing>
-</p:sld>
-</file>
-
 <file path=ppt/theme/theme1.xml><?xml version="1.0" encoding="utf-8"?>
 <a:theme xmlns:a="http://schemas.openxmlformats.org/drawingml/2006/main" name="Office Theme">
   <a:themeElements>
